--- a/seminars/SCBO-presentation-06-06-2016/jhanson_scbo.pptx
+++ b/seminars/SCBO-presentation-06-06-2016/jhanson_scbo.pptx
@@ -5,7 +5,7 @@
     <p:sldMasterId id="2147483648" r:id="rId1"/>
   </p:sldMasterIdLst>
   <p:notesMasterIdLst>
-    <p:notesMasterId r:id="rId24"/>
+    <p:notesMasterId r:id="rId25"/>
   </p:notesMasterIdLst>
   <p:sldIdLst>
     <p:sldId id="257" r:id="rId2"/>
@@ -15,21 +15,22 @@
     <p:sldId id="261" r:id="rId6"/>
     <p:sldId id="321" r:id="rId7"/>
     <p:sldId id="331" r:id="rId8"/>
-    <p:sldId id="266" r:id="rId9"/>
-    <p:sldId id="307" r:id="rId10"/>
-    <p:sldId id="308" r:id="rId11"/>
-    <p:sldId id="314" r:id="rId12"/>
-    <p:sldId id="335" r:id="rId13"/>
-    <p:sldId id="285" r:id="rId14"/>
-    <p:sldId id="304" r:id="rId15"/>
-    <p:sldId id="291" r:id="rId16"/>
-    <p:sldId id="301" r:id="rId17"/>
-    <p:sldId id="332" r:id="rId18"/>
-    <p:sldId id="333" r:id="rId19"/>
-    <p:sldId id="324" r:id="rId20"/>
-    <p:sldId id="334" r:id="rId21"/>
-    <p:sldId id="325" r:id="rId22"/>
-    <p:sldId id="320" r:id="rId23"/>
+    <p:sldId id="336" r:id="rId9"/>
+    <p:sldId id="266" r:id="rId10"/>
+    <p:sldId id="307" r:id="rId11"/>
+    <p:sldId id="308" r:id="rId12"/>
+    <p:sldId id="314" r:id="rId13"/>
+    <p:sldId id="335" r:id="rId14"/>
+    <p:sldId id="285" r:id="rId15"/>
+    <p:sldId id="304" r:id="rId16"/>
+    <p:sldId id="291" r:id="rId17"/>
+    <p:sldId id="301" r:id="rId18"/>
+    <p:sldId id="332" r:id="rId19"/>
+    <p:sldId id="333" r:id="rId20"/>
+    <p:sldId id="324" r:id="rId21"/>
+    <p:sldId id="334" r:id="rId22"/>
+    <p:sldId id="325" r:id="rId23"/>
+    <p:sldId id="320" r:id="rId24"/>
   </p:sldIdLst>
   <p:sldSz cx="9144000" cy="5143500" type="screen16x9"/>
   <p:notesSz cx="6858000" cy="9144000"/>
@@ -564,6 +565,27 @@
             </a:r>
           </a:p>
           <a:p>
+            <a:endParaRPr lang="en-AU" dirty="0" smtClean="0"/>
+          </a:p>
+          <a:p>
+            <a:pPr marL="171450" indent="-171450">
+              <a:buFontTx/>
+              <a:buChar char="-"/>
+            </a:pPr>
+            <a:r>
+              <a:rPr lang="en-AU" dirty="0" smtClean="0"/>
+              <a:t>Include dodo</a:t>
+            </a:r>
+            <a:r>
+              <a:rPr lang="en-AU" baseline="0" dirty="0" smtClean="0"/>
+              <a:t> &amp; plant </a:t>
+            </a:r>
+          </a:p>
+          <a:p>
+            <a:pPr marL="171450" indent="-171450">
+              <a:buFontTx/>
+              <a:buChar char="-"/>
+            </a:pPr>
             <a:endParaRPr lang="en-AU" dirty="0"/>
           </a:p>
         </p:txBody>
@@ -811,7 +833,7 @@
           <a:p>
             <a:fld id="{2DEB35AC-EDC9-4126-A288-688121FD5938}" type="slidenum">
               <a:rPr lang="en-AU" smtClean="0"/>
-              <a:t>13</a:t>
+              <a:t>14</a:t>
             </a:fld>
             <a:endParaRPr lang="en-AU" dirty="0"/>
           </a:p>
@@ -948,7 +970,7 @@
           <a:p>
             <a:fld id="{67B435CA-C371-4DED-9C4C-6273828C0F3B}" type="slidenum">
               <a:rPr lang="en-AU" smtClean="0"/>
-              <a:t>16</a:t>
+              <a:t>17</a:t>
             </a:fld>
             <a:endParaRPr lang="en-AU" dirty="0"/>
           </a:p>
@@ -1085,7 +1107,7 @@
           <a:p>
             <a:fld id="{67B435CA-C371-4DED-9C4C-6273828C0F3B}" type="slidenum">
               <a:rPr lang="en-AU" smtClean="0"/>
-              <a:t>17</a:t>
+              <a:t>18</a:t>
             </a:fld>
             <a:endParaRPr lang="en-AU" dirty="0"/>
           </a:p>
@@ -1222,7 +1244,7 @@
           <a:p>
             <a:fld id="{67B435CA-C371-4DED-9C4C-6273828C0F3B}" type="slidenum">
               <a:rPr lang="en-AU" smtClean="0"/>
-              <a:t>18</a:t>
+              <a:t>19</a:t>
             </a:fld>
             <a:endParaRPr lang="en-AU" dirty="0"/>
           </a:p>
@@ -4748,6 +4770,343 @@
       </p:grpSpPr>
       <p:sp>
         <p:nvSpPr>
+          <p:cNvPr id="2" name="Title 1"/>
+          <p:cNvSpPr>
+            <a:spLocks noGrp="1"/>
+          </p:cNvSpPr>
+          <p:nvPr>
+            <p:ph type="title"/>
+          </p:nvPr>
+        </p:nvSpPr>
+        <p:spPr>
+          <a:xfrm>
+            <a:off x="457200" y="882"/>
+            <a:ext cx="8229600" cy="857250"/>
+          </a:xfrm>
+        </p:spPr>
+        <p:txBody>
+          <a:bodyPr/>
+          <a:lstStyle/>
+          <a:p>
+            <a:r>
+              <a:rPr lang="en-AU" dirty="0" smtClean="0"/>
+              <a:t>Case study</a:t>
+            </a:r>
+            <a:endParaRPr lang="en-AU" dirty="0"/>
+          </a:p>
+        </p:txBody>
+      </p:sp>
+      <p:pic>
+        <p:nvPicPr>
+          <p:cNvPr id="4098" name="Picture 2" descr="C:\Users\jhanson\Downloads\unnamed-chunk-4-1.png"/>
+          <p:cNvPicPr>
+            <a:picLocks noChangeAspect="1" noChangeArrowheads="1"/>
+          </p:cNvPicPr>
+          <p:nvPr/>
+        </p:nvPicPr>
+        <p:blipFill rotWithShape="1">
+          <a:blip r:embed="rId2">
+            <a:extLst>
+              <a:ext uri="{28A0092B-C50C-407E-A947-70E740481C1C}">
+                <a14:useLocalDpi xmlns:a14="http://schemas.microsoft.com/office/drawing/2010/main" val="0"/>
+              </a:ext>
+            </a:extLst>
+          </a:blip>
+          <a:srcRect b="50000"/>
+          <a:stretch/>
+        </p:blipFill>
+        <p:spPr bwMode="auto">
+          <a:xfrm>
+            <a:off x="735170" y="711617"/>
+            <a:ext cx="7673660" cy="2877623"/>
+          </a:xfrm>
+          <a:prstGeom prst="rect">
+            <a:avLst/>
+          </a:prstGeom>
+          <a:noFill/>
+          <a:extLst>
+            <a:ext uri="{909E8E84-426E-40DD-AFC4-6F175D3DCCD1}">
+              <a14:hiddenFill xmlns:a14="http://schemas.microsoft.com/office/drawing/2010/main">
+                <a:solidFill>
+                  <a:srgbClr val="FFFFFF"/>
+                </a:solidFill>
+              </a14:hiddenFill>
+            </a:ext>
+          </a:extLst>
+        </p:spPr>
+      </p:pic>
+      <p:grpSp>
+        <p:nvGrpSpPr>
+          <p:cNvPr id="4" name="Group 3"/>
+          <p:cNvGrpSpPr/>
+          <p:nvPr/>
+        </p:nvGrpSpPr>
+        <p:grpSpPr>
+          <a:xfrm>
+            <a:off x="871776" y="3729505"/>
+            <a:ext cx="5885980" cy="1346851"/>
+            <a:chOff x="1586151" y="3758080"/>
+            <a:chExt cx="5885980" cy="1346851"/>
+          </a:xfrm>
+        </p:grpSpPr>
+        <p:grpSp>
+          <p:nvGrpSpPr>
+            <p:cNvPr id="5" name="Group 4"/>
+            <p:cNvGrpSpPr/>
+            <p:nvPr/>
+          </p:nvGrpSpPr>
+          <p:grpSpPr>
+            <a:xfrm>
+              <a:off x="1671876" y="3758080"/>
+              <a:ext cx="5800255" cy="1272854"/>
+              <a:chOff x="1082233" y="5010772"/>
+              <a:chExt cx="5800255" cy="1697138"/>
+            </a:xfrm>
+          </p:grpSpPr>
+          <p:pic>
+            <p:nvPicPr>
+              <p:cNvPr id="4102" name="Picture 6" descr="http://www.actaplantarum.org/floraitaliae/download/file.php?id=99965"/>
+              <p:cNvPicPr>
+                <a:picLocks noChangeAspect="1" noChangeArrowheads="1"/>
+              </p:cNvPicPr>
+              <p:nvPr/>
+            </p:nvPicPr>
+            <p:blipFill>
+              <a:blip r:embed="rId3" cstate="print">
+                <a:extLst>
+                  <a:ext uri="{28A0092B-C50C-407E-A947-70E740481C1C}">
+                    <a14:useLocalDpi xmlns:a14="http://schemas.microsoft.com/office/drawing/2010/main" val="0"/>
+                  </a:ext>
+                </a:extLst>
+              </a:blip>
+              <a:srcRect/>
+              <a:stretch>
+                <a:fillRect/>
+              </a:stretch>
+            </p:blipFill>
+            <p:spPr bwMode="auto">
+              <a:xfrm>
+                <a:off x="1082233" y="5010772"/>
+                <a:ext cx="2262851" cy="1697138"/>
+              </a:xfrm>
+              <a:prstGeom prst="rect">
+                <a:avLst/>
+              </a:prstGeom>
+              <a:noFill/>
+              <a:extLst>
+                <a:ext uri="{909E8E84-426E-40DD-AFC4-6F175D3DCCD1}">
+                  <a14:hiddenFill xmlns:a14="http://schemas.microsoft.com/office/drawing/2010/main">
+                    <a:solidFill>
+                      <a:srgbClr val="FFFFFF"/>
+                    </a:solidFill>
+                  </a14:hiddenFill>
+                </a:ext>
+              </a:extLst>
+            </p:spPr>
+          </p:pic>
+          <p:pic>
+            <p:nvPicPr>
+              <p:cNvPr id="4104" name="Picture 8" descr="http://www.destigianni.com/images/Varie/fiori/phyteumabetonicifolium10.jpg"/>
+              <p:cNvPicPr>
+                <a:picLocks noChangeAspect="1" noChangeArrowheads="1"/>
+              </p:cNvPicPr>
+              <p:nvPr/>
+            </p:nvPicPr>
+            <p:blipFill>
+              <a:blip r:embed="rId4" cstate="print">
+                <a:extLst>
+                  <a:ext uri="{28A0092B-C50C-407E-A947-70E740481C1C}">
+                    <a14:useLocalDpi xmlns:a14="http://schemas.microsoft.com/office/drawing/2010/main" val="0"/>
+                  </a:ext>
+                </a:extLst>
+              </a:blip>
+              <a:srcRect/>
+              <a:stretch>
+                <a:fillRect/>
+              </a:stretch>
+            </p:blipFill>
+            <p:spPr bwMode="auto">
+              <a:xfrm>
+                <a:off x="3289286" y="5010772"/>
+                <a:ext cx="2543588" cy="1697138"/>
+              </a:xfrm>
+              <a:prstGeom prst="rect">
+                <a:avLst/>
+              </a:prstGeom>
+              <a:noFill/>
+              <a:extLst>
+                <a:ext uri="{909E8E84-426E-40DD-AFC4-6F175D3DCCD1}">
+                  <a14:hiddenFill xmlns:a14="http://schemas.microsoft.com/office/drawing/2010/main">
+                    <a:solidFill>
+                      <a:srgbClr val="FFFFFF"/>
+                    </a:solidFill>
+                  </a14:hiddenFill>
+                </a:ext>
+              </a:extLst>
+            </p:spPr>
+          </p:pic>
+          <p:pic>
+            <p:nvPicPr>
+              <p:cNvPr id="15" name="Picture 14" descr="https://upload.wikimedia.org/wikipedia/commons/0/01/Teufelskralle_blau_bl%C3%BChend_2.jpg"/>
+              <p:cNvPicPr>
+                <a:picLocks noChangeAspect="1" noChangeArrowheads="1"/>
+              </p:cNvPicPr>
+              <p:nvPr/>
+            </p:nvPicPr>
+            <p:blipFill>
+              <a:blip r:embed="rId5" cstate="print">
+                <a:extLst>
+                  <a:ext uri="{28A0092B-C50C-407E-A947-70E740481C1C}">
+                    <a14:useLocalDpi xmlns:a14="http://schemas.microsoft.com/office/drawing/2010/main" val="0"/>
+                  </a:ext>
+                </a:extLst>
+              </a:blip>
+              <a:srcRect/>
+              <a:stretch>
+                <a:fillRect/>
+              </a:stretch>
+            </p:blipFill>
+            <p:spPr bwMode="auto">
+              <a:xfrm>
+                <a:off x="5832873" y="5010772"/>
+                <a:ext cx="1049615" cy="1697137"/>
+              </a:xfrm>
+              <a:prstGeom prst="rect">
+                <a:avLst/>
+              </a:prstGeom>
+              <a:noFill/>
+              <a:extLst>
+                <a:ext uri="{909E8E84-426E-40DD-AFC4-6F175D3DCCD1}">
+                  <a14:hiddenFill xmlns:a14="http://schemas.microsoft.com/office/drawing/2010/main">
+                    <a:solidFill>
+                      <a:srgbClr val="FFFFFF"/>
+                    </a:solidFill>
+                  </a14:hiddenFill>
+                </a:ext>
+              </a:extLst>
+            </p:spPr>
+          </p:pic>
+        </p:grpSp>
+        <p:sp>
+          <p:nvSpPr>
+            <p:cNvPr id="3" name="TextBox 2"/>
+            <p:cNvSpPr txBox="1"/>
+            <p:nvPr/>
+          </p:nvSpPr>
+          <p:spPr>
+            <a:xfrm>
+              <a:off x="1586151" y="4735599"/>
+              <a:ext cx="2389565" cy="369332"/>
+            </a:xfrm>
+            <a:prstGeom prst="rect">
+              <a:avLst/>
+            </a:prstGeom>
+            <a:noFill/>
+          </p:spPr>
+          <p:txBody>
+            <a:bodyPr wrap="none" rtlCol="0">
+              <a:spAutoFit/>
+            </a:bodyPr>
+            <a:lstStyle/>
+            <a:p>
+              <a:r>
+                <a:rPr lang="en-AU" b="1" dirty="0" smtClean="0">
+                  <a:solidFill>
+                    <a:schemeClr val="bg1"/>
+                  </a:solidFill>
+                </a:rPr>
+                <a:t>betony leaved rampion</a:t>
+              </a:r>
+              <a:endParaRPr lang="en-AU" b="1" dirty="0">
+                <a:solidFill>
+                  <a:schemeClr val="bg1"/>
+                </a:solidFill>
+              </a:endParaRPr>
+            </a:p>
+          </p:txBody>
+        </p:sp>
+      </p:grpSp>
+      <p:sp>
+        <p:nvSpPr>
+          <p:cNvPr id="9" name="TextBox 8"/>
+          <p:cNvSpPr txBox="1"/>
+          <p:nvPr/>
+        </p:nvSpPr>
+        <p:spPr>
+          <a:xfrm>
+            <a:off x="6916283" y="4749609"/>
+            <a:ext cx="2207014" cy="400110"/>
+          </a:xfrm>
+          <a:prstGeom prst="rect">
+            <a:avLst/>
+          </a:prstGeom>
+          <a:noFill/>
+        </p:spPr>
+        <p:txBody>
+          <a:bodyPr wrap="none" rtlCol="0">
+            <a:spAutoFit/>
+          </a:bodyPr>
+          <a:lstStyle/>
+          <a:p>
+            <a:r>
+              <a:rPr lang="en-AU" sz="2000" dirty="0" smtClean="0">
+                <a:solidFill>
+                  <a:schemeClr val="bg1">
+                    <a:lumMod val="50000"/>
+                  </a:schemeClr>
+                </a:solidFill>
+              </a:rPr>
+              <a:t>jeffrey-hanson.com</a:t>
+            </a:r>
+            <a:endParaRPr lang="en-AU" sz="1600" dirty="0">
+              <a:solidFill>
+                <a:schemeClr val="bg1">
+                  <a:lumMod val="50000"/>
+                </a:schemeClr>
+              </a:solidFill>
+            </a:endParaRPr>
+          </a:p>
+        </p:txBody>
+      </p:sp>
+    </p:spTree>
+    <p:extLst>
+      <p:ext uri="{BB962C8B-B14F-4D97-AF65-F5344CB8AC3E}">
+        <p14:creationId xmlns:p14="http://schemas.microsoft.com/office/powerpoint/2010/main" val="2634711689"/>
+      </p:ext>
+    </p:extLst>
+  </p:cSld>
+  <p:clrMapOvr>
+    <a:masterClrMapping/>
+  </p:clrMapOvr>
+  <p:timing>
+    <p:tnLst>
+      <p:par>
+        <p:cTn id="1" dur="indefinite" restart="never" nodeType="tmRoot"/>
+      </p:par>
+    </p:tnLst>
+  </p:timing>
+</p:sld>
+</file>
+
+<file path=ppt/slides/slide11.xml><?xml version="1.0" encoding="utf-8"?>
+<p:sld xmlns:a="http://schemas.openxmlformats.org/drawingml/2006/main" xmlns:r="http://schemas.openxmlformats.org/officeDocument/2006/relationships" xmlns:p="http://schemas.openxmlformats.org/presentationml/2006/main">
+  <p:cSld>
+    <p:spTree>
+      <p:nvGrpSpPr>
+        <p:cNvPr id="1" name=""/>
+        <p:cNvGrpSpPr/>
+        <p:nvPr/>
+      </p:nvGrpSpPr>
+      <p:grpSpPr>
+        <a:xfrm>
+          <a:off x="0" y="0"/>
+          <a:ext cx="0" cy="0"/>
+          <a:chOff x="0" y="0"/>
+          <a:chExt cx="0" cy="0"/>
+        </a:xfrm>
+      </p:grpSpPr>
+      <p:sp>
+        <p:nvSpPr>
           <p:cNvPr id="6" name="Title 1"/>
           <p:cNvSpPr>
             <a:spLocks noGrp="1"/>
@@ -4923,7 +5282,7 @@
 </p:sld>
 </file>
 
-<file path=ppt/slides/slide11.xml><?xml version="1.0" encoding="utf-8"?>
+<file path=ppt/slides/slide12.xml><?xml version="1.0" encoding="utf-8"?>
 <p:sld xmlns:a="http://schemas.openxmlformats.org/drawingml/2006/main" xmlns:r="http://schemas.openxmlformats.org/officeDocument/2006/relationships" xmlns:p="http://schemas.openxmlformats.org/presentationml/2006/main">
   <p:cSld>
     <p:spTree>
@@ -5287,7 +5646,7 @@
 </p:sld>
 </file>
 
-<file path=ppt/slides/slide12.xml><?xml version="1.0" encoding="utf-8"?>
+<file path=ppt/slides/slide13.xml><?xml version="1.0" encoding="utf-8"?>
 <p:sld xmlns:a="http://schemas.openxmlformats.org/drawingml/2006/main" xmlns:r="http://schemas.openxmlformats.org/officeDocument/2006/relationships" xmlns:p="http://schemas.openxmlformats.org/presentationml/2006/main">
   <p:cSld>
     <p:spTree>
@@ -5413,7 +5772,7 @@
 </p:sld>
 </file>
 
-<file path=ppt/slides/slide13.xml><?xml version="1.0" encoding="utf-8"?>
+<file path=ppt/slides/slide14.xml><?xml version="1.0" encoding="utf-8"?>
 <p:sld xmlns:a="http://schemas.openxmlformats.org/drawingml/2006/main" xmlns:r="http://schemas.openxmlformats.org/officeDocument/2006/relationships" xmlns:p="http://schemas.openxmlformats.org/presentationml/2006/main">
   <p:cSld>
     <p:spTree>
@@ -5510,18 +5869,24 @@
             <a:endParaRPr lang="en-AU" dirty="0" smtClean="0"/>
           </a:p>
           <a:p>
+            <a:r>
+              <a:rPr lang="en-AU" dirty="0" smtClean="0"/>
+              <a:t>        package</a:t>
+            </a:r>
+            <a:endParaRPr lang="en-AU" dirty="0" smtClean="0"/>
+          </a:p>
+          <a:p>
             <a:endParaRPr lang="en-AU" dirty="0"/>
           </a:p>
           <a:p>
             <a:r>
               <a:rPr lang="en-AU" dirty="0"/>
-              <a:t>applied to any system</a:t>
+              <a:t>applied to any </a:t>
             </a:r>
-          </a:p>
-          <a:p>
-            <a:pPr marL="0" indent="0">
-              <a:buNone/>
-            </a:pPr>
+            <a:r>
+              <a:rPr lang="en-AU" dirty="0" smtClean="0"/>
+              <a:t>system</a:t>
+            </a:r>
             <a:endParaRPr lang="en-AU" b="1" dirty="0" smtClean="0"/>
           </a:p>
           <a:p>
@@ -5584,7 +5949,7 @@
         </p:blipFill>
         <p:spPr bwMode="auto">
           <a:xfrm>
-            <a:off x="5206073" y="1198365"/>
+            <a:off x="5206072" y="1198365"/>
             <a:ext cx="3937928" cy="1870516"/>
           </a:xfrm>
           <a:prstGeom prst="rect">
@@ -5666,7 +6031,7 @@
         </p:blipFill>
         <p:spPr bwMode="auto">
           <a:xfrm>
-            <a:off x="5220074" y="3902776"/>
+            <a:off x="5206072" y="3902776"/>
             <a:ext cx="3923927" cy="1261263"/>
           </a:xfrm>
           <a:prstGeom prst="rect">
@@ -5684,44 +6049,47 @@
           </a:extLst>
         </p:spPr>
       </p:pic>
-      <p:sp>
-        <p:nvSpPr>
-          <p:cNvPr id="7" name="TextBox 6"/>
-          <p:cNvSpPr txBox="1"/>
+      <p:pic>
+        <p:nvPicPr>
+          <p:cNvPr id="8" name="Picture 2" descr="https://www.r-project.org/logo/Rlogo.png"/>
+          <p:cNvPicPr>
+            <a:picLocks noChangeAspect="1" noChangeArrowheads="1"/>
+          </p:cNvPicPr>
           <p:nvPr/>
-        </p:nvSpPr>
-        <p:spPr>
+        </p:nvPicPr>
+        <p:blipFill>
+          <a:blip r:embed="rId6" cstate="print">
+            <a:extLst>
+              <a:ext uri="{28A0092B-C50C-407E-A947-70E740481C1C}">
+                <a14:useLocalDpi xmlns:a14="http://schemas.microsoft.com/office/drawing/2010/main" val="0"/>
+              </a:ext>
+            </a:extLst>
+          </a:blip>
+          <a:srcRect/>
+          <a:stretch>
+            <a:fillRect/>
+          </a:stretch>
+        </p:blipFill>
+        <p:spPr bwMode="auto">
           <a:xfrm>
-            <a:off x="6916283" y="4749609"/>
-            <a:ext cx="2207014" cy="400110"/>
+            <a:off x="851598" y="2628475"/>
+            <a:ext cx="561652" cy="368584"/>
           </a:xfrm>
           <a:prstGeom prst="rect">
             <a:avLst/>
           </a:prstGeom>
           <a:noFill/>
+          <a:extLst>
+            <a:ext uri="{909E8E84-426E-40DD-AFC4-6F175D3DCCD1}">
+              <a14:hiddenFill xmlns:a14="http://schemas.microsoft.com/office/drawing/2010/main">
+                <a:solidFill>
+                  <a:srgbClr val="FFFFFF"/>
+                </a:solidFill>
+              </a14:hiddenFill>
+            </a:ext>
+          </a:extLst>
         </p:spPr>
-        <p:txBody>
-          <a:bodyPr wrap="none" rtlCol="0">
-            <a:spAutoFit/>
-          </a:bodyPr>
-          <a:lstStyle/>
-          <a:p>
-            <a:r>
-              <a:rPr lang="en-AU" sz="2000" dirty="0" smtClean="0">
-                <a:solidFill>
-                  <a:schemeClr val="bg1"/>
-                </a:solidFill>
-              </a:rPr>
-              <a:t>jeffrey-hanson.com</a:t>
-            </a:r>
-            <a:endParaRPr lang="en-AU" sz="1600" dirty="0">
-              <a:solidFill>
-                <a:schemeClr val="bg1"/>
-              </a:solidFill>
-            </a:endParaRPr>
-          </a:p>
-        </p:txBody>
-      </p:sp>
+      </p:pic>
     </p:spTree>
     <p:extLst>
       <p:ext uri="{BB962C8B-B14F-4D97-AF65-F5344CB8AC3E}">
@@ -5742,7 +6110,7 @@
 </p:sld>
 </file>
 
-<file path=ppt/slides/slide14.xml><?xml version="1.0" encoding="utf-8"?>
+<file path=ppt/slides/slide15.xml><?xml version="1.0" encoding="utf-8"?>
 <p:sld xmlns:a="http://schemas.openxmlformats.org/drawingml/2006/main" xmlns:r="http://schemas.openxmlformats.org/officeDocument/2006/relationships" xmlns:p="http://schemas.openxmlformats.org/presentationml/2006/main">
   <p:cSld>
     <p:spTree>
@@ -5920,7 +6288,7 @@
 </p:sld>
 </file>
 
-<file path=ppt/slides/slide15.xml><?xml version="1.0" encoding="utf-8"?>
+<file path=ppt/slides/slide16.xml><?xml version="1.0" encoding="utf-8"?>
 <p:sld xmlns:a="http://schemas.openxmlformats.org/drawingml/2006/main" xmlns:r="http://schemas.openxmlformats.org/officeDocument/2006/relationships" xmlns:p="http://schemas.openxmlformats.org/presentationml/2006/main">
   <p:cSld>
     <p:spTree>
@@ -6258,7 +6626,7 @@
 </p:sld>
 </file>
 
-<file path=ppt/slides/slide16.xml><?xml version="1.0" encoding="utf-8"?>
+<file path=ppt/slides/slide17.xml><?xml version="1.0" encoding="utf-8"?>
 <p:sld xmlns:a="http://schemas.openxmlformats.org/drawingml/2006/main" xmlns:r="http://schemas.openxmlformats.org/officeDocument/2006/relationships" xmlns:p="http://schemas.openxmlformats.org/presentationml/2006/main" show="0">
   <p:cSld>
     <p:spTree>
@@ -8874,7 +9242,7 @@
 </p:sld>
 </file>
 
-<file path=ppt/slides/slide17.xml><?xml version="1.0" encoding="utf-8"?>
+<file path=ppt/slides/slide18.xml><?xml version="1.0" encoding="utf-8"?>
 <p:sld xmlns:a="http://schemas.openxmlformats.org/drawingml/2006/main" xmlns:r="http://schemas.openxmlformats.org/officeDocument/2006/relationships" xmlns:p="http://schemas.openxmlformats.org/presentationml/2006/main" show="0">
   <p:cSld>
     <p:spTree>
@@ -11494,7 +11862,7 @@
 </p:sld>
 </file>
 
-<file path=ppt/slides/slide18.xml><?xml version="1.0" encoding="utf-8"?>
+<file path=ppt/slides/slide19.xml><?xml version="1.0" encoding="utf-8"?>
 <p:sld xmlns:a="http://schemas.openxmlformats.org/drawingml/2006/main" xmlns:r="http://schemas.openxmlformats.org/officeDocument/2006/relationships" xmlns:p="http://schemas.openxmlformats.org/presentationml/2006/main" show="0">
   <p:cSld>
     <p:spTree>
@@ -14096,475 +14464,6 @@
       <p:transition spd="slow" p14:dur="2000"/>
     </mc:Choice>
     <mc:Fallback xmlns="">
-      <p:transition spd="slow"/>
-    </mc:Fallback>
-  </mc:AlternateContent>
-  <p:timing>
-    <p:tnLst>
-      <p:par>
-        <p:cTn id="1" dur="indefinite" restart="never" nodeType="tmRoot"/>
-      </p:par>
-    </p:tnLst>
-  </p:timing>
-</p:sld>
-</file>
-
-<file path=ppt/slides/slide19.xml><?xml version="1.0" encoding="utf-8"?>
-<p:sld xmlns:a="http://schemas.openxmlformats.org/drawingml/2006/main" xmlns:r="http://schemas.openxmlformats.org/officeDocument/2006/relationships" xmlns:p="http://schemas.openxmlformats.org/presentationml/2006/main" show="0">
-  <p:cSld>
-    <p:spTree>
-      <p:nvGrpSpPr>
-        <p:cNvPr id="1" name=""/>
-        <p:cNvGrpSpPr/>
-        <p:nvPr/>
-      </p:nvGrpSpPr>
-      <p:grpSpPr>
-        <a:xfrm>
-          <a:off x="0" y="0"/>
-          <a:ext cx="0" cy="0"/>
-          <a:chOff x="0" y="0"/>
-          <a:chExt cx="0" cy="0"/>
-        </a:xfrm>
-      </p:grpSpPr>
-      <p:sp>
-        <p:nvSpPr>
-          <p:cNvPr id="2" name="Title 1"/>
-          <p:cNvSpPr>
-            <a:spLocks noGrp="1"/>
-          </p:cNvSpPr>
-          <p:nvPr>
-            <p:ph type="title"/>
-          </p:nvPr>
-        </p:nvSpPr>
-        <p:spPr>
-          <a:xfrm>
-            <a:off x="457200" y="12269"/>
-            <a:ext cx="8229600" cy="857250"/>
-          </a:xfrm>
-        </p:spPr>
-        <p:txBody>
-          <a:bodyPr/>
-          <a:lstStyle/>
-          <a:p>
-            <a:r>
-              <a:rPr lang="en-AU" dirty="0" smtClean="0"/>
-              <a:t>Normally distributed species</a:t>
-            </a:r>
-            <a:endParaRPr lang="en-AU" dirty="0"/>
-          </a:p>
-        </p:txBody>
-      </p:sp>
-      <p:sp>
-        <p:nvSpPr>
-          <p:cNvPr id="4" name="Rectangle 3"/>
-          <p:cNvSpPr/>
-          <p:nvPr/>
-        </p:nvSpPr>
-        <p:spPr>
-          <a:xfrm>
-            <a:off x="107504" y="3705876"/>
-            <a:ext cx="8784976" cy="1437624"/>
-          </a:xfrm>
-          <a:prstGeom prst="rect">
-            <a:avLst/>
-          </a:prstGeom>
-          <a:solidFill>
-            <a:schemeClr val="tx1"/>
-          </a:solidFill>
-          <a:ln>
-            <a:noFill/>
-          </a:ln>
-        </p:spPr>
-        <p:style>
-          <a:lnRef idx="2">
-            <a:schemeClr val="accent1">
-              <a:shade val="50000"/>
-            </a:schemeClr>
-          </a:lnRef>
-          <a:fillRef idx="1">
-            <a:schemeClr val="accent1"/>
-          </a:fillRef>
-          <a:effectRef idx="0">
-            <a:schemeClr val="accent1"/>
-          </a:effectRef>
-          <a:fontRef idx="minor">
-            <a:schemeClr val="lt1"/>
-          </a:fontRef>
-        </p:style>
-        <p:txBody>
-          <a:bodyPr rtlCol="0" anchor="ctr"/>
-          <a:lstStyle/>
-          <a:p>
-            <a:pPr algn="ctr"/>
-            <a:endParaRPr lang="en-AU"/>
-          </a:p>
-        </p:txBody>
-      </p:sp>
-      <p:pic>
-        <p:nvPicPr>
-          <p:cNvPr id="6145" name="Picture 1" descr="C:\Users\jhanson\Downloads\unnamed-chunk-3-1.png"/>
-          <p:cNvPicPr>
-            <a:picLocks noChangeAspect="1" noChangeArrowheads="1"/>
-          </p:cNvPicPr>
-          <p:nvPr/>
-        </p:nvPicPr>
-        <p:blipFill rotWithShape="1">
-          <a:blip r:embed="rId2">
-            <a:extLst>
-              <a:ext uri="{28A0092B-C50C-407E-A947-70E740481C1C}">
-                <a14:useLocalDpi xmlns:a14="http://schemas.microsoft.com/office/drawing/2010/main" val="0"/>
-              </a:ext>
-            </a:extLst>
-          </a:blip>
-          <a:srcRect t="40920" r="13790" b="30791"/>
-          <a:stretch/>
-        </p:blipFill>
-        <p:spPr bwMode="auto">
-          <a:xfrm>
-            <a:off x="3119877" y="2172297"/>
-            <a:ext cx="5706034" cy="1638300"/>
-          </a:xfrm>
-          <a:prstGeom prst="rect">
-            <a:avLst/>
-          </a:prstGeom>
-          <a:noFill/>
-          <a:extLst>
-            <a:ext uri="{909E8E84-426E-40DD-AFC4-6F175D3DCCD1}">
-              <a14:hiddenFill xmlns:a14="http://schemas.microsoft.com/office/drawing/2010/main">
-                <a:solidFill>
-                  <a:srgbClr val="FFFFFF"/>
-                </a:solidFill>
-              </a14:hiddenFill>
-            </a:ext>
-          </a:extLst>
-        </p:spPr>
-      </p:pic>
-      <p:sp>
-        <p:nvSpPr>
-          <p:cNvPr id="10" name="Rectangle 9"/>
-          <p:cNvSpPr/>
-          <p:nvPr/>
-        </p:nvSpPr>
-        <p:spPr>
-          <a:xfrm>
-            <a:off x="943614" y="795037"/>
-            <a:ext cx="8784976" cy="1437624"/>
-          </a:xfrm>
-          <a:prstGeom prst="rect">
-            <a:avLst/>
-          </a:prstGeom>
-          <a:solidFill>
-            <a:schemeClr val="tx1"/>
-          </a:solidFill>
-          <a:ln>
-            <a:noFill/>
-          </a:ln>
-        </p:spPr>
-        <p:style>
-          <a:lnRef idx="2">
-            <a:schemeClr val="accent1">
-              <a:shade val="50000"/>
-            </a:schemeClr>
-          </a:lnRef>
-          <a:fillRef idx="1">
-            <a:schemeClr val="accent1"/>
-          </a:fillRef>
-          <a:effectRef idx="0">
-            <a:schemeClr val="accent1"/>
-          </a:effectRef>
-          <a:fontRef idx="minor">
-            <a:schemeClr val="lt1"/>
-          </a:fontRef>
-        </p:style>
-        <p:txBody>
-          <a:bodyPr rtlCol="0" anchor="ctr"/>
-          <a:lstStyle/>
-          <a:p>
-            <a:pPr algn="ctr"/>
-            <a:endParaRPr lang="en-AU"/>
-          </a:p>
-        </p:txBody>
-      </p:sp>
-      <p:pic>
-        <p:nvPicPr>
-          <p:cNvPr id="6" name="Picture 2" descr="C:\Users\jhanson\Downloads\unnamed-chunk-2-1.png"/>
-          <p:cNvPicPr>
-            <a:picLocks noChangeAspect="1" noChangeArrowheads="1"/>
-          </p:cNvPicPr>
-          <p:nvPr/>
-        </p:nvPicPr>
-        <p:blipFill rotWithShape="1">
-          <a:blip r:embed="rId3">
-            <a:extLst>
-              <a:ext uri="{28A0092B-C50C-407E-A947-70E740481C1C}">
-                <a14:useLocalDpi xmlns:a14="http://schemas.microsoft.com/office/drawing/2010/main" val="0"/>
-              </a:ext>
-            </a:extLst>
-          </a:blip>
-          <a:srcRect l="27397" t="17773" r="47394"/>
-          <a:stretch/>
-        </p:blipFill>
-        <p:spPr bwMode="auto">
-          <a:xfrm>
-            <a:off x="435724" y="2215081"/>
-            <a:ext cx="2804159" cy="1625997"/>
-          </a:xfrm>
-          <a:prstGeom prst="rect">
-            <a:avLst/>
-          </a:prstGeom>
-          <a:noFill/>
-          <a:extLst>
-            <a:ext uri="{909E8E84-426E-40DD-AFC4-6F175D3DCCD1}">
-              <a14:hiddenFill xmlns:a14="http://schemas.microsoft.com/office/drawing/2010/main">
-                <a:solidFill>
-                  <a:srgbClr val="FFFFFF"/>
-                </a:solidFill>
-              </a14:hiddenFill>
-            </a:ext>
-          </a:extLst>
-        </p:spPr>
-      </p:pic>
-      <p:sp>
-        <p:nvSpPr>
-          <p:cNvPr id="5" name="TextBox 4"/>
-          <p:cNvSpPr txBox="1"/>
-          <p:nvPr/>
-        </p:nvSpPr>
-        <p:spPr>
-          <a:xfrm>
-            <a:off x="3650785" y="1320982"/>
-            <a:ext cx="1698414" cy="1200329"/>
-          </a:xfrm>
-          <a:prstGeom prst="rect">
-            <a:avLst/>
-          </a:prstGeom>
-          <a:noFill/>
-        </p:spPr>
-        <p:txBody>
-          <a:bodyPr wrap="none" rtlCol="0">
-            <a:spAutoFit/>
-          </a:bodyPr>
-          <a:lstStyle/>
-          <a:p>
-            <a:pPr algn="ctr"/>
-            <a:r>
-              <a:rPr lang="en-AU" sz="3600" dirty="0" smtClean="0">
-                <a:solidFill>
-                  <a:schemeClr val="bg1"/>
-                </a:solidFill>
-              </a:rPr>
-              <a:t>Amount</a:t>
-            </a:r>
-          </a:p>
-          <a:p>
-            <a:pPr algn="ctr"/>
-            <a:r>
-              <a:rPr lang="en-AU" sz="3600" dirty="0" smtClean="0">
-                <a:solidFill>
-                  <a:schemeClr val="bg1"/>
-                </a:solidFill>
-              </a:rPr>
-              <a:t>target</a:t>
-            </a:r>
-            <a:endParaRPr lang="en-AU" sz="3600" dirty="0">
-              <a:solidFill>
-                <a:schemeClr val="bg1"/>
-              </a:solidFill>
-            </a:endParaRPr>
-          </a:p>
-        </p:txBody>
-      </p:sp>
-      <p:sp>
-        <p:nvSpPr>
-          <p:cNvPr id="9" name="TextBox 8"/>
-          <p:cNvSpPr txBox="1"/>
-          <p:nvPr/>
-        </p:nvSpPr>
-        <p:spPr>
-          <a:xfrm>
-            <a:off x="6095857" y="1320982"/>
-            <a:ext cx="2657459" cy="1200329"/>
-          </a:xfrm>
-          <a:prstGeom prst="rect">
-            <a:avLst/>
-          </a:prstGeom>
-          <a:noFill/>
-        </p:spPr>
-        <p:txBody>
-          <a:bodyPr wrap="none" rtlCol="0">
-            <a:spAutoFit/>
-          </a:bodyPr>
-          <a:lstStyle/>
-          <a:p>
-            <a:pPr algn="ctr"/>
-            <a:r>
-              <a:rPr lang="en-AU" sz="3600" dirty="0" smtClean="0">
-                <a:solidFill>
-                  <a:schemeClr val="bg1"/>
-                </a:solidFill>
-              </a:rPr>
-              <a:t>Amount &amp;</a:t>
-            </a:r>
-          </a:p>
-          <a:p>
-            <a:pPr algn="ctr"/>
-            <a:r>
-              <a:rPr lang="en-AU" sz="3600" dirty="0" smtClean="0">
-                <a:solidFill>
-                  <a:schemeClr val="bg1"/>
-                </a:solidFill>
-              </a:rPr>
-              <a:t>space targets</a:t>
-            </a:r>
-            <a:endParaRPr lang="en-AU" sz="3600" dirty="0">
-              <a:solidFill>
-                <a:schemeClr val="bg1"/>
-              </a:solidFill>
-            </a:endParaRPr>
-          </a:p>
-        </p:txBody>
-      </p:sp>
-      <p:sp>
-        <p:nvSpPr>
-          <p:cNvPr id="11" name="TextBox 10"/>
-          <p:cNvSpPr txBox="1"/>
-          <p:nvPr/>
-        </p:nvSpPr>
-        <p:spPr>
-          <a:xfrm>
-            <a:off x="591687" y="1516234"/>
-            <a:ext cx="2399631" cy="646331"/>
-          </a:xfrm>
-          <a:prstGeom prst="rect">
-            <a:avLst/>
-          </a:prstGeom>
-          <a:noFill/>
-        </p:spPr>
-        <p:txBody>
-          <a:bodyPr wrap="none" rtlCol="0">
-            <a:spAutoFit/>
-          </a:bodyPr>
-          <a:lstStyle/>
-          <a:p>
-            <a:r>
-              <a:rPr lang="en-AU" sz="3600" dirty="0" smtClean="0">
-                <a:solidFill>
-                  <a:schemeClr val="bg1"/>
-                </a:solidFill>
-              </a:rPr>
-              <a:t>Distribution</a:t>
-            </a:r>
-            <a:endParaRPr lang="en-AU" sz="3600" dirty="0">
-              <a:solidFill>
-                <a:schemeClr val="bg1"/>
-              </a:solidFill>
-            </a:endParaRPr>
-          </a:p>
-        </p:txBody>
-      </p:sp>
-      <p:sp>
-        <p:nvSpPr>
-          <p:cNvPr id="12" name="Rectangle 11"/>
-          <p:cNvSpPr/>
-          <p:nvPr/>
-        </p:nvSpPr>
-        <p:spPr>
-          <a:xfrm>
-            <a:off x="3239882" y="1320982"/>
-            <a:ext cx="8784976" cy="2769054"/>
-          </a:xfrm>
-          <a:prstGeom prst="rect">
-            <a:avLst/>
-          </a:prstGeom>
-          <a:solidFill>
-            <a:schemeClr val="tx1"/>
-          </a:solidFill>
-          <a:ln>
-            <a:noFill/>
-          </a:ln>
-        </p:spPr>
-        <p:style>
-          <a:lnRef idx="2">
-            <a:schemeClr val="accent1">
-              <a:shade val="50000"/>
-            </a:schemeClr>
-          </a:lnRef>
-          <a:fillRef idx="1">
-            <a:schemeClr val="accent1"/>
-          </a:fillRef>
-          <a:effectRef idx="0">
-            <a:schemeClr val="accent1"/>
-          </a:effectRef>
-          <a:fontRef idx="minor">
-            <a:schemeClr val="lt1"/>
-          </a:fontRef>
-        </p:style>
-        <p:txBody>
-          <a:bodyPr rtlCol="0" anchor="ctr"/>
-          <a:lstStyle/>
-          <a:p>
-            <a:pPr algn="ctr"/>
-            <a:endParaRPr lang="en-AU"/>
-          </a:p>
-        </p:txBody>
-      </p:sp>
-      <p:sp>
-        <p:nvSpPr>
-          <p:cNvPr id="13" name="TextBox 12"/>
-          <p:cNvSpPr txBox="1"/>
-          <p:nvPr/>
-        </p:nvSpPr>
-        <p:spPr>
-          <a:xfrm>
-            <a:off x="6916283" y="4749609"/>
-            <a:ext cx="2207014" cy="400110"/>
-          </a:xfrm>
-          <a:prstGeom prst="rect">
-            <a:avLst/>
-          </a:prstGeom>
-          <a:noFill/>
-        </p:spPr>
-        <p:txBody>
-          <a:bodyPr wrap="none" rtlCol="0">
-            <a:spAutoFit/>
-          </a:bodyPr>
-          <a:lstStyle/>
-          <a:p>
-            <a:r>
-              <a:rPr lang="en-AU" sz="2000" dirty="0" smtClean="0">
-                <a:solidFill>
-                  <a:schemeClr val="bg1">
-                    <a:lumMod val="50000"/>
-                  </a:schemeClr>
-                </a:solidFill>
-              </a:rPr>
-              <a:t>jeffrey-hanson.com</a:t>
-            </a:r>
-            <a:endParaRPr lang="en-AU" sz="1600" dirty="0">
-              <a:solidFill>
-                <a:schemeClr val="bg1">
-                  <a:lumMod val="50000"/>
-                </a:schemeClr>
-              </a:solidFill>
-            </a:endParaRPr>
-          </a:p>
-        </p:txBody>
-      </p:sp>
-    </p:spTree>
-    <p:extLst>
-      <p:ext uri="{BB962C8B-B14F-4D97-AF65-F5344CB8AC3E}">
-        <p14:creationId xmlns:p14="http://schemas.microsoft.com/office/powerpoint/2010/main" val="2625116096"/>
-      </p:ext>
-    </p:extLst>
-  </p:cSld>
-  <p:clrMapOvr>
-    <a:masterClrMapping/>
-  </p:clrMapOvr>
-  <mc:AlternateContent xmlns:mc="http://schemas.openxmlformats.org/markup-compatibility/2006">
-    <mc:Choice xmlns:p14="http://schemas.microsoft.com/office/powerpoint/2010/main" Requires="p14">
-      <p:transition spd="slow" p14:dur="2000"/>
-    </mc:Choice>
-    <mc:Fallback>
       <p:transition spd="slow"/>
     </mc:Fallback>
   </mc:AlternateContent>
@@ -14836,13 +14735,13 @@
       </p:pic>
       <p:pic>
         <p:nvPicPr>
-          <p:cNvPr id="1044" name="Picture 20" descr="Native to Round Island, a tiny island off the coast of Mauritius, the Round Island Burrowing Boa preferred to live on the topsoil layers of volcanic slopes. It was once found on several other islands around Mauritius, but its population had dwindled by the 1940s, and it could only be found on Round Island after 1949. It was last seen in 1975. &#10;Cause of extinction: The introduction of non-native species of rabbits and goats to the island destroyed vegetation and upset the boa's habitat.&#10;"/>
+          <p:cNvPr id="1030" name="Picture 6" descr="A native of Maui, Hawaii, the Po'ouli, or Black-faced Honeycreeper, was only discovered in the 1970s. The birds inhabited the southwestern slope of Haleakala volcano. But the population declined rapidly, and by 1997 there were only three known Po'ouli left. Efforts to mate the remaining birds failed and the species was formally declared extinct seven years later. &#10;Cause of extinction: Habitat loss, along with disease, predators and a decline in its food source — native tree snails — are all seen as reasons for the bird's demise.&#10;"/>
           <p:cNvPicPr>
             <a:picLocks noChangeAspect="1" noChangeArrowheads="1"/>
           </p:cNvPicPr>
           <p:nvPr/>
         </p:nvPicPr>
-        <p:blipFill>
+        <p:blipFill rotWithShape="1">
           <a:blip r:embed="rId8">
             <a:extLst>
               <a:ext uri="{28A0092B-C50C-407E-A947-70E740481C1C}">
@@ -14850,56 +14749,13 @@
               </a:ext>
             </a:extLst>
           </a:blip>
-          <a:srcRect/>
-          <a:stretch>
-            <a:fillRect/>
-          </a:stretch>
+          <a:srcRect t="27360"/>
+          <a:stretch/>
         </p:blipFill>
         <p:spPr bwMode="auto">
           <a:xfrm>
-            <a:off x="2395243" y="1897072"/>
-            <a:ext cx="2666030" cy="1564844"/>
-          </a:xfrm>
-          <a:prstGeom prst="rect">
-            <a:avLst/>
-          </a:prstGeom>
-          <a:noFill/>
-          <a:extLst>
-            <a:ext uri="{909E8E84-426E-40DD-AFC4-6F175D3DCCD1}">
-              <a14:hiddenFill xmlns:a14="http://schemas.microsoft.com/office/drawing/2010/main">
-                <a:solidFill>
-                  <a:srgbClr val="FFFFFF"/>
-                </a:solidFill>
-              </a14:hiddenFill>
-            </a:ext>
-          </a:extLst>
-        </p:spPr>
-      </p:pic>
-      <p:pic>
-        <p:nvPicPr>
-          <p:cNvPr id="1030" name="Picture 6" descr="A native of Maui, Hawaii, the Po'ouli, or Black-faced Honeycreeper, was only discovered in the 1970s. The birds inhabited the southwestern slope of Haleakala volcano. But the population declined rapidly, and by 1997 there were only three known Po'ouli left. Efforts to mate the remaining birds failed and the species was formally declared extinct seven years later. &#10;Cause of extinction: Habitat loss, along with disease, predators and a decline in its food source — native tree snails — are all seen as reasons for the bird's demise.&#10;"/>
-          <p:cNvPicPr>
-            <a:picLocks noChangeAspect="1" noChangeArrowheads="1"/>
-          </p:cNvPicPr>
-          <p:nvPr/>
-        </p:nvPicPr>
-        <p:blipFill>
-          <a:blip r:embed="rId9">
-            <a:extLst>
-              <a:ext uri="{28A0092B-C50C-407E-A947-70E740481C1C}">
-                <a14:useLocalDpi xmlns:a14="http://schemas.microsoft.com/office/drawing/2010/main" val="0"/>
-              </a:ext>
-            </a:extLst>
-          </a:blip>
-          <a:srcRect/>
-          <a:stretch>
-            <a:fillRect/>
-          </a:stretch>
-        </p:blipFill>
-        <p:spPr bwMode="auto">
-          <a:xfrm>
-            <a:off x="6558136" y="808664"/>
-            <a:ext cx="2622376" cy="1539221"/>
+            <a:off x="6007252" y="808664"/>
+            <a:ext cx="3173259" cy="1352969"/>
           </a:xfrm>
           <a:prstGeom prst="rect">
             <a:avLst/>
@@ -14925,7 +14781,7 @@
           <p:nvPr/>
         </p:nvPicPr>
         <p:blipFill>
-          <a:blip r:embed="rId10">
+          <a:blip r:embed="rId9">
             <a:extLst>
               <a:ext uri="{28A0092B-C50C-407E-A947-70E740481C1C}">
                 <a14:useLocalDpi xmlns:a14="http://schemas.microsoft.com/office/drawing/2010/main" val="0"/>
@@ -14966,7 +14822,7 @@
           <p:nvPr/>
         </p:nvPicPr>
         <p:blipFill>
-          <a:blip r:embed="rId11">
+          <a:blip r:embed="rId10">
             <a:extLst>
               <a:ext uri="{28A0092B-C50C-407E-A947-70E740481C1C}">
                 <a14:useLocalDpi xmlns:a14="http://schemas.microsoft.com/office/drawing/2010/main" val="0"/>
@@ -14981,7 +14837,7 @@
         <p:spPr bwMode="auto">
           <a:xfrm>
             <a:off x="-36512" y="808664"/>
-            <a:ext cx="2544217" cy="1493345"/>
+            <a:ext cx="2658517" cy="1493345"/>
           </a:xfrm>
           <a:prstGeom prst="rect">
             <a:avLst/>
@@ -15000,7 +14856,48 @@
       </p:pic>
       <p:pic>
         <p:nvPicPr>
-          <p:cNvPr id="1046" name="Picture 22" descr="This Dutch butterfly — a subspecies of the Alcon Blue — was found mainly in the grasslands of The Netherlands. While closely related species (pictured here) still exist in parts of Europe and Asia, the last Dutch Alcon Blue was seen in the wild in 1979.&#10;Cause of extinction: Increases in farming and building had a negative impact on the Alcon Blue's habitat and caused it to lose its main food source.&#10;"/>
+          <p:cNvPr id="3" name="Picture 2" descr="https://upload.wikimedia.org/wikipedia/en/9/9b/Frohawk_Dodo.png"/>
+          <p:cNvPicPr>
+            <a:picLocks noChangeAspect="1" noChangeArrowheads="1"/>
+          </p:cNvPicPr>
+          <p:nvPr/>
+        </p:nvPicPr>
+        <p:blipFill>
+          <a:blip r:embed="rId11" cstate="print">
+            <a:extLst>
+              <a:ext uri="{28A0092B-C50C-407E-A947-70E740481C1C}">
+                <a14:useLocalDpi xmlns:a14="http://schemas.microsoft.com/office/drawing/2010/main" val="0"/>
+              </a:ext>
+            </a:extLst>
+          </a:blip>
+          <a:srcRect/>
+          <a:stretch>
+            <a:fillRect/>
+          </a:stretch>
+        </p:blipFill>
+        <p:spPr bwMode="auto">
+          <a:xfrm>
+            <a:off x="2634259" y="1879647"/>
+            <a:ext cx="2090772" cy="1701492"/>
+          </a:xfrm>
+          <a:prstGeom prst="rect">
+            <a:avLst/>
+          </a:prstGeom>
+          <a:noFill/>
+          <a:extLst>
+            <a:ext uri="{909E8E84-426E-40DD-AFC4-6F175D3DCCD1}">
+              <a14:hiddenFill xmlns:a14="http://schemas.microsoft.com/office/drawing/2010/main">
+                <a:solidFill>
+                  <a:srgbClr val="FFFFFF"/>
+                </a:solidFill>
+              </a14:hiddenFill>
+            </a:ext>
+          </a:extLst>
+        </p:spPr>
+      </p:pic>
+      <p:pic>
+        <p:nvPicPr>
+          <p:cNvPr id="16" name="Picture 4" descr="https://assets.rbl.ms/5102114/980x.jpg"/>
           <p:cNvPicPr>
             <a:picLocks noChangeAspect="1" noChangeArrowheads="1"/>
           </p:cNvPicPr>
@@ -15021,8 +14918,8 @@
         </p:blipFill>
         <p:spPr bwMode="auto">
           <a:xfrm>
-            <a:off x="4402299" y="808664"/>
-            <a:ext cx="2148137" cy="1260863"/>
+            <a:off x="4489836" y="808664"/>
+            <a:ext cx="1517417" cy="1228125"/>
           </a:xfrm>
           <a:prstGeom prst="rect">
             <a:avLst/>
@@ -15062,7 +14959,7 @@
         </p:blipFill>
         <p:spPr bwMode="auto">
           <a:xfrm>
-            <a:off x="4934580" y="1989019"/>
+            <a:off x="4709790" y="1989019"/>
             <a:ext cx="2488246" cy="1460492"/>
           </a:xfrm>
           <a:prstGeom prst="rect">
@@ -15455,6 +15352,475 @@
       </p:sp>
       <p:sp>
         <p:nvSpPr>
+          <p:cNvPr id="12" name="Rectangle 11"/>
+          <p:cNvSpPr/>
+          <p:nvPr/>
+        </p:nvSpPr>
+        <p:spPr>
+          <a:xfrm>
+            <a:off x="3239882" y="1320982"/>
+            <a:ext cx="8784976" cy="2769054"/>
+          </a:xfrm>
+          <a:prstGeom prst="rect">
+            <a:avLst/>
+          </a:prstGeom>
+          <a:solidFill>
+            <a:schemeClr val="tx1"/>
+          </a:solidFill>
+          <a:ln>
+            <a:noFill/>
+          </a:ln>
+        </p:spPr>
+        <p:style>
+          <a:lnRef idx="2">
+            <a:schemeClr val="accent1">
+              <a:shade val="50000"/>
+            </a:schemeClr>
+          </a:lnRef>
+          <a:fillRef idx="1">
+            <a:schemeClr val="accent1"/>
+          </a:fillRef>
+          <a:effectRef idx="0">
+            <a:schemeClr val="accent1"/>
+          </a:effectRef>
+          <a:fontRef idx="minor">
+            <a:schemeClr val="lt1"/>
+          </a:fontRef>
+        </p:style>
+        <p:txBody>
+          <a:bodyPr rtlCol="0" anchor="ctr"/>
+          <a:lstStyle/>
+          <a:p>
+            <a:pPr algn="ctr"/>
+            <a:endParaRPr lang="en-AU"/>
+          </a:p>
+        </p:txBody>
+      </p:sp>
+      <p:sp>
+        <p:nvSpPr>
+          <p:cNvPr id="13" name="TextBox 12"/>
+          <p:cNvSpPr txBox="1"/>
+          <p:nvPr/>
+        </p:nvSpPr>
+        <p:spPr>
+          <a:xfrm>
+            <a:off x="6916283" y="4749609"/>
+            <a:ext cx="2207014" cy="400110"/>
+          </a:xfrm>
+          <a:prstGeom prst="rect">
+            <a:avLst/>
+          </a:prstGeom>
+          <a:noFill/>
+        </p:spPr>
+        <p:txBody>
+          <a:bodyPr wrap="none" rtlCol="0">
+            <a:spAutoFit/>
+          </a:bodyPr>
+          <a:lstStyle/>
+          <a:p>
+            <a:r>
+              <a:rPr lang="en-AU" sz="2000" dirty="0" smtClean="0">
+                <a:solidFill>
+                  <a:schemeClr val="bg1">
+                    <a:lumMod val="50000"/>
+                  </a:schemeClr>
+                </a:solidFill>
+              </a:rPr>
+              <a:t>jeffrey-hanson.com</a:t>
+            </a:r>
+            <a:endParaRPr lang="en-AU" sz="1600" dirty="0">
+              <a:solidFill>
+                <a:schemeClr val="bg1">
+                  <a:lumMod val="50000"/>
+                </a:schemeClr>
+              </a:solidFill>
+            </a:endParaRPr>
+          </a:p>
+        </p:txBody>
+      </p:sp>
+    </p:spTree>
+    <p:extLst>
+      <p:ext uri="{BB962C8B-B14F-4D97-AF65-F5344CB8AC3E}">
+        <p14:creationId xmlns:p14="http://schemas.microsoft.com/office/powerpoint/2010/main" val="2625116096"/>
+      </p:ext>
+    </p:extLst>
+  </p:cSld>
+  <p:clrMapOvr>
+    <a:masterClrMapping/>
+  </p:clrMapOvr>
+  <mc:AlternateContent xmlns:mc="http://schemas.openxmlformats.org/markup-compatibility/2006">
+    <mc:Choice xmlns:p14="http://schemas.microsoft.com/office/powerpoint/2010/main" Requires="p14">
+      <p:transition spd="slow" p14:dur="2000"/>
+    </mc:Choice>
+    <mc:Fallback>
+      <p:transition spd="slow"/>
+    </mc:Fallback>
+  </mc:AlternateContent>
+  <p:timing>
+    <p:tnLst>
+      <p:par>
+        <p:cTn id="1" dur="indefinite" restart="never" nodeType="tmRoot"/>
+      </p:par>
+    </p:tnLst>
+  </p:timing>
+</p:sld>
+</file>
+
+<file path=ppt/slides/slide21.xml><?xml version="1.0" encoding="utf-8"?>
+<p:sld xmlns:a="http://schemas.openxmlformats.org/drawingml/2006/main" xmlns:r="http://schemas.openxmlformats.org/officeDocument/2006/relationships" xmlns:p="http://schemas.openxmlformats.org/presentationml/2006/main" show="0">
+  <p:cSld>
+    <p:spTree>
+      <p:nvGrpSpPr>
+        <p:cNvPr id="1" name=""/>
+        <p:cNvGrpSpPr/>
+        <p:nvPr/>
+      </p:nvGrpSpPr>
+      <p:grpSpPr>
+        <a:xfrm>
+          <a:off x="0" y="0"/>
+          <a:ext cx="0" cy="0"/>
+          <a:chOff x="0" y="0"/>
+          <a:chExt cx="0" cy="0"/>
+        </a:xfrm>
+      </p:grpSpPr>
+      <p:sp>
+        <p:nvSpPr>
+          <p:cNvPr id="2" name="Title 1"/>
+          <p:cNvSpPr>
+            <a:spLocks noGrp="1"/>
+          </p:cNvSpPr>
+          <p:nvPr>
+            <p:ph type="title"/>
+          </p:nvPr>
+        </p:nvSpPr>
+        <p:spPr>
+          <a:xfrm>
+            <a:off x="457200" y="12269"/>
+            <a:ext cx="8229600" cy="857250"/>
+          </a:xfrm>
+        </p:spPr>
+        <p:txBody>
+          <a:bodyPr/>
+          <a:lstStyle/>
+          <a:p>
+            <a:r>
+              <a:rPr lang="en-AU" dirty="0" smtClean="0"/>
+              <a:t>Normally distributed species</a:t>
+            </a:r>
+            <a:endParaRPr lang="en-AU" dirty="0"/>
+          </a:p>
+        </p:txBody>
+      </p:sp>
+      <p:sp>
+        <p:nvSpPr>
+          <p:cNvPr id="4" name="Rectangle 3"/>
+          <p:cNvSpPr/>
+          <p:nvPr/>
+        </p:nvSpPr>
+        <p:spPr>
+          <a:xfrm>
+            <a:off x="107504" y="3705876"/>
+            <a:ext cx="8784976" cy="1437624"/>
+          </a:xfrm>
+          <a:prstGeom prst="rect">
+            <a:avLst/>
+          </a:prstGeom>
+          <a:solidFill>
+            <a:schemeClr val="tx1"/>
+          </a:solidFill>
+          <a:ln>
+            <a:noFill/>
+          </a:ln>
+        </p:spPr>
+        <p:style>
+          <a:lnRef idx="2">
+            <a:schemeClr val="accent1">
+              <a:shade val="50000"/>
+            </a:schemeClr>
+          </a:lnRef>
+          <a:fillRef idx="1">
+            <a:schemeClr val="accent1"/>
+          </a:fillRef>
+          <a:effectRef idx="0">
+            <a:schemeClr val="accent1"/>
+          </a:effectRef>
+          <a:fontRef idx="minor">
+            <a:schemeClr val="lt1"/>
+          </a:fontRef>
+        </p:style>
+        <p:txBody>
+          <a:bodyPr rtlCol="0" anchor="ctr"/>
+          <a:lstStyle/>
+          <a:p>
+            <a:pPr algn="ctr"/>
+            <a:endParaRPr lang="en-AU"/>
+          </a:p>
+        </p:txBody>
+      </p:sp>
+      <p:pic>
+        <p:nvPicPr>
+          <p:cNvPr id="6145" name="Picture 1" descr="C:\Users\jhanson\Downloads\unnamed-chunk-3-1.png"/>
+          <p:cNvPicPr>
+            <a:picLocks noChangeAspect="1" noChangeArrowheads="1"/>
+          </p:cNvPicPr>
+          <p:nvPr/>
+        </p:nvPicPr>
+        <p:blipFill rotWithShape="1">
+          <a:blip r:embed="rId2">
+            <a:extLst>
+              <a:ext uri="{28A0092B-C50C-407E-A947-70E740481C1C}">
+                <a14:useLocalDpi xmlns:a14="http://schemas.microsoft.com/office/drawing/2010/main" val="0"/>
+              </a:ext>
+            </a:extLst>
+          </a:blip>
+          <a:srcRect t="40920" r="13790" b="30791"/>
+          <a:stretch/>
+        </p:blipFill>
+        <p:spPr bwMode="auto">
+          <a:xfrm>
+            <a:off x="3119877" y="2172297"/>
+            <a:ext cx="5706034" cy="1638300"/>
+          </a:xfrm>
+          <a:prstGeom prst="rect">
+            <a:avLst/>
+          </a:prstGeom>
+          <a:noFill/>
+          <a:extLst>
+            <a:ext uri="{909E8E84-426E-40DD-AFC4-6F175D3DCCD1}">
+              <a14:hiddenFill xmlns:a14="http://schemas.microsoft.com/office/drawing/2010/main">
+                <a:solidFill>
+                  <a:srgbClr val="FFFFFF"/>
+                </a:solidFill>
+              </a14:hiddenFill>
+            </a:ext>
+          </a:extLst>
+        </p:spPr>
+      </p:pic>
+      <p:sp>
+        <p:nvSpPr>
+          <p:cNvPr id="10" name="Rectangle 9"/>
+          <p:cNvSpPr/>
+          <p:nvPr/>
+        </p:nvSpPr>
+        <p:spPr>
+          <a:xfrm>
+            <a:off x="943614" y="795037"/>
+            <a:ext cx="8784976" cy="1437624"/>
+          </a:xfrm>
+          <a:prstGeom prst="rect">
+            <a:avLst/>
+          </a:prstGeom>
+          <a:solidFill>
+            <a:schemeClr val="tx1"/>
+          </a:solidFill>
+          <a:ln>
+            <a:noFill/>
+          </a:ln>
+        </p:spPr>
+        <p:style>
+          <a:lnRef idx="2">
+            <a:schemeClr val="accent1">
+              <a:shade val="50000"/>
+            </a:schemeClr>
+          </a:lnRef>
+          <a:fillRef idx="1">
+            <a:schemeClr val="accent1"/>
+          </a:fillRef>
+          <a:effectRef idx="0">
+            <a:schemeClr val="accent1"/>
+          </a:effectRef>
+          <a:fontRef idx="minor">
+            <a:schemeClr val="lt1"/>
+          </a:fontRef>
+        </p:style>
+        <p:txBody>
+          <a:bodyPr rtlCol="0" anchor="ctr"/>
+          <a:lstStyle/>
+          <a:p>
+            <a:pPr algn="ctr"/>
+            <a:endParaRPr lang="en-AU"/>
+          </a:p>
+        </p:txBody>
+      </p:sp>
+      <p:pic>
+        <p:nvPicPr>
+          <p:cNvPr id="6" name="Picture 2" descr="C:\Users\jhanson\Downloads\unnamed-chunk-2-1.png"/>
+          <p:cNvPicPr>
+            <a:picLocks noChangeAspect="1" noChangeArrowheads="1"/>
+          </p:cNvPicPr>
+          <p:nvPr/>
+        </p:nvPicPr>
+        <p:blipFill rotWithShape="1">
+          <a:blip r:embed="rId3">
+            <a:extLst>
+              <a:ext uri="{28A0092B-C50C-407E-A947-70E740481C1C}">
+                <a14:useLocalDpi xmlns:a14="http://schemas.microsoft.com/office/drawing/2010/main" val="0"/>
+              </a:ext>
+            </a:extLst>
+          </a:blip>
+          <a:srcRect l="27397" t="17773" r="47394"/>
+          <a:stretch/>
+        </p:blipFill>
+        <p:spPr bwMode="auto">
+          <a:xfrm>
+            <a:off x="435724" y="2215081"/>
+            <a:ext cx="2804159" cy="1625997"/>
+          </a:xfrm>
+          <a:prstGeom prst="rect">
+            <a:avLst/>
+          </a:prstGeom>
+          <a:noFill/>
+          <a:extLst>
+            <a:ext uri="{909E8E84-426E-40DD-AFC4-6F175D3DCCD1}">
+              <a14:hiddenFill xmlns:a14="http://schemas.microsoft.com/office/drawing/2010/main">
+                <a:solidFill>
+                  <a:srgbClr val="FFFFFF"/>
+                </a:solidFill>
+              </a14:hiddenFill>
+            </a:ext>
+          </a:extLst>
+        </p:spPr>
+      </p:pic>
+      <p:sp>
+        <p:nvSpPr>
+          <p:cNvPr id="5" name="TextBox 4"/>
+          <p:cNvSpPr txBox="1"/>
+          <p:nvPr/>
+        </p:nvSpPr>
+        <p:spPr>
+          <a:xfrm>
+            <a:off x="3650785" y="1320982"/>
+            <a:ext cx="1698414" cy="1200329"/>
+          </a:xfrm>
+          <a:prstGeom prst="rect">
+            <a:avLst/>
+          </a:prstGeom>
+          <a:noFill/>
+        </p:spPr>
+        <p:txBody>
+          <a:bodyPr wrap="none" rtlCol="0">
+            <a:spAutoFit/>
+          </a:bodyPr>
+          <a:lstStyle/>
+          <a:p>
+            <a:pPr algn="ctr"/>
+            <a:r>
+              <a:rPr lang="en-AU" sz="3600" dirty="0" smtClean="0">
+                <a:solidFill>
+                  <a:schemeClr val="bg1"/>
+                </a:solidFill>
+              </a:rPr>
+              <a:t>Amount</a:t>
+            </a:r>
+          </a:p>
+          <a:p>
+            <a:pPr algn="ctr"/>
+            <a:r>
+              <a:rPr lang="en-AU" sz="3600" dirty="0" smtClean="0">
+                <a:solidFill>
+                  <a:schemeClr val="bg1"/>
+                </a:solidFill>
+              </a:rPr>
+              <a:t>target</a:t>
+            </a:r>
+            <a:endParaRPr lang="en-AU" sz="3600" dirty="0">
+              <a:solidFill>
+                <a:schemeClr val="bg1"/>
+              </a:solidFill>
+            </a:endParaRPr>
+          </a:p>
+        </p:txBody>
+      </p:sp>
+      <p:sp>
+        <p:nvSpPr>
+          <p:cNvPr id="9" name="TextBox 8"/>
+          <p:cNvSpPr txBox="1"/>
+          <p:nvPr/>
+        </p:nvSpPr>
+        <p:spPr>
+          <a:xfrm>
+            <a:off x="6095857" y="1320982"/>
+            <a:ext cx="2657459" cy="1200329"/>
+          </a:xfrm>
+          <a:prstGeom prst="rect">
+            <a:avLst/>
+          </a:prstGeom>
+          <a:noFill/>
+        </p:spPr>
+        <p:txBody>
+          <a:bodyPr wrap="none" rtlCol="0">
+            <a:spAutoFit/>
+          </a:bodyPr>
+          <a:lstStyle/>
+          <a:p>
+            <a:pPr algn="ctr"/>
+            <a:r>
+              <a:rPr lang="en-AU" sz="3600" dirty="0" smtClean="0">
+                <a:solidFill>
+                  <a:schemeClr val="bg1"/>
+                </a:solidFill>
+              </a:rPr>
+              <a:t>Amount &amp;</a:t>
+            </a:r>
+          </a:p>
+          <a:p>
+            <a:pPr algn="ctr"/>
+            <a:r>
+              <a:rPr lang="en-AU" sz="3600" dirty="0" smtClean="0">
+                <a:solidFill>
+                  <a:schemeClr val="bg1"/>
+                </a:solidFill>
+              </a:rPr>
+              <a:t>space targets</a:t>
+            </a:r>
+            <a:endParaRPr lang="en-AU" sz="3600" dirty="0">
+              <a:solidFill>
+                <a:schemeClr val="bg1"/>
+              </a:solidFill>
+            </a:endParaRPr>
+          </a:p>
+        </p:txBody>
+      </p:sp>
+      <p:sp>
+        <p:nvSpPr>
+          <p:cNvPr id="11" name="TextBox 10"/>
+          <p:cNvSpPr txBox="1"/>
+          <p:nvPr/>
+        </p:nvSpPr>
+        <p:spPr>
+          <a:xfrm>
+            <a:off x="591687" y="1516234"/>
+            <a:ext cx="2399631" cy="646331"/>
+          </a:xfrm>
+          <a:prstGeom prst="rect">
+            <a:avLst/>
+          </a:prstGeom>
+          <a:noFill/>
+        </p:spPr>
+        <p:txBody>
+          <a:bodyPr wrap="none" rtlCol="0">
+            <a:spAutoFit/>
+          </a:bodyPr>
+          <a:lstStyle/>
+          <a:p>
+            <a:r>
+              <a:rPr lang="en-AU" sz="3600" dirty="0" smtClean="0">
+                <a:solidFill>
+                  <a:schemeClr val="bg1"/>
+                </a:solidFill>
+              </a:rPr>
+              <a:t>Distribution</a:t>
+            </a:r>
+            <a:endParaRPr lang="en-AU" sz="3600" dirty="0">
+              <a:solidFill>
+                <a:schemeClr val="bg1"/>
+              </a:solidFill>
+            </a:endParaRPr>
+          </a:p>
+        </p:txBody>
+      </p:sp>
+      <p:sp>
+        <p:nvSpPr>
           <p:cNvPr id="12" name="TextBox 11"/>
           <p:cNvSpPr txBox="1"/>
           <p:nvPr/>
@@ -15523,7 +15889,7 @@
 </p:sld>
 </file>
 
-<file path=ppt/slides/slide21.xml><?xml version="1.0" encoding="utf-8"?>
+<file path=ppt/slides/slide22.xml><?xml version="1.0" encoding="utf-8"?>
 <p:sld xmlns:a="http://schemas.openxmlformats.org/drawingml/2006/main" xmlns:r="http://schemas.openxmlformats.org/officeDocument/2006/relationships" xmlns:p="http://schemas.openxmlformats.org/presentationml/2006/main" show="0">
   <p:cSld>
     <p:spTree>
@@ -16076,7 +16442,7 @@
 </p:sld>
 </file>
 
-<file path=ppt/slides/slide22.xml><?xml version="1.0" encoding="utf-8"?>
+<file path=ppt/slides/slide23.xml><?xml version="1.0" encoding="utf-8"?>
 <p:sld xmlns:a="http://schemas.openxmlformats.org/drawingml/2006/main" xmlns:r="http://schemas.openxmlformats.org/officeDocument/2006/relationships" xmlns:p="http://schemas.openxmlformats.org/presentationml/2006/main" show="0">
   <p:cSld>
     <p:spTree>
@@ -21406,6 +21772,1843 @@
           <a:chExt cx="0" cy="0"/>
         </a:xfrm>
       </p:grpSpPr>
+      <p:grpSp>
+        <p:nvGrpSpPr>
+          <p:cNvPr id="44" name="Group 43"/>
+          <p:cNvGrpSpPr/>
+          <p:nvPr/>
+        </p:nvGrpSpPr>
+        <p:grpSpPr>
+          <a:xfrm>
+            <a:off x="3992396" y="296293"/>
+            <a:ext cx="4916932" cy="4377365"/>
+            <a:chOff x="6725803" y="365946"/>
+            <a:chExt cx="4916932" cy="5836487"/>
+          </a:xfrm>
+        </p:grpSpPr>
+        <p:sp>
+          <p:nvSpPr>
+            <p:cNvPr id="45" name="TextBox 44"/>
+            <p:cNvSpPr txBox="1"/>
+            <p:nvPr/>
+          </p:nvSpPr>
+          <p:spPr>
+            <a:xfrm>
+              <a:off x="6725803" y="981499"/>
+              <a:ext cx="1891030" cy="615553"/>
+            </a:xfrm>
+            <a:prstGeom prst="rect">
+              <a:avLst/>
+            </a:prstGeom>
+            <a:noFill/>
+          </p:spPr>
+          <p:txBody>
+            <a:bodyPr wrap="none" rtlCol="0">
+              <a:spAutoFit/>
+            </a:bodyPr>
+            <a:lstStyle/>
+            <a:p>
+              <a:r>
+                <a:rPr lang="en-AU" sz="2400" dirty="0" smtClean="0">
+                  <a:solidFill>
+                    <a:srgbClr val="FF0000"/>
+                  </a:solidFill>
+                </a:rPr>
+                <a:t>Species range</a:t>
+              </a:r>
+              <a:endParaRPr lang="en-AU" sz="2400" dirty="0">
+                <a:solidFill>
+                  <a:srgbClr val="FF0000"/>
+                </a:solidFill>
+              </a:endParaRPr>
+            </a:p>
+          </p:txBody>
+        </p:sp>
+        <p:grpSp>
+          <p:nvGrpSpPr>
+            <p:cNvPr id="46" name="Group 45"/>
+            <p:cNvGrpSpPr/>
+            <p:nvPr/>
+          </p:nvGrpSpPr>
+          <p:grpSpPr>
+            <a:xfrm>
+              <a:off x="7289566" y="1787331"/>
+              <a:ext cx="4353169" cy="1234831"/>
+              <a:chOff x="7126779" y="1060500"/>
+              <a:chExt cx="4353169" cy="1234831"/>
+            </a:xfrm>
+            <a:gradFill flip="none" rotWithShape="1">
+              <a:gsLst>
+                <a:gs pos="0">
+                  <a:schemeClr val="accent6">
+                    <a:lumMod val="20000"/>
+                    <a:lumOff val="80000"/>
+                  </a:schemeClr>
+                </a:gs>
+                <a:gs pos="100000">
+                  <a:srgbClr val="002060"/>
+                </a:gs>
+              </a:gsLst>
+              <a:lin ang="0" scaled="1"/>
+              <a:tileRect/>
+            </a:gradFill>
+          </p:grpSpPr>
+          <p:sp>
+            <p:nvSpPr>
+              <p:cNvPr id="70" name="Oval 69"/>
+              <p:cNvSpPr/>
+              <p:nvPr/>
+            </p:nvSpPr>
+            <p:spPr>
+              <a:xfrm>
+                <a:off x="7126779" y="1060500"/>
+                <a:ext cx="4353169" cy="1234831"/>
+              </a:xfrm>
+              <a:prstGeom prst="ellipse">
+                <a:avLst/>
+              </a:prstGeom>
+              <a:gradFill>
+                <a:gsLst>
+                  <a:gs pos="0">
+                    <a:schemeClr val="tx2"/>
+                  </a:gs>
+                  <a:gs pos="100000">
+                    <a:schemeClr val="accent6">
+                      <a:lumMod val="50000"/>
+                    </a:schemeClr>
+                  </a:gs>
+                </a:gsLst>
+                <a:lin ang="0" scaled="1"/>
+              </a:gradFill>
+              <a:ln w="25400">
+                <a:solidFill>
+                  <a:srgbClr val="FF0000"/>
+                </a:solidFill>
+              </a:ln>
+            </p:spPr>
+            <p:style>
+              <a:lnRef idx="2">
+                <a:schemeClr val="accent1">
+                  <a:shade val="50000"/>
+                </a:schemeClr>
+              </a:lnRef>
+              <a:fillRef idx="1">
+                <a:schemeClr val="accent1"/>
+              </a:fillRef>
+              <a:effectRef idx="0">
+                <a:schemeClr val="accent1"/>
+              </a:effectRef>
+              <a:fontRef idx="minor">
+                <a:schemeClr val="lt1"/>
+              </a:fontRef>
+            </p:style>
+            <p:txBody>
+              <a:bodyPr rtlCol="0" anchor="ctr"/>
+              <a:lstStyle/>
+              <a:p>
+                <a:pPr algn="ctr"/>
+                <a:endParaRPr lang="en-AU"/>
+              </a:p>
+            </p:txBody>
+          </p:sp>
+          <p:sp>
+            <p:nvSpPr>
+              <p:cNvPr id="71" name="Oval 70"/>
+              <p:cNvSpPr/>
+              <p:nvPr/>
+            </p:nvSpPr>
+            <p:spPr>
+              <a:xfrm>
+                <a:off x="7550726" y="1471142"/>
+                <a:ext cx="267419" cy="224286"/>
+              </a:xfrm>
+              <a:prstGeom prst="ellipse">
+                <a:avLst/>
+              </a:prstGeom>
+              <a:solidFill>
+                <a:schemeClr val="accent1">
+                  <a:lumMod val="60000"/>
+                  <a:lumOff val="40000"/>
+                </a:schemeClr>
+              </a:solidFill>
+              <a:ln w="25400">
+                <a:solidFill>
+                  <a:srgbClr val="00B0F0"/>
+                </a:solidFill>
+              </a:ln>
+            </p:spPr>
+            <p:style>
+              <a:lnRef idx="2">
+                <a:schemeClr val="accent1">
+                  <a:shade val="50000"/>
+                </a:schemeClr>
+              </a:lnRef>
+              <a:fillRef idx="1">
+                <a:schemeClr val="accent1"/>
+              </a:fillRef>
+              <a:effectRef idx="0">
+                <a:schemeClr val="accent1"/>
+              </a:effectRef>
+              <a:fontRef idx="minor">
+                <a:schemeClr val="lt1"/>
+              </a:fontRef>
+            </p:style>
+            <p:txBody>
+              <a:bodyPr rtlCol="0" anchor="ctr"/>
+              <a:lstStyle/>
+              <a:p>
+                <a:pPr algn="ctr"/>
+                <a:endParaRPr lang="en-AU"/>
+              </a:p>
+            </p:txBody>
+          </p:sp>
+          <p:sp>
+            <p:nvSpPr>
+              <p:cNvPr id="72" name="Oval 71"/>
+              <p:cNvSpPr/>
+              <p:nvPr/>
+            </p:nvSpPr>
+            <p:spPr>
+              <a:xfrm>
+                <a:off x="8500591" y="1848730"/>
+                <a:ext cx="267419" cy="224286"/>
+              </a:xfrm>
+              <a:prstGeom prst="ellipse">
+                <a:avLst/>
+              </a:prstGeom>
+              <a:solidFill>
+                <a:schemeClr val="accent1">
+                  <a:lumMod val="60000"/>
+                  <a:lumOff val="40000"/>
+                </a:schemeClr>
+              </a:solidFill>
+              <a:ln w="25400">
+                <a:solidFill>
+                  <a:srgbClr val="00B0F0"/>
+                </a:solidFill>
+              </a:ln>
+            </p:spPr>
+            <p:style>
+              <a:lnRef idx="2">
+                <a:schemeClr val="accent1">
+                  <a:shade val="50000"/>
+                </a:schemeClr>
+              </a:lnRef>
+              <a:fillRef idx="1">
+                <a:schemeClr val="accent1"/>
+              </a:fillRef>
+              <a:effectRef idx="0">
+                <a:schemeClr val="accent1"/>
+              </a:effectRef>
+              <a:fontRef idx="minor">
+                <a:schemeClr val="lt1"/>
+              </a:fontRef>
+            </p:style>
+            <p:txBody>
+              <a:bodyPr rtlCol="0" anchor="ctr"/>
+              <a:lstStyle/>
+              <a:p>
+                <a:pPr algn="ctr"/>
+                <a:endParaRPr lang="en-AU"/>
+              </a:p>
+            </p:txBody>
+          </p:sp>
+          <p:sp>
+            <p:nvSpPr>
+              <p:cNvPr id="73" name="Oval 72"/>
+              <p:cNvSpPr/>
+              <p:nvPr/>
+            </p:nvSpPr>
+            <p:spPr>
+              <a:xfrm>
+                <a:off x="8912981" y="1811350"/>
+                <a:ext cx="267419" cy="224286"/>
+              </a:xfrm>
+              <a:prstGeom prst="ellipse">
+                <a:avLst/>
+              </a:prstGeom>
+              <a:solidFill>
+                <a:schemeClr val="accent1">
+                  <a:lumMod val="60000"/>
+                  <a:lumOff val="40000"/>
+                </a:schemeClr>
+              </a:solidFill>
+              <a:ln w="25400">
+                <a:solidFill>
+                  <a:srgbClr val="00B0F0"/>
+                </a:solidFill>
+              </a:ln>
+            </p:spPr>
+            <p:style>
+              <a:lnRef idx="2">
+                <a:schemeClr val="accent1">
+                  <a:shade val="50000"/>
+                </a:schemeClr>
+              </a:lnRef>
+              <a:fillRef idx="1">
+                <a:schemeClr val="accent1"/>
+              </a:fillRef>
+              <a:effectRef idx="0">
+                <a:schemeClr val="accent1"/>
+              </a:effectRef>
+              <a:fontRef idx="minor">
+                <a:schemeClr val="lt1"/>
+              </a:fontRef>
+            </p:style>
+            <p:txBody>
+              <a:bodyPr rtlCol="0" anchor="ctr"/>
+              <a:lstStyle/>
+              <a:p>
+                <a:pPr algn="ctr"/>
+                <a:endParaRPr lang="en-AU"/>
+              </a:p>
+            </p:txBody>
+          </p:sp>
+          <p:sp>
+            <p:nvSpPr>
+              <p:cNvPr id="74" name="Oval 73"/>
+              <p:cNvSpPr/>
+              <p:nvPr/>
+            </p:nvSpPr>
+            <p:spPr>
+              <a:xfrm>
+                <a:off x="9167954" y="1338869"/>
+                <a:ext cx="267419" cy="224286"/>
+              </a:xfrm>
+              <a:prstGeom prst="ellipse">
+                <a:avLst/>
+              </a:prstGeom>
+              <a:solidFill>
+                <a:schemeClr val="accent1">
+                  <a:lumMod val="60000"/>
+                  <a:lumOff val="40000"/>
+                </a:schemeClr>
+              </a:solidFill>
+              <a:ln w="25400">
+                <a:solidFill>
+                  <a:srgbClr val="00B0F0"/>
+                </a:solidFill>
+              </a:ln>
+            </p:spPr>
+            <p:style>
+              <a:lnRef idx="2">
+                <a:schemeClr val="accent1">
+                  <a:shade val="50000"/>
+                </a:schemeClr>
+              </a:lnRef>
+              <a:fillRef idx="1">
+                <a:schemeClr val="accent1"/>
+              </a:fillRef>
+              <a:effectRef idx="0">
+                <a:schemeClr val="accent1"/>
+              </a:effectRef>
+              <a:fontRef idx="minor">
+                <a:schemeClr val="lt1"/>
+              </a:fontRef>
+            </p:style>
+            <p:txBody>
+              <a:bodyPr rtlCol="0" anchor="ctr"/>
+              <a:lstStyle/>
+              <a:p>
+                <a:pPr algn="ctr"/>
+                <a:endParaRPr lang="en-AU"/>
+              </a:p>
+            </p:txBody>
+          </p:sp>
+          <p:sp>
+            <p:nvSpPr>
+              <p:cNvPr id="75" name="Oval 74"/>
+              <p:cNvSpPr/>
+              <p:nvPr/>
+            </p:nvSpPr>
+            <p:spPr>
+              <a:xfrm>
+                <a:off x="9592790" y="1805599"/>
+                <a:ext cx="267419" cy="224286"/>
+              </a:xfrm>
+              <a:prstGeom prst="ellipse">
+                <a:avLst/>
+              </a:prstGeom>
+              <a:solidFill>
+                <a:schemeClr val="accent1">
+                  <a:lumMod val="60000"/>
+                  <a:lumOff val="40000"/>
+                </a:schemeClr>
+              </a:solidFill>
+              <a:ln w="25400">
+                <a:solidFill>
+                  <a:srgbClr val="00B0F0"/>
+                </a:solidFill>
+              </a:ln>
+            </p:spPr>
+            <p:style>
+              <a:lnRef idx="2">
+                <a:schemeClr val="accent1">
+                  <a:shade val="50000"/>
+                </a:schemeClr>
+              </a:lnRef>
+              <a:fillRef idx="1">
+                <a:schemeClr val="accent1"/>
+              </a:fillRef>
+              <a:effectRef idx="0">
+                <a:schemeClr val="accent1"/>
+              </a:effectRef>
+              <a:fontRef idx="minor">
+                <a:schemeClr val="lt1"/>
+              </a:fontRef>
+            </p:style>
+            <p:txBody>
+              <a:bodyPr rtlCol="0" anchor="ctr"/>
+              <a:lstStyle/>
+              <a:p>
+                <a:pPr algn="ctr"/>
+                <a:endParaRPr lang="en-AU"/>
+              </a:p>
+            </p:txBody>
+          </p:sp>
+          <p:sp>
+            <p:nvSpPr>
+              <p:cNvPr id="76" name="Oval 75"/>
+              <p:cNvSpPr/>
+              <p:nvPr/>
+            </p:nvSpPr>
+            <p:spPr>
+              <a:xfrm>
+                <a:off x="9720600" y="1344622"/>
+                <a:ext cx="267419" cy="224286"/>
+              </a:xfrm>
+              <a:prstGeom prst="ellipse">
+                <a:avLst/>
+              </a:prstGeom>
+              <a:solidFill>
+                <a:schemeClr val="accent1">
+                  <a:lumMod val="60000"/>
+                  <a:lumOff val="40000"/>
+                </a:schemeClr>
+              </a:solidFill>
+              <a:ln w="25400">
+                <a:solidFill>
+                  <a:srgbClr val="00B0F0"/>
+                </a:solidFill>
+              </a:ln>
+            </p:spPr>
+            <p:style>
+              <a:lnRef idx="2">
+                <a:schemeClr val="accent1">
+                  <a:shade val="50000"/>
+                </a:schemeClr>
+              </a:lnRef>
+              <a:fillRef idx="1">
+                <a:schemeClr val="accent1"/>
+              </a:fillRef>
+              <a:effectRef idx="0">
+                <a:schemeClr val="accent1"/>
+              </a:effectRef>
+              <a:fontRef idx="minor">
+                <a:schemeClr val="lt1"/>
+              </a:fontRef>
+            </p:style>
+            <p:txBody>
+              <a:bodyPr rtlCol="0" anchor="ctr"/>
+              <a:lstStyle/>
+              <a:p>
+                <a:pPr algn="ctr"/>
+                <a:endParaRPr lang="en-AU"/>
+              </a:p>
+            </p:txBody>
+          </p:sp>
+          <p:sp>
+            <p:nvSpPr>
+              <p:cNvPr id="77" name="Oval 76"/>
+              <p:cNvSpPr/>
+              <p:nvPr/>
+            </p:nvSpPr>
+            <p:spPr>
+              <a:xfrm>
+                <a:off x="10217725" y="1799848"/>
+                <a:ext cx="267419" cy="224286"/>
+              </a:xfrm>
+              <a:prstGeom prst="ellipse">
+                <a:avLst/>
+              </a:prstGeom>
+              <a:solidFill>
+                <a:schemeClr val="accent1">
+                  <a:lumMod val="60000"/>
+                  <a:lumOff val="40000"/>
+                </a:schemeClr>
+              </a:solidFill>
+              <a:ln w="25400">
+                <a:solidFill>
+                  <a:srgbClr val="00B0F0"/>
+                </a:solidFill>
+              </a:ln>
+            </p:spPr>
+            <p:style>
+              <a:lnRef idx="2">
+                <a:schemeClr val="accent1">
+                  <a:shade val="50000"/>
+                </a:schemeClr>
+              </a:lnRef>
+              <a:fillRef idx="1">
+                <a:schemeClr val="accent1"/>
+              </a:fillRef>
+              <a:effectRef idx="0">
+                <a:schemeClr val="accent1"/>
+              </a:effectRef>
+              <a:fontRef idx="minor">
+                <a:schemeClr val="lt1"/>
+              </a:fontRef>
+            </p:style>
+            <p:txBody>
+              <a:bodyPr rtlCol="0" anchor="ctr"/>
+              <a:lstStyle/>
+              <a:p>
+                <a:pPr algn="ctr"/>
+                <a:endParaRPr lang="en-AU"/>
+              </a:p>
+            </p:txBody>
+          </p:sp>
+          <p:sp>
+            <p:nvSpPr>
+              <p:cNvPr id="78" name="Oval 77"/>
+              <p:cNvSpPr/>
+              <p:nvPr/>
+            </p:nvSpPr>
+            <p:spPr>
+              <a:xfrm>
+                <a:off x="10351435" y="1304365"/>
+                <a:ext cx="267419" cy="224286"/>
+              </a:xfrm>
+              <a:prstGeom prst="ellipse">
+                <a:avLst/>
+              </a:prstGeom>
+              <a:solidFill>
+                <a:schemeClr val="accent1">
+                  <a:lumMod val="60000"/>
+                  <a:lumOff val="40000"/>
+                </a:schemeClr>
+              </a:solidFill>
+              <a:ln w="25400">
+                <a:solidFill>
+                  <a:srgbClr val="00B0F0"/>
+                </a:solidFill>
+              </a:ln>
+            </p:spPr>
+            <p:style>
+              <a:lnRef idx="2">
+                <a:schemeClr val="accent1">
+                  <a:shade val="50000"/>
+                </a:schemeClr>
+              </a:lnRef>
+              <a:fillRef idx="1">
+                <a:schemeClr val="accent1"/>
+              </a:fillRef>
+              <a:effectRef idx="0">
+                <a:schemeClr val="accent1"/>
+              </a:effectRef>
+              <a:fontRef idx="minor">
+                <a:schemeClr val="lt1"/>
+              </a:fontRef>
+            </p:style>
+            <p:txBody>
+              <a:bodyPr rtlCol="0" anchor="ctr"/>
+              <a:lstStyle/>
+              <a:p>
+                <a:pPr algn="ctr"/>
+                <a:endParaRPr lang="en-AU"/>
+              </a:p>
+            </p:txBody>
+          </p:sp>
+          <p:sp>
+            <p:nvSpPr>
+              <p:cNvPr id="79" name="Oval 78"/>
+              <p:cNvSpPr/>
+              <p:nvPr/>
+            </p:nvSpPr>
+            <p:spPr>
+              <a:xfrm>
+                <a:off x="10952409" y="1623542"/>
+                <a:ext cx="267419" cy="224286"/>
+              </a:xfrm>
+              <a:prstGeom prst="ellipse">
+                <a:avLst/>
+              </a:prstGeom>
+              <a:solidFill>
+                <a:schemeClr val="accent1">
+                  <a:lumMod val="60000"/>
+                  <a:lumOff val="40000"/>
+                </a:schemeClr>
+              </a:solidFill>
+              <a:ln w="25400">
+                <a:solidFill>
+                  <a:srgbClr val="00B0F0"/>
+                </a:solidFill>
+              </a:ln>
+            </p:spPr>
+            <p:style>
+              <a:lnRef idx="2">
+                <a:schemeClr val="accent1">
+                  <a:shade val="50000"/>
+                </a:schemeClr>
+              </a:lnRef>
+              <a:fillRef idx="1">
+                <a:schemeClr val="accent1"/>
+              </a:fillRef>
+              <a:effectRef idx="0">
+                <a:schemeClr val="accent1"/>
+              </a:effectRef>
+              <a:fontRef idx="minor">
+                <a:schemeClr val="lt1"/>
+              </a:fontRef>
+            </p:style>
+            <p:txBody>
+              <a:bodyPr rtlCol="0" anchor="ctr"/>
+              <a:lstStyle/>
+              <a:p>
+                <a:pPr algn="ctr"/>
+                <a:endParaRPr lang="en-AU"/>
+              </a:p>
+            </p:txBody>
+          </p:sp>
+          <p:sp>
+            <p:nvSpPr>
+              <p:cNvPr id="80" name="Oval 79"/>
+              <p:cNvSpPr/>
+              <p:nvPr/>
+            </p:nvSpPr>
+            <p:spPr>
+              <a:xfrm>
+                <a:off x="7954491" y="1816372"/>
+                <a:ext cx="267419" cy="224286"/>
+              </a:xfrm>
+              <a:prstGeom prst="ellipse">
+                <a:avLst/>
+              </a:prstGeom>
+              <a:solidFill>
+                <a:schemeClr val="accent1">
+                  <a:lumMod val="60000"/>
+                  <a:lumOff val="40000"/>
+                </a:schemeClr>
+              </a:solidFill>
+              <a:ln w="25400">
+                <a:solidFill>
+                  <a:srgbClr val="00B0F0"/>
+                </a:solidFill>
+              </a:ln>
+            </p:spPr>
+            <p:style>
+              <a:lnRef idx="2">
+                <a:schemeClr val="accent1">
+                  <a:shade val="50000"/>
+                </a:schemeClr>
+              </a:lnRef>
+              <a:fillRef idx="1">
+                <a:schemeClr val="accent1"/>
+              </a:fillRef>
+              <a:effectRef idx="0">
+                <a:schemeClr val="accent1"/>
+              </a:effectRef>
+              <a:fontRef idx="minor">
+                <a:schemeClr val="lt1"/>
+              </a:fontRef>
+            </p:style>
+            <p:txBody>
+              <a:bodyPr rtlCol="0" anchor="ctr"/>
+              <a:lstStyle/>
+              <a:p>
+                <a:pPr algn="ctr"/>
+                <a:endParaRPr lang="en-AU"/>
+              </a:p>
+            </p:txBody>
+          </p:sp>
+          <p:sp>
+            <p:nvSpPr>
+              <p:cNvPr id="81" name="Oval 80"/>
+              <p:cNvSpPr/>
+              <p:nvPr/>
+            </p:nvSpPr>
+            <p:spPr>
+              <a:xfrm>
+                <a:off x="8061672" y="1406355"/>
+                <a:ext cx="267419" cy="224286"/>
+              </a:xfrm>
+              <a:prstGeom prst="ellipse">
+                <a:avLst/>
+              </a:prstGeom>
+              <a:solidFill>
+                <a:schemeClr val="accent1">
+                  <a:lumMod val="60000"/>
+                  <a:lumOff val="40000"/>
+                </a:schemeClr>
+              </a:solidFill>
+              <a:ln w="25400">
+                <a:solidFill>
+                  <a:srgbClr val="00B0F0"/>
+                </a:solidFill>
+              </a:ln>
+            </p:spPr>
+            <p:style>
+              <a:lnRef idx="2">
+                <a:schemeClr val="accent1">
+                  <a:shade val="50000"/>
+                </a:schemeClr>
+              </a:lnRef>
+              <a:fillRef idx="1">
+                <a:schemeClr val="accent1"/>
+              </a:fillRef>
+              <a:effectRef idx="0">
+                <a:schemeClr val="accent1"/>
+              </a:effectRef>
+              <a:fontRef idx="minor">
+                <a:schemeClr val="lt1"/>
+              </a:fontRef>
+            </p:style>
+            <p:txBody>
+              <a:bodyPr rtlCol="0" anchor="ctr"/>
+              <a:lstStyle/>
+              <a:p>
+                <a:pPr algn="ctr"/>
+                <a:endParaRPr lang="en-AU"/>
+              </a:p>
+            </p:txBody>
+          </p:sp>
+          <p:sp>
+            <p:nvSpPr>
+              <p:cNvPr id="82" name="Oval 81"/>
+              <p:cNvSpPr/>
+              <p:nvPr/>
+            </p:nvSpPr>
+            <p:spPr>
+              <a:xfrm>
+                <a:off x="8680009" y="1225657"/>
+                <a:ext cx="267419" cy="224286"/>
+              </a:xfrm>
+              <a:prstGeom prst="ellipse">
+                <a:avLst/>
+              </a:prstGeom>
+              <a:solidFill>
+                <a:schemeClr val="accent1">
+                  <a:lumMod val="60000"/>
+                  <a:lumOff val="40000"/>
+                </a:schemeClr>
+              </a:solidFill>
+              <a:ln w="25400">
+                <a:solidFill>
+                  <a:srgbClr val="00B0F0"/>
+                </a:solidFill>
+              </a:ln>
+            </p:spPr>
+            <p:style>
+              <a:lnRef idx="2">
+                <a:schemeClr val="accent1">
+                  <a:shade val="50000"/>
+                </a:schemeClr>
+              </a:lnRef>
+              <a:fillRef idx="1">
+                <a:schemeClr val="accent1"/>
+              </a:fillRef>
+              <a:effectRef idx="0">
+                <a:schemeClr val="accent1"/>
+              </a:effectRef>
+              <a:fontRef idx="minor">
+                <a:schemeClr val="lt1"/>
+              </a:fontRef>
+            </p:style>
+            <p:txBody>
+              <a:bodyPr rtlCol="0" anchor="ctr"/>
+              <a:lstStyle/>
+              <a:p>
+                <a:pPr algn="ctr"/>
+                <a:endParaRPr lang="en-AU"/>
+              </a:p>
+            </p:txBody>
+          </p:sp>
+        </p:grpSp>
+        <p:cxnSp>
+          <p:nvCxnSpPr>
+            <p:cNvPr id="47" name="Straight Arrow Connector 46"/>
+            <p:cNvCxnSpPr>
+              <a:stCxn id="45" idx="2"/>
+              <a:endCxn id="70" idx="1"/>
+            </p:cNvCxnSpPr>
+            <p:nvPr/>
+          </p:nvCxnSpPr>
+          <p:spPr>
+            <a:xfrm>
+              <a:off x="7671318" y="1597053"/>
+              <a:ext cx="255755" cy="371116"/>
+            </a:xfrm>
+            <a:prstGeom prst="straightConnector1">
+              <a:avLst/>
+            </a:prstGeom>
+            <a:ln w="50800">
+              <a:solidFill>
+                <a:srgbClr val="FF0000"/>
+              </a:solidFill>
+              <a:tailEnd type="triangle"/>
+            </a:ln>
+          </p:spPr>
+          <p:style>
+            <a:lnRef idx="1">
+              <a:schemeClr val="accent1"/>
+            </a:lnRef>
+            <a:fillRef idx="0">
+              <a:schemeClr val="accent1"/>
+            </a:fillRef>
+            <a:effectRef idx="0">
+              <a:schemeClr val="accent1"/>
+            </a:effectRef>
+            <a:fontRef idx="minor">
+              <a:schemeClr val="tx1"/>
+            </a:fontRef>
+          </p:style>
+        </p:cxnSp>
+        <p:sp>
+          <p:nvSpPr>
+            <p:cNvPr id="48" name="TextBox 47"/>
+            <p:cNvSpPr txBox="1"/>
+            <p:nvPr/>
+          </p:nvSpPr>
+          <p:spPr>
+            <a:xfrm>
+              <a:off x="9720600" y="1088975"/>
+              <a:ext cx="1534972" cy="615553"/>
+            </a:xfrm>
+            <a:prstGeom prst="rect">
+              <a:avLst/>
+            </a:prstGeom>
+            <a:noFill/>
+          </p:spPr>
+          <p:txBody>
+            <a:bodyPr wrap="none" rtlCol="0">
+              <a:spAutoFit/>
+            </a:bodyPr>
+            <a:lstStyle/>
+            <a:p>
+              <a:r>
+                <a:rPr lang="en-AU" sz="2400" dirty="0" smtClean="0">
+                  <a:solidFill>
+                    <a:srgbClr val="00B0F0"/>
+                  </a:solidFill>
+                </a:rPr>
+                <a:t>Population</a:t>
+              </a:r>
+              <a:endParaRPr lang="en-AU" sz="2400" dirty="0">
+                <a:solidFill>
+                  <a:srgbClr val="00B0F0"/>
+                </a:solidFill>
+              </a:endParaRPr>
+            </a:p>
+          </p:txBody>
+        </p:sp>
+        <p:cxnSp>
+          <p:nvCxnSpPr>
+            <p:cNvPr id="49" name="Straight Arrow Connector 48"/>
+            <p:cNvCxnSpPr>
+              <a:stCxn id="48" idx="2"/>
+              <a:endCxn id="78" idx="0"/>
+            </p:cNvCxnSpPr>
+            <p:nvPr/>
+          </p:nvCxnSpPr>
+          <p:spPr>
+            <a:xfrm>
+              <a:off x="10488086" y="1704529"/>
+              <a:ext cx="159846" cy="326668"/>
+            </a:xfrm>
+            <a:prstGeom prst="straightConnector1">
+              <a:avLst/>
+            </a:prstGeom>
+            <a:ln w="50800">
+              <a:solidFill>
+                <a:srgbClr val="00B0F0"/>
+              </a:solidFill>
+              <a:tailEnd type="triangle"/>
+            </a:ln>
+          </p:spPr>
+          <p:style>
+            <a:lnRef idx="1">
+              <a:schemeClr val="accent1"/>
+            </a:lnRef>
+            <a:fillRef idx="0">
+              <a:schemeClr val="accent1"/>
+            </a:fillRef>
+            <a:effectRef idx="0">
+              <a:schemeClr val="accent1"/>
+            </a:effectRef>
+            <a:fontRef idx="minor">
+              <a:schemeClr val="tx1"/>
+            </a:fontRef>
+          </p:style>
+        </p:cxnSp>
+        <p:sp>
+          <p:nvSpPr>
+            <p:cNvPr id="50" name="TextBox 49"/>
+            <p:cNvSpPr txBox="1"/>
+            <p:nvPr/>
+          </p:nvSpPr>
+          <p:spPr>
+            <a:xfrm>
+              <a:off x="9584255" y="3535410"/>
+              <a:ext cx="1859933" cy="1107996"/>
+            </a:xfrm>
+            <a:prstGeom prst="rect">
+              <a:avLst/>
+            </a:prstGeom>
+            <a:noFill/>
+          </p:spPr>
+          <p:txBody>
+            <a:bodyPr wrap="none" rtlCol="0">
+              <a:spAutoFit/>
+            </a:bodyPr>
+            <a:lstStyle/>
+            <a:p>
+              <a:pPr algn="ctr"/>
+              <a:r>
+                <a:rPr lang="en-AU" sz="2400" dirty="0" smtClean="0">
+                  <a:solidFill>
+                    <a:schemeClr val="bg1"/>
+                  </a:solidFill>
+                </a:rPr>
+                <a:t>Time +</a:t>
+              </a:r>
+            </a:p>
+            <a:p>
+              <a:pPr algn="ctr"/>
+              <a:r>
+                <a:rPr lang="en-AU" sz="2400" dirty="0" smtClean="0">
+                  <a:solidFill>
+                    <a:schemeClr val="bg1"/>
+                  </a:solidFill>
+                </a:rPr>
+                <a:t> other factors</a:t>
+              </a:r>
+              <a:endParaRPr lang="en-AU" sz="2400" dirty="0">
+                <a:solidFill>
+                  <a:schemeClr val="bg1"/>
+                </a:solidFill>
+              </a:endParaRPr>
+            </a:p>
+          </p:txBody>
+        </p:sp>
+        <p:sp>
+          <p:nvSpPr>
+            <p:cNvPr id="51" name="Down Arrow 50"/>
+            <p:cNvSpPr/>
+            <p:nvPr/>
+          </p:nvSpPr>
+          <p:spPr>
+            <a:xfrm>
+              <a:off x="7938737" y="3535410"/>
+              <a:ext cx="867557" cy="980737"/>
+            </a:xfrm>
+            <a:prstGeom prst="downArrow">
+              <a:avLst/>
+            </a:prstGeom>
+            <a:solidFill>
+              <a:schemeClr val="tx1"/>
+            </a:solidFill>
+            <a:ln>
+              <a:solidFill>
+                <a:schemeClr val="bg1"/>
+              </a:solidFill>
+            </a:ln>
+          </p:spPr>
+          <p:style>
+            <a:lnRef idx="2">
+              <a:schemeClr val="accent1">
+                <a:shade val="50000"/>
+              </a:schemeClr>
+            </a:lnRef>
+            <a:fillRef idx="1">
+              <a:schemeClr val="accent1"/>
+            </a:fillRef>
+            <a:effectRef idx="0">
+              <a:schemeClr val="accent1"/>
+            </a:effectRef>
+            <a:fontRef idx="minor">
+              <a:schemeClr val="lt1"/>
+            </a:fontRef>
+          </p:style>
+          <p:txBody>
+            <a:bodyPr rtlCol="0" anchor="ctr"/>
+            <a:lstStyle/>
+            <a:p>
+              <a:pPr algn="ctr"/>
+              <a:endParaRPr lang="en-AU"/>
+            </a:p>
+          </p:txBody>
+        </p:sp>
+        <p:grpSp>
+          <p:nvGrpSpPr>
+            <p:cNvPr id="52" name="Group 51"/>
+            <p:cNvGrpSpPr/>
+            <p:nvPr/>
+          </p:nvGrpSpPr>
+          <p:grpSpPr>
+            <a:xfrm>
+              <a:off x="7289566" y="4967602"/>
+              <a:ext cx="4353169" cy="1234831"/>
+              <a:chOff x="7126779" y="1060500"/>
+              <a:chExt cx="4353169" cy="1234831"/>
+            </a:xfrm>
+            <a:gradFill>
+              <a:gsLst>
+                <a:gs pos="0">
+                  <a:schemeClr val="accent6">
+                    <a:lumMod val="20000"/>
+                    <a:lumOff val="80000"/>
+                  </a:schemeClr>
+                </a:gs>
+                <a:gs pos="100000">
+                  <a:srgbClr val="002060"/>
+                </a:gs>
+              </a:gsLst>
+              <a:lin ang="0" scaled="1"/>
+            </a:gradFill>
+          </p:grpSpPr>
+          <p:sp>
+            <p:nvSpPr>
+              <p:cNvPr id="55" name="Oval 54"/>
+              <p:cNvSpPr/>
+              <p:nvPr/>
+            </p:nvSpPr>
+            <p:spPr>
+              <a:xfrm>
+                <a:off x="7126779" y="1060500"/>
+                <a:ext cx="4353169" cy="1234831"/>
+              </a:xfrm>
+              <a:prstGeom prst="ellipse">
+                <a:avLst/>
+              </a:prstGeom>
+              <a:gradFill>
+                <a:gsLst>
+                  <a:gs pos="0">
+                    <a:schemeClr val="tx2"/>
+                  </a:gs>
+                  <a:gs pos="100000">
+                    <a:schemeClr val="accent6">
+                      <a:lumMod val="50000"/>
+                    </a:schemeClr>
+                  </a:gs>
+                </a:gsLst>
+                <a:lin ang="0" scaled="1"/>
+              </a:gradFill>
+              <a:ln w="25400">
+                <a:solidFill>
+                  <a:srgbClr val="FF0000"/>
+                </a:solidFill>
+              </a:ln>
+            </p:spPr>
+            <p:style>
+              <a:lnRef idx="2">
+                <a:schemeClr val="accent1">
+                  <a:shade val="50000"/>
+                </a:schemeClr>
+              </a:lnRef>
+              <a:fillRef idx="1">
+                <a:schemeClr val="accent1"/>
+              </a:fillRef>
+              <a:effectRef idx="0">
+                <a:schemeClr val="accent1"/>
+              </a:effectRef>
+              <a:fontRef idx="minor">
+                <a:schemeClr val="lt1"/>
+              </a:fontRef>
+            </p:style>
+            <p:txBody>
+              <a:bodyPr rtlCol="0" anchor="ctr"/>
+              <a:lstStyle/>
+              <a:p>
+                <a:pPr algn="ctr"/>
+                <a:endParaRPr lang="en-AU"/>
+              </a:p>
+            </p:txBody>
+          </p:sp>
+          <p:sp>
+            <p:nvSpPr>
+              <p:cNvPr id="56" name="Oval 55"/>
+              <p:cNvSpPr/>
+              <p:nvPr/>
+            </p:nvSpPr>
+            <p:spPr>
+              <a:xfrm>
+                <a:off x="9167954" y="1333118"/>
+                <a:ext cx="267419" cy="224286"/>
+              </a:xfrm>
+              <a:prstGeom prst="ellipse">
+                <a:avLst/>
+              </a:prstGeom>
+              <a:solidFill>
+                <a:schemeClr val="accent1">
+                  <a:lumMod val="60000"/>
+                  <a:lumOff val="40000"/>
+                </a:schemeClr>
+              </a:solidFill>
+              <a:ln w="25400">
+                <a:solidFill>
+                  <a:srgbClr val="00B0F0"/>
+                </a:solidFill>
+              </a:ln>
+            </p:spPr>
+            <p:style>
+              <a:lnRef idx="2">
+                <a:schemeClr val="accent1">
+                  <a:shade val="50000"/>
+                </a:schemeClr>
+              </a:lnRef>
+              <a:fillRef idx="1">
+                <a:schemeClr val="accent1"/>
+              </a:fillRef>
+              <a:effectRef idx="0">
+                <a:schemeClr val="accent1"/>
+              </a:effectRef>
+              <a:fontRef idx="minor">
+                <a:schemeClr val="lt1"/>
+              </a:fontRef>
+            </p:style>
+            <p:txBody>
+              <a:bodyPr rtlCol="0" anchor="ctr"/>
+              <a:lstStyle/>
+              <a:p>
+                <a:pPr algn="ctr"/>
+                <a:endParaRPr lang="en-AU"/>
+              </a:p>
+            </p:txBody>
+          </p:sp>
+          <p:sp>
+            <p:nvSpPr>
+              <p:cNvPr id="57" name="Oval 56"/>
+              <p:cNvSpPr/>
+              <p:nvPr/>
+            </p:nvSpPr>
+            <p:spPr>
+              <a:xfrm>
+                <a:off x="8912981" y="1805599"/>
+                <a:ext cx="267419" cy="224286"/>
+              </a:xfrm>
+              <a:prstGeom prst="ellipse">
+                <a:avLst/>
+              </a:prstGeom>
+              <a:solidFill>
+                <a:schemeClr val="accent1">
+                  <a:lumMod val="60000"/>
+                  <a:lumOff val="40000"/>
+                </a:schemeClr>
+              </a:solidFill>
+              <a:ln w="25400">
+                <a:solidFill>
+                  <a:srgbClr val="00B0F0"/>
+                </a:solidFill>
+              </a:ln>
+            </p:spPr>
+            <p:style>
+              <a:lnRef idx="2">
+                <a:schemeClr val="accent1">
+                  <a:shade val="50000"/>
+                </a:schemeClr>
+              </a:lnRef>
+              <a:fillRef idx="1">
+                <a:schemeClr val="accent1"/>
+              </a:fillRef>
+              <a:effectRef idx="0">
+                <a:schemeClr val="accent1"/>
+              </a:effectRef>
+              <a:fontRef idx="minor">
+                <a:schemeClr val="lt1"/>
+              </a:fontRef>
+            </p:style>
+            <p:txBody>
+              <a:bodyPr rtlCol="0" anchor="ctr"/>
+              <a:lstStyle/>
+              <a:p>
+                <a:pPr algn="ctr"/>
+                <a:endParaRPr lang="en-AU"/>
+              </a:p>
+            </p:txBody>
+          </p:sp>
+          <p:sp>
+            <p:nvSpPr>
+              <p:cNvPr id="58" name="Oval 57"/>
+              <p:cNvSpPr/>
+              <p:nvPr/>
+            </p:nvSpPr>
+            <p:spPr>
+              <a:xfrm>
+                <a:off x="8500591" y="1842979"/>
+                <a:ext cx="267419" cy="224286"/>
+              </a:xfrm>
+              <a:prstGeom prst="ellipse">
+                <a:avLst/>
+              </a:prstGeom>
+              <a:solidFill>
+                <a:schemeClr val="accent1">
+                  <a:lumMod val="60000"/>
+                  <a:lumOff val="40000"/>
+                </a:schemeClr>
+              </a:solidFill>
+              <a:ln w="25400">
+                <a:solidFill>
+                  <a:srgbClr val="00B0F0"/>
+                </a:solidFill>
+              </a:ln>
+            </p:spPr>
+            <p:style>
+              <a:lnRef idx="2">
+                <a:schemeClr val="accent1">
+                  <a:shade val="50000"/>
+                </a:schemeClr>
+              </a:lnRef>
+              <a:fillRef idx="1">
+                <a:schemeClr val="accent1"/>
+              </a:fillRef>
+              <a:effectRef idx="0">
+                <a:schemeClr val="accent1"/>
+              </a:effectRef>
+              <a:fontRef idx="minor">
+                <a:schemeClr val="lt1"/>
+              </a:fontRef>
+            </p:style>
+            <p:txBody>
+              <a:bodyPr rtlCol="0" anchor="ctr"/>
+              <a:lstStyle/>
+              <a:p>
+                <a:pPr algn="ctr"/>
+                <a:endParaRPr lang="en-AU"/>
+              </a:p>
+            </p:txBody>
+          </p:sp>
+          <p:sp>
+            <p:nvSpPr>
+              <p:cNvPr id="59" name="Oval 58"/>
+              <p:cNvSpPr/>
+              <p:nvPr/>
+            </p:nvSpPr>
+            <p:spPr>
+              <a:xfrm>
+                <a:off x="8680009" y="1219906"/>
+                <a:ext cx="267419" cy="224286"/>
+              </a:xfrm>
+              <a:prstGeom prst="ellipse">
+                <a:avLst/>
+              </a:prstGeom>
+              <a:solidFill>
+                <a:schemeClr val="accent1">
+                  <a:lumMod val="60000"/>
+                  <a:lumOff val="40000"/>
+                </a:schemeClr>
+              </a:solidFill>
+              <a:ln w="25400">
+                <a:solidFill>
+                  <a:srgbClr val="00B0F0"/>
+                </a:solidFill>
+              </a:ln>
+            </p:spPr>
+            <p:style>
+              <a:lnRef idx="2">
+                <a:schemeClr val="accent1">
+                  <a:shade val="50000"/>
+                </a:schemeClr>
+              </a:lnRef>
+              <a:fillRef idx="1">
+                <a:schemeClr val="accent1"/>
+              </a:fillRef>
+              <a:effectRef idx="0">
+                <a:schemeClr val="accent1"/>
+              </a:effectRef>
+              <a:fontRef idx="minor">
+                <a:schemeClr val="lt1"/>
+              </a:fontRef>
+            </p:style>
+            <p:txBody>
+              <a:bodyPr rtlCol="0" anchor="ctr"/>
+              <a:lstStyle/>
+              <a:p>
+                <a:pPr algn="ctr"/>
+                <a:endParaRPr lang="en-AU"/>
+              </a:p>
+            </p:txBody>
+          </p:sp>
+          <p:sp>
+            <p:nvSpPr>
+              <p:cNvPr id="60" name="Oval 59"/>
+              <p:cNvSpPr/>
+              <p:nvPr/>
+            </p:nvSpPr>
+            <p:spPr>
+              <a:xfrm>
+                <a:off x="7508531" y="1511399"/>
+                <a:ext cx="267419" cy="224286"/>
+              </a:xfrm>
+              <a:prstGeom prst="ellipse">
+                <a:avLst/>
+              </a:prstGeom>
+              <a:solidFill>
+                <a:schemeClr val="accent1">
+                  <a:lumMod val="20000"/>
+                  <a:lumOff val="80000"/>
+                </a:schemeClr>
+              </a:solidFill>
+              <a:ln w="25400">
+                <a:solidFill>
+                  <a:srgbClr val="00B0F0"/>
+                </a:solidFill>
+              </a:ln>
+            </p:spPr>
+            <p:style>
+              <a:lnRef idx="2">
+                <a:schemeClr val="accent1">
+                  <a:shade val="50000"/>
+                </a:schemeClr>
+              </a:lnRef>
+              <a:fillRef idx="1">
+                <a:schemeClr val="accent1"/>
+              </a:fillRef>
+              <a:effectRef idx="0">
+                <a:schemeClr val="accent1"/>
+              </a:effectRef>
+              <a:fontRef idx="minor">
+                <a:schemeClr val="lt1"/>
+              </a:fontRef>
+            </p:style>
+            <p:txBody>
+              <a:bodyPr rtlCol="0" anchor="ctr"/>
+              <a:lstStyle/>
+              <a:p>
+                <a:pPr algn="ctr"/>
+                <a:endParaRPr lang="en-AU"/>
+              </a:p>
+            </p:txBody>
+          </p:sp>
+          <p:sp>
+            <p:nvSpPr>
+              <p:cNvPr id="61" name="Oval 60"/>
+              <p:cNvSpPr/>
+              <p:nvPr/>
+            </p:nvSpPr>
+            <p:spPr>
+              <a:xfrm>
+                <a:off x="9592790" y="1805599"/>
+                <a:ext cx="267419" cy="224286"/>
+              </a:xfrm>
+              <a:prstGeom prst="ellipse">
+                <a:avLst/>
+              </a:prstGeom>
+              <a:grpFill/>
+              <a:ln w="25400">
+                <a:solidFill>
+                  <a:srgbClr val="00B0F0"/>
+                </a:solidFill>
+              </a:ln>
+            </p:spPr>
+            <p:style>
+              <a:lnRef idx="2">
+                <a:schemeClr val="accent1">
+                  <a:shade val="50000"/>
+                </a:schemeClr>
+              </a:lnRef>
+              <a:fillRef idx="1">
+                <a:schemeClr val="accent1"/>
+              </a:fillRef>
+              <a:effectRef idx="0">
+                <a:schemeClr val="accent1"/>
+              </a:effectRef>
+              <a:fontRef idx="minor">
+                <a:schemeClr val="lt1"/>
+              </a:fontRef>
+            </p:style>
+            <p:txBody>
+              <a:bodyPr rtlCol="0" anchor="ctr"/>
+              <a:lstStyle/>
+              <a:p>
+                <a:pPr algn="ctr"/>
+                <a:endParaRPr lang="en-AU"/>
+              </a:p>
+            </p:txBody>
+          </p:sp>
+          <p:sp>
+            <p:nvSpPr>
+              <p:cNvPr id="62" name="Oval 61"/>
+              <p:cNvSpPr/>
+              <p:nvPr/>
+            </p:nvSpPr>
+            <p:spPr>
+              <a:xfrm>
+                <a:off x="9720600" y="1344622"/>
+                <a:ext cx="267419" cy="224286"/>
+              </a:xfrm>
+              <a:prstGeom prst="ellipse">
+                <a:avLst/>
+              </a:prstGeom>
+              <a:grpFill/>
+              <a:ln w="25400">
+                <a:solidFill>
+                  <a:srgbClr val="00B0F0"/>
+                </a:solidFill>
+              </a:ln>
+            </p:spPr>
+            <p:style>
+              <a:lnRef idx="2">
+                <a:schemeClr val="accent1">
+                  <a:shade val="50000"/>
+                </a:schemeClr>
+              </a:lnRef>
+              <a:fillRef idx="1">
+                <a:schemeClr val="accent1"/>
+              </a:fillRef>
+              <a:effectRef idx="0">
+                <a:schemeClr val="accent1"/>
+              </a:effectRef>
+              <a:fontRef idx="minor">
+                <a:schemeClr val="lt1"/>
+              </a:fontRef>
+            </p:style>
+            <p:txBody>
+              <a:bodyPr rtlCol="0" anchor="ctr"/>
+              <a:lstStyle/>
+              <a:p>
+                <a:pPr algn="ctr"/>
+                <a:endParaRPr lang="en-AU"/>
+              </a:p>
+            </p:txBody>
+          </p:sp>
+          <p:sp>
+            <p:nvSpPr>
+              <p:cNvPr id="63" name="Oval 62"/>
+              <p:cNvSpPr/>
+              <p:nvPr/>
+            </p:nvSpPr>
+            <p:spPr>
+              <a:xfrm>
+                <a:off x="10217725" y="1799848"/>
+                <a:ext cx="267419" cy="224286"/>
+              </a:xfrm>
+              <a:prstGeom prst="ellipse">
+                <a:avLst/>
+              </a:prstGeom>
+              <a:solidFill>
+                <a:schemeClr val="accent1">
+                  <a:lumMod val="50000"/>
+                </a:schemeClr>
+              </a:solidFill>
+              <a:ln w="25400">
+                <a:solidFill>
+                  <a:srgbClr val="00B0F0"/>
+                </a:solidFill>
+              </a:ln>
+            </p:spPr>
+            <p:style>
+              <a:lnRef idx="2">
+                <a:schemeClr val="accent1">
+                  <a:shade val="50000"/>
+                </a:schemeClr>
+              </a:lnRef>
+              <a:fillRef idx="1">
+                <a:schemeClr val="accent1"/>
+              </a:fillRef>
+              <a:effectRef idx="0">
+                <a:schemeClr val="accent1"/>
+              </a:effectRef>
+              <a:fontRef idx="minor">
+                <a:schemeClr val="lt1"/>
+              </a:fontRef>
+            </p:style>
+            <p:txBody>
+              <a:bodyPr rtlCol="0" anchor="ctr"/>
+              <a:lstStyle/>
+              <a:p>
+                <a:pPr algn="ctr"/>
+                <a:endParaRPr lang="en-AU"/>
+              </a:p>
+            </p:txBody>
+          </p:sp>
+          <p:sp>
+            <p:nvSpPr>
+              <p:cNvPr id="64" name="Oval 63"/>
+              <p:cNvSpPr/>
+              <p:nvPr/>
+            </p:nvSpPr>
+            <p:spPr>
+              <a:xfrm>
+                <a:off x="10351435" y="1304365"/>
+                <a:ext cx="267419" cy="224286"/>
+              </a:xfrm>
+              <a:prstGeom prst="ellipse">
+                <a:avLst/>
+              </a:prstGeom>
+              <a:solidFill>
+                <a:schemeClr val="accent1">
+                  <a:lumMod val="50000"/>
+                </a:schemeClr>
+              </a:solidFill>
+              <a:ln w="25400">
+                <a:solidFill>
+                  <a:srgbClr val="00B0F0"/>
+                </a:solidFill>
+              </a:ln>
+            </p:spPr>
+            <p:style>
+              <a:lnRef idx="2">
+                <a:schemeClr val="accent1">
+                  <a:shade val="50000"/>
+                </a:schemeClr>
+              </a:lnRef>
+              <a:fillRef idx="1">
+                <a:schemeClr val="accent1"/>
+              </a:fillRef>
+              <a:effectRef idx="0">
+                <a:schemeClr val="accent1"/>
+              </a:effectRef>
+              <a:fontRef idx="minor">
+                <a:schemeClr val="lt1"/>
+              </a:fontRef>
+            </p:style>
+            <p:txBody>
+              <a:bodyPr rtlCol="0" anchor="ctr"/>
+              <a:lstStyle/>
+              <a:p>
+                <a:pPr algn="ctr"/>
+                <a:endParaRPr lang="en-AU"/>
+              </a:p>
+            </p:txBody>
+          </p:sp>
+          <p:sp>
+            <p:nvSpPr>
+              <p:cNvPr id="65" name="Oval 64"/>
+              <p:cNvSpPr/>
+              <p:nvPr/>
+            </p:nvSpPr>
+            <p:spPr>
+              <a:xfrm>
+                <a:off x="10952409" y="1623542"/>
+                <a:ext cx="267419" cy="224286"/>
+              </a:xfrm>
+              <a:prstGeom prst="ellipse">
+                <a:avLst/>
+              </a:prstGeom>
+              <a:solidFill>
+                <a:schemeClr val="accent1">
+                  <a:lumMod val="50000"/>
+                </a:schemeClr>
+              </a:solidFill>
+              <a:ln w="25400">
+                <a:solidFill>
+                  <a:srgbClr val="00B0F0"/>
+                </a:solidFill>
+              </a:ln>
+            </p:spPr>
+            <p:style>
+              <a:lnRef idx="2">
+                <a:schemeClr val="accent1">
+                  <a:shade val="50000"/>
+                </a:schemeClr>
+              </a:lnRef>
+              <a:fillRef idx="1">
+                <a:schemeClr val="accent1"/>
+              </a:fillRef>
+              <a:effectRef idx="0">
+                <a:schemeClr val="accent1"/>
+              </a:effectRef>
+              <a:fontRef idx="minor">
+                <a:schemeClr val="lt1"/>
+              </a:fontRef>
+            </p:style>
+            <p:txBody>
+              <a:bodyPr rtlCol="0" anchor="ctr"/>
+              <a:lstStyle/>
+              <a:p>
+                <a:pPr algn="ctr"/>
+                <a:endParaRPr lang="en-AU"/>
+              </a:p>
+            </p:txBody>
+          </p:sp>
+          <p:sp>
+            <p:nvSpPr>
+              <p:cNvPr id="66" name="Oval 65"/>
+              <p:cNvSpPr/>
+              <p:nvPr/>
+            </p:nvSpPr>
+            <p:spPr>
+              <a:xfrm>
+                <a:off x="8009365" y="1808575"/>
+                <a:ext cx="267419" cy="224286"/>
+              </a:xfrm>
+              <a:prstGeom prst="ellipse">
+                <a:avLst/>
+              </a:prstGeom>
+              <a:solidFill>
+                <a:schemeClr val="accent1">
+                  <a:lumMod val="20000"/>
+                  <a:lumOff val="80000"/>
+                </a:schemeClr>
+              </a:solidFill>
+              <a:ln w="25400">
+                <a:solidFill>
+                  <a:srgbClr val="00B0F0"/>
+                </a:solidFill>
+              </a:ln>
+            </p:spPr>
+            <p:style>
+              <a:lnRef idx="2">
+                <a:schemeClr val="accent1">
+                  <a:shade val="50000"/>
+                </a:schemeClr>
+              </a:lnRef>
+              <a:fillRef idx="1">
+                <a:schemeClr val="accent1"/>
+              </a:fillRef>
+              <a:effectRef idx="0">
+                <a:schemeClr val="accent1"/>
+              </a:effectRef>
+              <a:fontRef idx="minor">
+                <a:schemeClr val="lt1"/>
+              </a:fontRef>
+            </p:style>
+            <p:txBody>
+              <a:bodyPr rtlCol="0" anchor="ctr"/>
+              <a:lstStyle/>
+              <a:p>
+                <a:pPr algn="ctr"/>
+                <a:endParaRPr lang="en-AU"/>
+              </a:p>
+            </p:txBody>
+          </p:sp>
+          <p:sp>
+            <p:nvSpPr>
+              <p:cNvPr id="67" name="Oval 66"/>
+              <p:cNvSpPr/>
+              <p:nvPr/>
+            </p:nvSpPr>
+            <p:spPr>
+              <a:xfrm>
+                <a:off x="8061672" y="1406355"/>
+                <a:ext cx="267419" cy="224286"/>
+              </a:xfrm>
+              <a:prstGeom prst="ellipse">
+                <a:avLst/>
+              </a:prstGeom>
+              <a:solidFill>
+                <a:schemeClr val="accent1">
+                  <a:lumMod val="20000"/>
+                  <a:lumOff val="80000"/>
+                </a:schemeClr>
+              </a:solidFill>
+              <a:ln w="25400">
+                <a:solidFill>
+                  <a:srgbClr val="00B0F0"/>
+                </a:solidFill>
+              </a:ln>
+            </p:spPr>
+            <p:style>
+              <a:lnRef idx="2">
+                <a:schemeClr val="accent1">
+                  <a:shade val="50000"/>
+                </a:schemeClr>
+              </a:lnRef>
+              <a:fillRef idx="1">
+                <a:schemeClr val="accent1"/>
+              </a:fillRef>
+              <a:effectRef idx="0">
+                <a:schemeClr val="accent1"/>
+              </a:effectRef>
+              <a:fontRef idx="minor">
+                <a:schemeClr val="lt1"/>
+              </a:fontRef>
+            </p:style>
+            <p:txBody>
+              <a:bodyPr rtlCol="0" anchor="ctr"/>
+              <a:lstStyle/>
+              <a:p>
+                <a:pPr algn="ctr"/>
+                <a:endParaRPr lang="en-AU"/>
+              </a:p>
+            </p:txBody>
+          </p:sp>
+          <p:sp>
+            <p:nvSpPr>
+              <p:cNvPr id="68" name="Oval 67"/>
+              <p:cNvSpPr/>
+              <p:nvPr/>
+            </p:nvSpPr>
+            <p:spPr>
+              <a:xfrm>
+                <a:off x="9592790" y="1799848"/>
+                <a:ext cx="267419" cy="224286"/>
+              </a:xfrm>
+              <a:prstGeom prst="ellipse">
+                <a:avLst/>
+              </a:prstGeom>
+              <a:solidFill>
+                <a:schemeClr val="accent1">
+                  <a:lumMod val="60000"/>
+                  <a:lumOff val="40000"/>
+                </a:schemeClr>
+              </a:solidFill>
+              <a:ln w="25400">
+                <a:solidFill>
+                  <a:srgbClr val="00B0F0"/>
+                </a:solidFill>
+              </a:ln>
+            </p:spPr>
+            <p:style>
+              <a:lnRef idx="2">
+                <a:schemeClr val="accent1">
+                  <a:shade val="50000"/>
+                </a:schemeClr>
+              </a:lnRef>
+              <a:fillRef idx="1">
+                <a:schemeClr val="accent1"/>
+              </a:fillRef>
+              <a:effectRef idx="0">
+                <a:schemeClr val="accent1"/>
+              </a:effectRef>
+              <a:fontRef idx="minor">
+                <a:schemeClr val="lt1"/>
+              </a:fontRef>
+            </p:style>
+            <p:txBody>
+              <a:bodyPr rtlCol="0" anchor="ctr"/>
+              <a:lstStyle/>
+              <a:p>
+                <a:pPr algn="ctr"/>
+                <a:endParaRPr lang="en-AU"/>
+              </a:p>
+            </p:txBody>
+          </p:sp>
+          <p:sp>
+            <p:nvSpPr>
+              <p:cNvPr id="69" name="Oval 68"/>
+              <p:cNvSpPr/>
+              <p:nvPr/>
+            </p:nvSpPr>
+            <p:spPr>
+              <a:xfrm>
+                <a:off x="9720600" y="1338871"/>
+                <a:ext cx="267419" cy="224286"/>
+              </a:xfrm>
+              <a:prstGeom prst="ellipse">
+                <a:avLst/>
+              </a:prstGeom>
+              <a:solidFill>
+                <a:schemeClr val="accent1">
+                  <a:lumMod val="60000"/>
+                  <a:lumOff val="40000"/>
+                </a:schemeClr>
+              </a:solidFill>
+              <a:ln w="25400">
+                <a:solidFill>
+                  <a:srgbClr val="00B0F0"/>
+                </a:solidFill>
+              </a:ln>
+            </p:spPr>
+            <p:style>
+              <a:lnRef idx="2">
+                <a:schemeClr val="accent1">
+                  <a:shade val="50000"/>
+                </a:schemeClr>
+              </a:lnRef>
+              <a:fillRef idx="1">
+                <a:schemeClr val="accent1"/>
+              </a:fillRef>
+              <a:effectRef idx="0">
+                <a:schemeClr val="accent1"/>
+              </a:effectRef>
+              <a:fontRef idx="minor">
+                <a:schemeClr val="lt1"/>
+              </a:fontRef>
+            </p:style>
+            <p:txBody>
+              <a:bodyPr rtlCol="0" anchor="ctr"/>
+              <a:lstStyle/>
+              <a:p>
+                <a:pPr algn="ctr"/>
+                <a:endParaRPr lang="en-AU"/>
+              </a:p>
+            </p:txBody>
+          </p:sp>
+        </p:grpSp>
+        <p:sp>
+          <p:nvSpPr>
+            <p:cNvPr id="53" name="TextBox 52"/>
+            <p:cNvSpPr txBox="1"/>
+            <p:nvPr/>
+          </p:nvSpPr>
+          <p:spPr>
+            <a:xfrm>
+              <a:off x="7580835" y="365946"/>
+              <a:ext cx="3372975" cy="615553"/>
+            </a:xfrm>
+            <a:prstGeom prst="rect">
+              <a:avLst/>
+            </a:prstGeom>
+            <a:noFill/>
+          </p:spPr>
+          <p:txBody>
+            <a:bodyPr wrap="square" rtlCol="0">
+              <a:spAutoFit/>
+            </a:bodyPr>
+            <a:lstStyle/>
+            <a:p>
+              <a:r>
+                <a:rPr lang="en-AU" sz="2400" dirty="0" smtClean="0">
+                  <a:solidFill>
+                    <a:schemeClr val="bg1">
+                      <a:lumMod val="50000"/>
+                    </a:schemeClr>
+                  </a:solidFill>
+                </a:rPr>
+                <a:t>Environmental conditions</a:t>
+              </a:r>
+              <a:endParaRPr lang="en-AU" sz="2400" dirty="0">
+                <a:solidFill>
+                  <a:schemeClr val="bg1">
+                    <a:lumMod val="50000"/>
+                  </a:schemeClr>
+                </a:solidFill>
+              </a:endParaRPr>
+            </a:p>
+          </p:txBody>
+        </p:sp>
+        <p:cxnSp>
+          <p:nvCxnSpPr>
+            <p:cNvPr id="54" name="Straight Arrow Connector 53"/>
+            <p:cNvCxnSpPr>
+              <a:stCxn id="53" idx="2"/>
+            </p:cNvCxnSpPr>
+            <p:nvPr/>
+          </p:nvCxnSpPr>
+          <p:spPr>
+            <a:xfrm flipH="1">
+              <a:off x="9209477" y="981499"/>
+              <a:ext cx="57846" cy="822588"/>
+            </a:xfrm>
+            <a:prstGeom prst="straightConnector1">
+              <a:avLst/>
+            </a:prstGeom>
+            <a:ln w="50800">
+              <a:solidFill>
+                <a:schemeClr val="bg1">
+                  <a:lumMod val="50000"/>
+                </a:schemeClr>
+              </a:solidFill>
+              <a:tailEnd type="triangle"/>
+            </a:ln>
+          </p:spPr>
+          <p:style>
+            <a:lnRef idx="1">
+              <a:schemeClr val="accent1"/>
+            </a:lnRef>
+            <a:fillRef idx="0">
+              <a:schemeClr val="accent1"/>
+            </a:fillRef>
+            <a:effectRef idx="0">
+              <a:schemeClr val="accent1"/>
+            </a:effectRef>
+            <a:fontRef idx="minor">
+              <a:schemeClr val="tx1"/>
+            </a:fontRef>
+          </p:style>
+        </p:cxnSp>
+      </p:grpSp>
       <p:sp>
         <p:nvSpPr>
           <p:cNvPr id="2" name="Title 1"/>
@@ -21440,6 +23643,165 @@
           </a:p>
         </p:txBody>
       </p:sp>
+      <p:sp>
+        <p:nvSpPr>
+          <p:cNvPr id="3" name="Rectangle 2"/>
+          <p:cNvSpPr/>
+          <p:nvPr/>
+        </p:nvSpPr>
+        <p:spPr>
+          <a:xfrm>
+            <a:off x="4038600" y="2464594"/>
+            <a:ext cx="4953000" cy="2557463"/>
+          </a:xfrm>
+          <a:prstGeom prst="rect">
+            <a:avLst/>
+          </a:prstGeom>
+          <a:solidFill>
+            <a:schemeClr val="tx1"/>
+          </a:solidFill>
+          <a:ln>
+            <a:noFill/>
+          </a:ln>
+        </p:spPr>
+        <p:style>
+          <a:lnRef idx="2">
+            <a:schemeClr val="accent1">
+              <a:shade val="50000"/>
+            </a:schemeClr>
+          </a:lnRef>
+          <a:fillRef idx="1">
+            <a:schemeClr val="accent1"/>
+          </a:fillRef>
+          <a:effectRef idx="0">
+            <a:schemeClr val="accent1"/>
+          </a:effectRef>
+          <a:fontRef idx="minor">
+            <a:schemeClr val="lt1"/>
+          </a:fontRef>
+        </p:style>
+        <p:txBody>
+          <a:bodyPr rtlCol="0" anchor="ctr"/>
+          <a:lstStyle/>
+          <a:p>
+            <a:pPr algn="ctr"/>
+            <a:endParaRPr lang="en-AU"/>
+          </a:p>
+        </p:txBody>
+      </p:sp>
+      <p:sp>
+        <p:nvSpPr>
+          <p:cNvPr id="43" name="TextBox 42"/>
+          <p:cNvSpPr txBox="1"/>
+          <p:nvPr/>
+        </p:nvSpPr>
+        <p:spPr>
+          <a:xfrm>
+            <a:off x="6916283" y="4749609"/>
+            <a:ext cx="2207014" cy="400110"/>
+          </a:xfrm>
+          <a:prstGeom prst="rect">
+            <a:avLst/>
+          </a:prstGeom>
+          <a:noFill/>
+        </p:spPr>
+        <p:txBody>
+          <a:bodyPr wrap="none" rtlCol="0">
+            <a:spAutoFit/>
+          </a:bodyPr>
+          <a:lstStyle/>
+          <a:p>
+            <a:r>
+              <a:rPr lang="en-AU" sz="2000" dirty="0" smtClean="0">
+                <a:solidFill>
+                  <a:schemeClr val="bg1">
+                    <a:lumMod val="50000"/>
+                  </a:schemeClr>
+                </a:solidFill>
+              </a:rPr>
+              <a:t>jeffrey-hanson.com</a:t>
+            </a:r>
+            <a:endParaRPr lang="en-AU" sz="1600" dirty="0">
+              <a:solidFill>
+                <a:schemeClr val="bg1">
+                  <a:lumMod val="50000"/>
+                </a:schemeClr>
+              </a:solidFill>
+            </a:endParaRPr>
+          </a:p>
+        </p:txBody>
+      </p:sp>
+    </p:spTree>
+    <p:extLst>
+      <p:ext uri="{BB962C8B-B14F-4D97-AF65-F5344CB8AC3E}">
+        <p14:creationId xmlns:p14="http://schemas.microsoft.com/office/powerpoint/2010/main" val="1717019823"/>
+      </p:ext>
+    </p:extLst>
+  </p:cSld>
+  <p:clrMapOvr>
+    <a:masterClrMapping/>
+  </p:clrMapOvr>
+  <p:timing>
+    <p:tnLst>
+      <p:par>
+        <p:cTn id="1" dur="indefinite" restart="never" nodeType="tmRoot"/>
+      </p:par>
+    </p:tnLst>
+  </p:timing>
+</p:sld>
+</file>
+
+<file path=ppt/slides/slide7.xml><?xml version="1.0" encoding="utf-8"?>
+<p:sld xmlns:a="http://schemas.openxmlformats.org/drawingml/2006/main" xmlns:r="http://schemas.openxmlformats.org/officeDocument/2006/relationships" xmlns:p="http://schemas.openxmlformats.org/presentationml/2006/main">
+  <p:cSld>
+    <p:spTree>
+      <p:nvGrpSpPr>
+        <p:cNvPr id="1" name=""/>
+        <p:cNvGrpSpPr/>
+        <p:nvPr/>
+      </p:nvGrpSpPr>
+      <p:grpSpPr>
+        <a:xfrm>
+          <a:off x="0" y="0"/>
+          <a:ext cx="0" cy="0"/>
+          <a:chOff x="0" y="0"/>
+          <a:chExt cx="0" cy="0"/>
+        </a:xfrm>
+      </p:grpSpPr>
+      <p:sp>
+        <p:nvSpPr>
+          <p:cNvPr id="2" name="Title 1"/>
+          <p:cNvSpPr>
+            <a:spLocks noGrp="1"/>
+          </p:cNvSpPr>
+          <p:nvPr>
+            <p:ph type="title"/>
+          </p:nvPr>
+        </p:nvSpPr>
+        <p:spPr>
+          <a:xfrm>
+            <a:off x="3" y="2384"/>
+            <a:ext cx="4492303" cy="2152163"/>
+          </a:xfrm>
+        </p:spPr>
+        <p:txBody>
+          <a:bodyPr>
+            <a:normAutofit/>
+          </a:bodyPr>
+          <a:lstStyle/>
+          <a:p>
+            <a:r>
+              <a:rPr lang="en-AU" dirty="0" smtClean="0">
+                <a:latin typeface="+mn-lt"/>
+              </a:rPr>
+              <a:t>But what about biodiversity processes?</a:t>
+            </a:r>
+            <a:endParaRPr lang="en-AU" dirty="0">
+              <a:latin typeface="+mn-lt"/>
+            </a:endParaRPr>
+          </a:p>
+        </p:txBody>
+      </p:sp>
       <p:grpSp>
         <p:nvGrpSpPr>
           <p:cNvPr id="170" name="Group 169"/>
@@ -21448,10 +23810,10 @@
         </p:nvGrpSpPr>
         <p:grpSpPr>
           <a:xfrm>
-            <a:off x="3933664" y="441073"/>
-            <a:ext cx="4975664" cy="4232585"/>
-            <a:chOff x="6667071" y="558986"/>
-            <a:chExt cx="4975664" cy="5643447"/>
+            <a:off x="3992396" y="296293"/>
+            <a:ext cx="4916932" cy="4377365"/>
+            <a:chOff x="6725803" y="365946"/>
+            <a:chExt cx="4916932" cy="5836487"/>
           </a:xfrm>
         </p:grpSpPr>
         <p:sp>
@@ -21462,7 +23824,7 @@
           </p:nvSpPr>
           <p:spPr>
             <a:xfrm>
-              <a:off x="6667071" y="1188534"/>
+              <a:off x="6725803" y="981499"/>
               <a:ext cx="1891030" cy="615553"/>
             </a:xfrm>
             <a:prstGeom prst="rect">
@@ -22197,13 +24559,14 @@
             <p:cNvPr id="173" name="Straight Arrow Connector 172"/>
             <p:cNvCxnSpPr>
               <a:stCxn id="171" idx="2"/>
+              <a:endCxn id="196" idx="1"/>
             </p:cNvCxnSpPr>
             <p:nvPr/>
           </p:nvCxnSpPr>
           <p:spPr>
             <a:xfrm>
-              <a:off x="7612586" y="1804087"/>
-              <a:ext cx="151700" cy="164081"/>
+              <a:off x="7671318" y="1597053"/>
+              <a:ext cx="255755" cy="371116"/>
             </a:xfrm>
             <a:prstGeom prst="straightConnector1">
               <a:avLst/>
@@ -22365,2006 +24728,8 @@
           </p:nvSpPr>
           <p:spPr>
             <a:xfrm>
-              <a:off x="8389680" y="3588077"/>
-              <a:ext cx="867557" cy="980738"/>
-            </a:xfrm>
-            <a:prstGeom prst="downArrow">
-              <a:avLst/>
-            </a:prstGeom>
-            <a:solidFill>
-              <a:schemeClr val="tx1"/>
-            </a:solidFill>
-            <a:ln>
-              <a:solidFill>
-                <a:schemeClr val="bg1"/>
-              </a:solidFill>
-            </a:ln>
-          </p:spPr>
-          <p:style>
-            <a:lnRef idx="2">
-              <a:schemeClr val="accent1">
-                <a:shade val="50000"/>
-              </a:schemeClr>
-            </a:lnRef>
-            <a:fillRef idx="1">
-              <a:schemeClr val="accent1"/>
-            </a:fillRef>
-            <a:effectRef idx="0">
-              <a:schemeClr val="accent1"/>
-            </a:effectRef>
-            <a:fontRef idx="minor">
-              <a:schemeClr val="lt1"/>
-            </a:fontRef>
-          </p:style>
-          <p:txBody>
-            <a:bodyPr rtlCol="0" anchor="ctr"/>
-            <a:lstStyle/>
-            <a:p>
-              <a:pPr algn="ctr"/>
-              <a:endParaRPr lang="en-AU"/>
-            </a:p>
-          </p:txBody>
-        </p:sp>
-        <p:grpSp>
-          <p:nvGrpSpPr>
-            <p:cNvPr id="178" name="Group 177"/>
-            <p:cNvGrpSpPr/>
-            <p:nvPr/>
-          </p:nvGrpSpPr>
-          <p:grpSpPr>
-            <a:xfrm>
-              <a:off x="7289566" y="4967602"/>
-              <a:ext cx="4353169" cy="1234831"/>
-              <a:chOff x="7126779" y="1060500"/>
-              <a:chExt cx="4353169" cy="1234831"/>
-            </a:xfrm>
-            <a:gradFill>
-              <a:gsLst>
-                <a:gs pos="0">
-                  <a:schemeClr val="accent6">
-                    <a:lumMod val="20000"/>
-                    <a:lumOff val="80000"/>
-                  </a:schemeClr>
-                </a:gs>
-                <a:gs pos="100000">
-                  <a:srgbClr val="002060"/>
-                </a:gs>
-              </a:gsLst>
-              <a:lin ang="0" scaled="1"/>
-            </a:gradFill>
-          </p:grpSpPr>
-          <p:sp>
-            <p:nvSpPr>
-              <p:cNvPr id="181" name="Oval 180"/>
-              <p:cNvSpPr/>
-              <p:nvPr/>
-            </p:nvSpPr>
-            <p:spPr>
-              <a:xfrm>
-                <a:off x="7126779" y="1060500"/>
-                <a:ext cx="4353169" cy="1234831"/>
-              </a:xfrm>
-              <a:prstGeom prst="ellipse">
-                <a:avLst/>
-              </a:prstGeom>
-              <a:gradFill>
-                <a:gsLst>
-                  <a:gs pos="0">
-                    <a:schemeClr val="accent6">
-                      <a:lumMod val="20000"/>
-                      <a:lumOff val="80000"/>
-                    </a:schemeClr>
-                  </a:gs>
-                  <a:gs pos="100000">
-                    <a:schemeClr val="accent6">
-                      <a:lumMod val="50000"/>
-                    </a:schemeClr>
-                  </a:gs>
-                </a:gsLst>
-                <a:lin ang="0" scaled="1"/>
-              </a:gradFill>
-              <a:ln w="25400">
-                <a:solidFill>
-                  <a:srgbClr val="FF0000"/>
-                </a:solidFill>
-              </a:ln>
-            </p:spPr>
-            <p:style>
-              <a:lnRef idx="2">
-                <a:schemeClr val="accent1">
-                  <a:shade val="50000"/>
-                </a:schemeClr>
-              </a:lnRef>
-              <a:fillRef idx="1">
-                <a:schemeClr val="accent1"/>
-              </a:fillRef>
-              <a:effectRef idx="0">
-                <a:schemeClr val="accent1"/>
-              </a:effectRef>
-              <a:fontRef idx="minor">
-                <a:schemeClr val="lt1"/>
-              </a:fontRef>
-            </p:style>
-            <p:txBody>
-              <a:bodyPr rtlCol="0" anchor="ctr"/>
-              <a:lstStyle/>
-              <a:p>
-                <a:pPr algn="ctr"/>
-                <a:endParaRPr lang="en-AU"/>
-              </a:p>
-            </p:txBody>
-          </p:sp>
-          <p:sp>
-            <p:nvSpPr>
-              <p:cNvPr id="182" name="Oval 181"/>
-              <p:cNvSpPr/>
-              <p:nvPr/>
-            </p:nvSpPr>
-            <p:spPr>
-              <a:xfrm>
-                <a:off x="9167954" y="1333118"/>
-                <a:ext cx="267419" cy="224286"/>
-              </a:xfrm>
-              <a:prstGeom prst="ellipse">
-                <a:avLst/>
-              </a:prstGeom>
-              <a:solidFill>
-                <a:schemeClr val="accent1">
-                  <a:lumMod val="60000"/>
-                  <a:lumOff val="40000"/>
-                </a:schemeClr>
-              </a:solidFill>
-              <a:ln w="25400">
-                <a:solidFill>
-                  <a:srgbClr val="00B0F0"/>
-                </a:solidFill>
-              </a:ln>
-            </p:spPr>
-            <p:style>
-              <a:lnRef idx="2">
-                <a:schemeClr val="accent1">
-                  <a:shade val="50000"/>
-                </a:schemeClr>
-              </a:lnRef>
-              <a:fillRef idx="1">
-                <a:schemeClr val="accent1"/>
-              </a:fillRef>
-              <a:effectRef idx="0">
-                <a:schemeClr val="accent1"/>
-              </a:effectRef>
-              <a:fontRef idx="minor">
-                <a:schemeClr val="lt1"/>
-              </a:fontRef>
-            </p:style>
-            <p:txBody>
-              <a:bodyPr rtlCol="0" anchor="ctr"/>
-              <a:lstStyle/>
-              <a:p>
-                <a:pPr algn="ctr"/>
-                <a:endParaRPr lang="en-AU"/>
-              </a:p>
-            </p:txBody>
-          </p:sp>
-          <p:sp>
-            <p:nvSpPr>
-              <p:cNvPr id="183" name="Oval 182"/>
-              <p:cNvSpPr/>
-              <p:nvPr/>
-            </p:nvSpPr>
-            <p:spPr>
-              <a:xfrm>
-                <a:off x="8912981" y="1805599"/>
-                <a:ext cx="267419" cy="224286"/>
-              </a:xfrm>
-              <a:prstGeom prst="ellipse">
-                <a:avLst/>
-              </a:prstGeom>
-              <a:solidFill>
-                <a:schemeClr val="accent1">
-                  <a:lumMod val="60000"/>
-                  <a:lumOff val="40000"/>
-                </a:schemeClr>
-              </a:solidFill>
-              <a:ln w="25400">
-                <a:solidFill>
-                  <a:srgbClr val="00B0F0"/>
-                </a:solidFill>
-              </a:ln>
-            </p:spPr>
-            <p:style>
-              <a:lnRef idx="2">
-                <a:schemeClr val="accent1">
-                  <a:shade val="50000"/>
-                </a:schemeClr>
-              </a:lnRef>
-              <a:fillRef idx="1">
-                <a:schemeClr val="accent1"/>
-              </a:fillRef>
-              <a:effectRef idx="0">
-                <a:schemeClr val="accent1"/>
-              </a:effectRef>
-              <a:fontRef idx="minor">
-                <a:schemeClr val="lt1"/>
-              </a:fontRef>
-            </p:style>
-            <p:txBody>
-              <a:bodyPr rtlCol="0" anchor="ctr"/>
-              <a:lstStyle/>
-              <a:p>
-                <a:pPr algn="ctr"/>
-                <a:endParaRPr lang="en-AU"/>
-              </a:p>
-            </p:txBody>
-          </p:sp>
-          <p:sp>
-            <p:nvSpPr>
-              <p:cNvPr id="184" name="Oval 183"/>
-              <p:cNvSpPr/>
-              <p:nvPr/>
-            </p:nvSpPr>
-            <p:spPr>
-              <a:xfrm>
-                <a:off x="8500591" y="1842979"/>
-                <a:ext cx="267419" cy="224286"/>
-              </a:xfrm>
-              <a:prstGeom prst="ellipse">
-                <a:avLst/>
-              </a:prstGeom>
-              <a:solidFill>
-                <a:schemeClr val="accent1">
-                  <a:lumMod val="60000"/>
-                  <a:lumOff val="40000"/>
-                </a:schemeClr>
-              </a:solidFill>
-              <a:ln w="25400">
-                <a:solidFill>
-                  <a:srgbClr val="00B0F0"/>
-                </a:solidFill>
-              </a:ln>
-            </p:spPr>
-            <p:style>
-              <a:lnRef idx="2">
-                <a:schemeClr val="accent1">
-                  <a:shade val="50000"/>
-                </a:schemeClr>
-              </a:lnRef>
-              <a:fillRef idx="1">
-                <a:schemeClr val="accent1"/>
-              </a:fillRef>
-              <a:effectRef idx="0">
-                <a:schemeClr val="accent1"/>
-              </a:effectRef>
-              <a:fontRef idx="minor">
-                <a:schemeClr val="lt1"/>
-              </a:fontRef>
-            </p:style>
-            <p:txBody>
-              <a:bodyPr rtlCol="0" anchor="ctr"/>
-              <a:lstStyle/>
-              <a:p>
-                <a:pPr algn="ctr"/>
-                <a:endParaRPr lang="en-AU"/>
-              </a:p>
-            </p:txBody>
-          </p:sp>
-          <p:sp>
-            <p:nvSpPr>
-              <p:cNvPr id="185" name="Oval 184"/>
-              <p:cNvSpPr/>
-              <p:nvPr/>
-            </p:nvSpPr>
-            <p:spPr>
-              <a:xfrm>
-                <a:off x="8680009" y="1219906"/>
-                <a:ext cx="267419" cy="224286"/>
-              </a:xfrm>
-              <a:prstGeom prst="ellipse">
-                <a:avLst/>
-              </a:prstGeom>
-              <a:solidFill>
-                <a:schemeClr val="accent1">
-                  <a:lumMod val="60000"/>
-                  <a:lumOff val="40000"/>
-                </a:schemeClr>
-              </a:solidFill>
-              <a:ln w="25400">
-                <a:solidFill>
-                  <a:srgbClr val="00B0F0"/>
-                </a:solidFill>
-              </a:ln>
-            </p:spPr>
-            <p:style>
-              <a:lnRef idx="2">
-                <a:schemeClr val="accent1">
-                  <a:shade val="50000"/>
-                </a:schemeClr>
-              </a:lnRef>
-              <a:fillRef idx="1">
-                <a:schemeClr val="accent1"/>
-              </a:fillRef>
-              <a:effectRef idx="0">
-                <a:schemeClr val="accent1"/>
-              </a:effectRef>
-              <a:fontRef idx="minor">
-                <a:schemeClr val="lt1"/>
-              </a:fontRef>
-            </p:style>
-            <p:txBody>
-              <a:bodyPr rtlCol="0" anchor="ctr"/>
-              <a:lstStyle/>
-              <a:p>
-                <a:pPr algn="ctr"/>
-                <a:endParaRPr lang="en-AU"/>
-              </a:p>
-            </p:txBody>
-          </p:sp>
-          <p:sp>
-            <p:nvSpPr>
-              <p:cNvPr id="186" name="Oval 185"/>
-              <p:cNvSpPr/>
-              <p:nvPr/>
-            </p:nvSpPr>
-            <p:spPr>
-              <a:xfrm>
-                <a:off x="7508531" y="1511399"/>
-                <a:ext cx="267419" cy="224286"/>
-              </a:xfrm>
-              <a:prstGeom prst="ellipse">
-                <a:avLst/>
-              </a:prstGeom>
-              <a:solidFill>
-                <a:schemeClr val="accent1">
-                  <a:lumMod val="20000"/>
-                  <a:lumOff val="80000"/>
-                </a:schemeClr>
-              </a:solidFill>
-              <a:ln w="25400">
-                <a:solidFill>
-                  <a:srgbClr val="00B0F0"/>
-                </a:solidFill>
-              </a:ln>
-            </p:spPr>
-            <p:style>
-              <a:lnRef idx="2">
-                <a:schemeClr val="accent1">
-                  <a:shade val="50000"/>
-                </a:schemeClr>
-              </a:lnRef>
-              <a:fillRef idx="1">
-                <a:schemeClr val="accent1"/>
-              </a:fillRef>
-              <a:effectRef idx="0">
-                <a:schemeClr val="accent1"/>
-              </a:effectRef>
-              <a:fontRef idx="minor">
-                <a:schemeClr val="lt1"/>
-              </a:fontRef>
-            </p:style>
-            <p:txBody>
-              <a:bodyPr rtlCol="0" anchor="ctr"/>
-              <a:lstStyle/>
-              <a:p>
-                <a:pPr algn="ctr"/>
-                <a:endParaRPr lang="en-AU"/>
-              </a:p>
-            </p:txBody>
-          </p:sp>
-          <p:sp>
-            <p:nvSpPr>
-              <p:cNvPr id="187" name="Oval 186"/>
-              <p:cNvSpPr/>
-              <p:nvPr/>
-            </p:nvSpPr>
-            <p:spPr>
-              <a:xfrm>
-                <a:off x="9592790" y="1805599"/>
-                <a:ext cx="267419" cy="224286"/>
-              </a:xfrm>
-              <a:prstGeom prst="ellipse">
-                <a:avLst/>
-              </a:prstGeom>
-              <a:grpFill/>
-              <a:ln w="25400">
-                <a:solidFill>
-                  <a:srgbClr val="00B0F0"/>
-                </a:solidFill>
-              </a:ln>
-            </p:spPr>
-            <p:style>
-              <a:lnRef idx="2">
-                <a:schemeClr val="accent1">
-                  <a:shade val="50000"/>
-                </a:schemeClr>
-              </a:lnRef>
-              <a:fillRef idx="1">
-                <a:schemeClr val="accent1"/>
-              </a:fillRef>
-              <a:effectRef idx="0">
-                <a:schemeClr val="accent1"/>
-              </a:effectRef>
-              <a:fontRef idx="minor">
-                <a:schemeClr val="lt1"/>
-              </a:fontRef>
-            </p:style>
-            <p:txBody>
-              <a:bodyPr rtlCol="0" anchor="ctr"/>
-              <a:lstStyle/>
-              <a:p>
-                <a:pPr algn="ctr"/>
-                <a:endParaRPr lang="en-AU"/>
-              </a:p>
-            </p:txBody>
-          </p:sp>
-          <p:sp>
-            <p:nvSpPr>
-              <p:cNvPr id="188" name="Oval 187"/>
-              <p:cNvSpPr/>
-              <p:nvPr/>
-            </p:nvSpPr>
-            <p:spPr>
-              <a:xfrm>
-                <a:off x="9720600" y="1344622"/>
-                <a:ext cx="267419" cy="224286"/>
-              </a:xfrm>
-              <a:prstGeom prst="ellipse">
-                <a:avLst/>
-              </a:prstGeom>
-              <a:grpFill/>
-              <a:ln w="25400">
-                <a:solidFill>
-                  <a:srgbClr val="00B0F0"/>
-                </a:solidFill>
-              </a:ln>
-            </p:spPr>
-            <p:style>
-              <a:lnRef idx="2">
-                <a:schemeClr val="accent1">
-                  <a:shade val="50000"/>
-                </a:schemeClr>
-              </a:lnRef>
-              <a:fillRef idx="1">
-                <a:schemeClr val="accent1"/>
-              </a:fillRef>
-              <a:effectRef idx="0">
-                <a:schemeClr val="accent1"/>
-              </a:effectRef>
-              <a:fontRef idx="minor">
-                <a:schemeClr val="lt1"/>
-              </a:fontRef>
-            </p:style>
-            <p:txBody>
-              <a:bodyPr rtlCol="0" anchor="ctr"/>
-              <a:lstStyle/>
-              <a:p>
-                <a:pPr algn="ctr"/>
-                <a:endParaRPr lang="en-AU"/>
-              </a:p>
-            </p:txBody>
-          </p:sp>
-          <p:sp>
-            <p:nvSpPr>
-              <p:cNvPr id="189" name="Oval 188"/>
-              <p:cNvSpPr/>
-              <p:nvPr/>
-            </p:nvSpPr>
-            <p:spPr>
-              <a:xfrm>
-                <a:off x="10217725" y="1799848"/>
-                <a:ext cx="267419" cy="224286"/>
-              </a:xfrm>
-              <a:prstGeom prst="ellipse">
-                <a:avLst/>
-              </a:prstGeom>
-              <a:solidFill>
-                <a:schemeClr val="accent1">
-                  <a:lumMod val="50000"/>
-                </a:schemeClr>
-              </a:solidFill>
-              <a:ln w="25400">
-                <a:solidFill>
-                  <a:srgbClr val="00B0F0"/>
-                </a:solidFill>
-              </a:ln>
-            </p:spPr>
-            <p:style>
-              <a:lnRef idx="2">
-                <a:schemeClr val="accent1">
-                  <a:shade val="50000"/>
-                </a:schemeClr>
-              </a:lnRef>
-              <a:fillRef idx="1">
-                <a:schemeClr val="accent1"/>
-              </a:fillRef>
-              <a:effectRef idx="0">
-                <a:schemeClr val="accent1"/>
-              </a:effectRef>
-              <a:fontRef idx="minor">
-                <a:schemeClr val="lt1"/>
-              </a:fontRef>
-            </p:style>
-            <p:txBody>
-              <a:bodyPr rtlCol="0" anchor="ctr"/>
-              <a:lstStyle/>
-              <a:p>
-                <a:pPr algn="ctr"/>
-                <a:endParaRPr lang="en-AU"/>
-              </a:p>
-            </p:txBody>
-          </p:sp>
-          <p:sp>
-            <p:nvSpPr>
-              <p:cNvPr id="190" name="Oval 189"/>
-              <p:cNvSpPr/>
-              <p:nvPr/>
-            </p:nvSpPr>
-            <p:spPr>
-              <a:xfrm>
-                <a:off x="10351435" y="1304365"/>
-                <a:ext cx="267419" cy="224286"/>
-              </a:xfrm>
-              <a:prstGeom prst="ellipse">
-                <a:avLst/>
-              </a:prstGeom>
-              <a:solidFill>
-                <a:schemeClr val="accent1">
-                  <a:lumMod val="50000"/>
-                </a:schemeClr>
-              </a:solidFill>
-              <a:ln w="25400">
-                <a:solidFill>
-                  <a:srgbClr val="00B0F0"/>
-                </a:solidFill>
-              </a:ln>
-            </p:spPr>
-            <p:style>
-              <a:lnRef idx="2">
-                <a:schemeClr val="accent1">
-                  <a:shade val="50000"/>
-                </a:schemeClr>
-              </a:lnRef>
-              <a:fillRef idx="1">
-                <a:schemeClr val="accent1"/>
-              </a:fillRef>
-              <a:effectRef idx="0">
-                <a:schemeClr val="accent1"/>
-              </a:effectRef>
-              <a:fontRef idx="minor">
-                <a:schemeClr val="lt1"/>
-              </a:fontRef>
-            </p:style>
-            <p:txBody>
-              <a:bodyPr rtlCol="0" anchor="ctr"/>
-              <a:lstStyle/>
-              <a:p>
-                <a:pPr algn="ctr"/>
-                <a:endParaRPr lang="en-AU"/>
-              </a:p>
-            </p:txBody>
-          </p:sp>
-          <p:sp>
-            <p:nvSpPr>
-              <p:cNvPr id="191" name="Oval 190"/>
-              <p:cNvSpPr/>
-              <p:nvPr/>
-            </p:nvSpPr>
-            <p:spPr>
-              <a:xfrm>
-                <a:off x="10952409" y="1623542"/>
-                <a:ext cx="267419" cy="224286"/>
-              </a:xfrm>
-              <a:prstGeom prst="ellipse">
-                <a:avLst/>
-              </a:prstGeom>
-              <a:solidFill>
-                <a:schemeClr val="accent1">
-                  <a:lumMod val="50000"/>
-                </a:schemeClr>
-              </a:solidFill>
-              <a:ln w="25400">
-                <a:solidFill>
-                  <a:srgbClr val="00B0F0"/>
-                </a:solidFill>
-              </a:ln>
-            </p:spPr>
-            <p:style>
-              <a:lnRef idx="2">
-                <a:schemeClr val="accent1">
-                  <a:shade val="50000"/>
-                </a:schemeClr>
-              </a:lnRef>
-              <a:fillRef idx="1">
-                <a:schemeClr val="accent1"/>
-              </a:fillRef>
-              <a:effectRef idx="0">
-                <a:schemeClr val="accent1"/>
-              </a:effectRef>
-              <a:fontRef idx="minor">
-                <a:schemeClr val="lt1"/>
-              </a:fontRef>
-            </p:style>
-            <p:txBody>
-              <a:bodyPr rtlCol="0" anchor="ctr"/>
-              <a:lstStyle/>
-              <a:p>
-                <a:pPr algn="ctr"/>
-                <a:endParaRPr lang="en-AU"/>
-              </a:p>
-            </p:txBody>
-          </p:sp>
-          <p:sp>
-            <p:nvSpPr>
-              <p:cNvPr id="192" name="Oval 191"/>
-              <p:cNvSpPr/>
-              <p:nvPr/>
-            </p:nvSpPr>
-            <p:spPr>
-              <a:xfrm>
-                <a:off x="8009365" y="1808575"/>
-                <a:ext cx="267419" cy="224286"/>
-              </a:xfrm>
-              <a:prstGeom prst="ellipse">
-                <a:avLst/>
-              </a:prstGeom>
-              <a:solidFill>
-                <a:schemeClr val="accent1">
-                  <a:lumMod val="20000"/>
-                  <a:lumOff val="80000"/>
-                </a:schemeClr>
-              </a:solidFill>
-              <a:ln w="25400">
-                <a:solidFill>
-                  <a:srgbClr val="00B0F0"/>
-                </a:solidFill>
-              </a:ln>
-            </p:spPr>
-            <p:style>
-              <a:lnRef idx="2">
-                <a:schemeClr val="accent1">
-                  <a:shade val="50000"/>
-                </a:schemeClr>
-              </a:lnRef>
-              <a:fillRef idx="1">
-                <a:schemeClr val="accent1"/>
-              </a:fillRef>
-              <a:effectRef idx="0">
-                <a:schemeClr val="accent1"/>
-              </a:effectRef>
-              <a:fontRef idx="minor">
-                <a:schemeClr val="lt1"/>
-              </a:fontRef>
-            </p:style>
-            <p:txBody>
-              <a:bodyPr rtlCol="0" anchor="ctr"/>
-              <a:lstStyle/>
-              <a:p>
-                <a:pPr algn="ctr"/>
-                <a:endParaRPr lang="en-AU"/>
-              </a:p>
-            </p:txBody>
-          </p:sp>
-          <p:sp>
-            <p:nvSpPr>
-              <p:cNvPr id="193" name="Oval 192"/>
-              <p:cNvSpPr/>
-              <p:nvPr/>
-            </p:nvSpPr>
-            <p:spPr>
-              <a:xfrm>
-                <a:off x="8061672" y="1406355"/>
-                <a:ext cx="267419" cy="224286"/>
-              </a:xfrm>
-              <a:prstGeom prst="ellipse">
-                <a:avLst/>
-              </a:prstGeom>
-              <a:solidFill>
-                <a:schemeClr val="accent1">
-                  <a:lumMod val="20000"/>
-                  <a:lumOff val="80000"/>
-                </a:schemeClr>
-              </a:solidFill>
-              <a:ln w="25400">
-                <a:solidFill>
-                  <a:srgbClr val="00B0F0"/>
-                </a:solidFill>
-              </a:ln>
-            </p:spPr>
-            <p:style>
-              <a:lnRef idx="2">
-                <a:schemeClr val="accent1">
-                  <a:shade val="50000"/>
-                </a:schemeClr>
-              </a:lnRef>
-              <a:fillRef idx="1">
-                <a:schemeClr val="accent1"/>
-              </a:fillRef>
-              <a:effectRef idx="0">
-                <a:schemeClr val="accent1"/>
-              </a:effectRef>
-              <a:fontRef idx="minor">
-                <a:schemeClr val="lt1"/>
-              </a:fontRef>
-            </p:style>
-            <p:txBody>
-              <a:bodyPr rtlCol="0" anchor="ctr"/>
-              <a:lstStyle/>
-              <a:p>
-                <a:pPr algn="ctr"/>
-                <a:endParaRPr lang="en-AU"/>
-              </a:p>
-            </p:txBody>
-          </p:sp>
-          <p:sp>
-            <p:nvSpPr>
-              <p:cNvPr id="194" name="Oval 193"/>
-              <p:cNvSpPr/>
-              <p:nvPr/>
-            </p:nvSpPr>
-            <p:spPr>
-              <a:xfrm>
-                <a:off x="9592790" y="1799848"/>
-                <a:ext cx="267419" cy="224286"/>
-              </a:xfrm>
-              <a:prstGeom prst="ellipse">
-                <a:avLst/>
-              </a:prstGeom>
-              <a:solidFill>
-                <a:schemeClr val="accent1">
-                  <a:lumMod val="60000"/>
-                  <a:lumOff val="40000"/>
-                </a:schemeClr>
-              </a:solidFill>
-              <a:ln w="25400">
-                <a:solidFill>
-                  <a:srgbClr val="00B0F0"/>
-                </a:solidFill>
-              </a:ln>
-            </p:spPr>
-            <p:style>
-              <a:lnRef idx="2">
-                <a:schemeClr val="accent1">
-                  <a:shade val="50000"/>
-                </a:schemeClr>
-              </a:lnRef>
-              <a:fillRef idx="1">
-                <a:schemeClr val="accent1"/>
-              </a:fillRef>
-              <a:effectRef idx="0">
-                <a:schemeClr val="accent1"/>
-              </a:effectRef>
-              <a:fontRef idx="minor">
-                <a:schemeClr val="lt1"/>
-              </a:fontRef>
-            </p:style>
-            <p:txBody>
-              <a:bodyPr rtlCol="0" anchor="ctr"/>
-              <a:lstStyle/>
-              <a:p>
-                <a:pPr algn="ctr"/>
-                <a:endParaRPr lang="en-AU"/>
-              </a:p>
-            </p:txBody>
-          </p:sp>
-          <p:sp>
-            <p:nvSpPr>
-              <p:cNvPr id="195" name="Oval 194"/>
-              <p:cNvSpPr/>
-              <p:nvPr/>
-            </p:nvSpPr>
-            <p:spPr>
-              <a:xfrm>
-                <a:off x="9720600" y="1338871"/>
-                <a:ext cx="267419" cy="224286"/>
-              </a:xfrm>
-              <a:prstGeom prst="ellipse">
-                <a:avLst/>
-              </a:prstGeom>
-              <a:solidFill>
-                <a:schemeClr val="accent1">
-                  <a:lumMod val="60000"/>
-                  <a:lumOff val="40000"/>
-                </a:schemeClr>
-              </a:solidFill>
-              <a:ln w="25400">
-                <a:solidFill>
-                  <a:srgbClr val="00B0F0"/>
-                </a:solidFill>
-              </a:ln>
-            </p:spPr>
-            <p:style>
-              <a:lnRef idx="2">
-                <a:schemeClr val="accent1">
-                  <a:shade val="50000"/>
-                </a:schemeClr>
-              </a:lnRef>
-              <a:fillRef idx="1">
-                <a:schemeClr val="accent1"/>
-              </a:fillRef>
-              <a:effectRef idx="0">
-                <a:schemeClr val="accent1"/>
-              </a:effectRef>
-              <a:fontRef idx="minor">
-                <a:schemeClr val="lt1"/>
-              </a:fontRef>
-            </p:style>
-            <p:txBody>
-              <a:bodyPr rtlCol="0" anchor="ctr"/>
-              <a:lstStyle/>
-              <a:p>
-                <a:pPr algn="ctr"/>
-                <a:endParaRPr lang="en-AU"/>
-              </a:p>
-            </p:txBody>
-          </p:sp>
-        </p:grpSp>
-        <p:sp>
-          <p:nvSpPr>
-            <p:cNvPr id="179" name="TextBox 178"/>
-            <p:cNvSpPr txBox="1"/>
-            <p:nvPr/>
-          </p:nvSpPr>
-          <p:spPr>
-            <a:xfrm>
-              <a:off x="7451295" y="558986"/>
-              <a:ext cx="3372975" cy="615553"/>
-            </a:xfrm>
-            <a:prstGeom prst="rect">
-              <a:avLst/>
-            </a:prstGeom>
-            <a:noFill/>
-          </p:spPr>
-          <p:txBody>
-            <a:bodyPr wrap="square" rtlCol="0">
-              <a:spAutoFit/>
-            </a:bodyPr>
-            <a:lstStyle/>
-            <a:p>
-              <a:r>
-                <a:rPr lang="en-AU" sz="2400" dirty="0" smtClean="0">
-                  <a:solidFill>
-                    <a:schemeClr val="bg1">
-                      <a:lumMod val="50000"/>
-                    </a:schemeClr>
-                  </a:solidFill>
-                </a:rPr>
-                <a:t>Environmental conditions</a:t>
-              </a:r>
-              <a:endParaRPr lang="en-AU" sz="2400" dirty="0">
-                <a:solidFill>
-                  <a:schemeClr val="bg1">
-                    <a:lumMod val="50000"/>
-                  </a:schemeClr>
-                </a:solidFill>
-              </a:endParaRPr>
-            </a:p>
-          </p:txBody>
-        </p:sp>
-        <p:cxnSp>
-          <p:nvCxnSpPr>
-            <p:cNvPr id="180" name="Straight Arrow Connector 179"/>
-            <p:cNvCxnSpPr>
-              <a:stCxn id="179" idx="2"/>
-            </p:cNvCxnSpPr>
-            <p:nvPr/>
-          </p:nvCxnSpPr>
-          <p:spPr>
-            <a:xfrm>
-              <a:off x="9137783" y="1174539"/>
-              <a:ext cx="582817" cy="841527"/>
-            </a:xfrm>
-            <a:prstGeom prst="straightConnector1">
-              <a:avLst/>
-            </a:prstGeom>
-            <a:ln w="50800">
-              <a:solidFill>
-                <a:schemeClr val="bg1">
-                  <a:lumMod val="50000"/>
-                </a:schemeClr>
-              </a:solidFill>
-              <a:tailEnd type="triangle"/>
-            </a:ln>
-          </p:spPr>
-          <p:style>
-            <a:lnRef idx="1">
-              <a:schemeClr val="accent1"/>
-            </a:lnRef>
-            <a:fillRef idx="0">
-              <a:schemeClr val="accent1"/>
-            </a:fillRef>
-            <a:effectRef idx="0">
-              <a:schemeClr val="accent1"/>
-            </a:effectRef>
-            <a:fontRef idx="minor">
-              <a:schemeClr val="tx1"/>
-            </a:fontRef>
-          </p:style>
-        </p:cxnSp>
-      </p:grpSp>
-      <p:sp>
-        <p:nvSpPr>
-          <p:cNvPr id="3" name="Rectangle 2"/>
-          <p:cNvSpPr/>
-          <p:nvPr/>
-        </p:nvSpPr>
-        <p:spPr>
-          <a:xfrm>
-            <a:off x="4038600" y="2464594"/>
-            <a:ext cx="4953000" cy="2557463"/>
-          </a:xfrm>
-          <a:prstGeom prst="rect">
-            <a:avLst/>
-          </a:prstGeom>
-          <a:solidFill>
-            <a:schemeClr val="tx1"/>
-          </a:solidFill>
-          <a:ln>
-            <a:noFill/>
-          </a:ln>
-        </p:spPr>
-        <p:style>
-          <a:lnRef idx="2">
-            <a:schemeClr val="accent1">
-              <a:shade val="50000"/>
-            </a:schemeClr>
-          </a:lnRef>
-          <a:fillRef idx="1">
-            <a:schemeClr val="accent1"/>
-          </a:fillRef>
-          <a:effectRef idx="0">
-            <a:schemeClr val="accent1"/>
-          </a:effectRef>
-          <a:fontRef idx="minor">
-            <a:schemeClr val="lt1"/>
-          </a:fontRef>
-        </p:style>
-        <p:txBody>
-          <a:bodyPr rtlCol="0" anchor="ctr"/>
-          <a:lstStyle/>
-          <a:p>
-            <a:pPr algn="ctr"/>
-            <a:endParaRPr lang="en-AU"/>
-          </a:p>
-        </p:txBody>
-      </p:sp>
-      <p:sp>
-        <p:nvSpPr>
-          <p:cNvPr id="43" name="TextBox 42"/>
-          <p:cNvSpPr txBox="1"/>
-          <p:nvPr/>
-        </p:nvSpPr>
-        <p:spPr>
-          <a:xfrm>
-            <a:off x="6916283" y="4749609"/>
-            <a:ext cx="2207014" cy="400110"/>
-          </a:xfrm>
-          <a:prstGeom prst="rect">
-            <a:avLst/>
-          </a:prstGeom>
-          <a:noFill/>
-        </p:spPr>
-        <p:txBody>
-          <a:bodyPr wrap="none" rtlCol="0">
-            <a:spAutoFit/>
-          </a:bodyPr>
-          <a:lstStyle/>
-          <a:p>
-            <a:r>
-              <a:rPr lang="en-AU" sz="2000" dirty="0" smtClean="0">
-                <a:solidFill>
-                  <a:schemeClr val="bg1">
-                    <a:lumMod val="50000"/>
-                  </a:schemeClr>
-                </a:solidFill>
-              </a:rPr>
-              <a:t>jeffrey-hanson.com</a:t>
-            </a:r>
-            <a:endParaRPr lang="en-AU" sz="1600" dirty="0">
-              <a:solidFill>
-                <a:schemeClr val="bg1">
-                  <a:lumMod val="50000"/>
-                </a:schemeClr>
-              </a:solidFill>
-            </a:endParaRPr>
-          </a:p>
-        </p:txBody>
-      </p:sp>
-    </p:spTree>
-    <p:extLst>
-      <p:ext uri="{BB962C8B-B14F-4D97-AF65-F5344CB8AC3E}">
-        <p14:creationId xmlns:p14="http://schemas.microsoft.com/office/powerpoint/2010/main" val="1717019823"/>
-      </p:ext>
-    </p:extLst>
-  </p:cSld>
-  <p:clrMapOvr>
-    <a:masterClrMapping/>
-  </p:clrMapOvr>
-  <p:timing>
-    <p:tnLst>
-      <p:par>
-        <p:cTn id="1" dur="indefinite" restart="never" nodeType="tmRoot"/>
-      </p:par>
-    </p:tnLst>
-  </p:timing>
-</p:sld>
-</file>
-
-<file path=ppt/slides/slide7.xml><?xml version="1.0" encoding="utf-8"?>
-<p:sld xmlns:a="http://schemas.openxmlformats.org/drawingml/2006/main" xmlns:r="http://schemas.openxmlformats.org/officeDocument/2006/relationships" xmlns:p="http://schemas.openxmlformats.org/presentationml/2006/main">
-  <p:cSld>
-    <p:spTree>
-      <p:nvGrpSpPr>
-        <p:cNvPr id="1" name=""/>
-        <p:cNvGrpSpPr/>
-        <p:nvPr/>
-      </p:nvGrpSpPr>
-      <p:grpSpPr>
-        <a:xfrm>
-          <a:off x="0" y="0"/>
-          <a:ext cx="0" cy="0"/>
-          <a:chOff x="0" y="0"/>
-          <a:chExt cx="0" cy="0"/>
-        </a:xfrm>
-      </p:grpSpPr>
-      <p:sp>
-        <p:nvSpPr>
-          <p:cNvPr id="2" name="Title 1"/>
-          <p:cNvSpPr>
-            <a:spLocks noGrp="1"/>
-          </p:cNvSpPr>
-          <p:nvPr>
-            <p:ph type="title"/>
-          </p:nvPr>
-        </p:nvSpPr>
-        <p:spPr>
-          <a:xfrm>
-            <a:off x="3" y="2384"/>
-            <a:ext cx="4492303" cy="2152163"/>
-          </a:xfrm>
-        </p:spPr>
-        <p:txBody>
-          <a:bodyPr>
-            <a:normAutofit/>
-          </a:bodyPr>
-          <a:lstStyle/>
-          <a:p>
-            <a:r>
-              <a:rPr lang="en-AU" dirty="0" smtClean="0">
-                <a:latin typeface="+mn-lt"/>
-              </a:rPr>
-              <a:t>But what about biodiversity processes?</a:t>
-            </a:r>
-            <a:endParaRPr lang="en-AU" dirty="0">
-              <a:latin typeface="+mn-lt"/>
-            </a:endParaRPr>
-          </a:p>
-        </p:txBody>
-      </p:sp>
-      <p:grpSp>
-        <p:nvGrpSpPr>
-          <p:cNvPr id="170" name="Group 169"/>
-          <p:cNvGrpSpPr/>
-          <p:nvPr/>
-        </p:nvGrpSpPr>
-        <p:grpSpPr>
-          <a:xfrm>
-            <a:off x="3933664" y="441073"/>
-            <a:ext cx="4975664" cy="4232585"/>
-            <a:chOff x="6667071" y="558986"/>
-            <a:chExt cx="4975664" cy="5643447"/>
-          </a:xfrm>
-        </p:grpSpPr>
-        <p:sp>
-          <p:nvSpPr>
-            <p:cNvPr id="171" name="TextBox 170"/>
-            <p:cNvSpPr txBox="1"/>
-            <p:nvPr/>
-          </p:nvSpPr>
-          <p:spPr>
-            <a:xfrm>
-              <a:off x="6667071" y="1188534"/>
-              <a:ext cx="1891030" cy="615553"/>
-            </a:xfrm>
-            <a:prstGeom prst="rect">
-              <a:avLst/>
-            </a:prstGeom>
-            <a:noFill/>
-          </p:spPr>
-          <p:txBody>
-            <a:bodyPr wrap="none" rtlCol="0">
-              <a:spAutoFit/>
-            </a:bodyPr>
-            <a:lstStyle/>
-            <a:p>
-              <a:r>
-                <a:rPr lang="en-AU" sz="2400" dirty="0" smtClean="0">
-                  <a:solidFill>
-                    <a:srgbClr val="FF0000"/>
-                  </a:solidFill>
-                </a:rPr>
-                <a:t>Species range</a:t>
-              </a:r>
-              <a:endParaRPr lang="en-AU" sz="2400" dirty="0">
-                <a:solidFill>
-                  <a:srgbClr val="FF0000"/>
-                </a:solidFill>
-              </a:endParaRPr>
-            </a:p>
-          </p:txBody>
-        </p:sp>
-        <p:grpSp>
-          <p:nvGrpSpPr>
-            <p:cNvPr id="172" name="Group 171"/>
-            <p:cNvGrpSpPr/>
-            <p:nvPr/>
-          </p:nvGrpSpPr>
-          <p:grpSpPr>
-            <a:xfrm>
-              <a:off x="7289566" y="1787331"/>
-              <a:ext cx="4353169" cy="1234831"/>
-              <a:chOff x="7126779" y="1060500"/>
-              <a:chExt cx="4353169" cy="1234831"/>
-            </a:xfrm>
-            <a:gradFill flip="none" rotWithShape="1">
-              <a:gsLst>
-                <a:gs pos="0">
-                  <a:schemeClr val="accent6">
-                    <a:lumMod val="20000"/>
-                    <a:lumOff val="80000"/>
-                  </a:schemeClr>
-                </a:gs>
-                <a:gs pos="100000">
-                  <a:srgbClr val="002060"/>
-                </a:gs>
-              </a:gsLst>
-              <a:lin ang="0" scaled="1"/>
-              <a:tileRect/>
-            </a:gradFill>
-          </p:grpSpPr>
-          <p:sp>
-            <p:nvSpPr>
-              <p:cNvPr id="196" name="Oval 195"/>
-              <p:cNvSpPr/>
-              <p:nvPr/>
-            </p:nvSpPr>
-            <p:spPr>
-              <a:xfrm>
-                <a:off x="7126779" y="1060500"/>
-                <a:ext cx="4353169" cy="1234831"/>
-              </a:xfrm>
-              <a:prstGeom prst="ellipse">
-                <a:avLst/>
-              </a:prstGeom>
-              <a:gradFill>
-                <a:gsLst>
-                  <a:gs pos="0">
-                    <a:schemeClr val="tx2"/>
-                  </a:gs>
-                  <a:gs pos="100000">
-                    <a:schemeClr val="accent6">
-                      <a:lumMod val="50000"/>
-                    </a:schemeClr>
-                  </a:gs>
-                </a:gsLst>
-                <a:lin ang="0" scaled="1"/>
-              </a:gradFill>
-              <a:ln w="25400">
-                <a:solidFill>
-                  <a:srgbClr val="FF0000"/>
-                </a:solidFill>
-              </a:ln>
-            </p:spPr>
-            <p:style>
-              <a:lnRef idx="2">
-                <a:schemeClr val="accent1">
-                  <a:shade val="50000"/>
-                </a:schemeClr>
-              </a:lnRef>
-              <a:fillRef idx="1">
-                <a:schemeClr val="accent1"/>
-              </a:fillRef>
-              <a:effectRef idx="0">
-                <a:schemeClr val="accent1"/>
-              </a:effectRef>
-              <a:fontRef idx="minor">
-                <a:schemeClr val="lt1"/>
-              </a:fontRef>
-            </p:style>
-            <p:txBody>
-              <a:bodyPr rtlCol="0" anchor="ctr"/>
-              <a:lstStyle/>
-              <a:p>
-                <a:pPr algn="ctr"/>
-                <a:endParaRPr lang="en-AU"/>
-              </a:p>
-            </p:txBody>
-          </p:sp>
-          <p:sp>
-            <p:nvSpPr>
-              <p:cNvPr id="197" name="Oval 196"/>
-              <p:cNvSpPr/>
-              <p:nvPr/>
-            </p:nvSpPr>
-            <p:spPr>
-              <a:xfrm>
-                <a:off x="7550726" y="1471142"/>
-                <a:ext cx="267419" cy="224286"/>
-              </a:xfrm>
-              <a:prstGeom prst="ellipse">
-                <a:avLst/>
-              </a:prstGeom>
-              <a:solidFill>
-                <a:schemeClr val="accent1">
-                  <a:lumMod val="60000"/>
-                  <a:lumOff val="40000"/>
-                </a:schemeClr>
-              </a:solidFill>
-              <a:ln w="25400">
-                <a:solidFill>
-                  <a:srgbClr val="00B0F0"/>
-                </a:solidFill>
-              </a:ln>
-            </p:spPr>
-            <p:style>
-              <a:lnRef idx="2">
-                <a:schemeClr val="accent1">
-                  <a:shade val="50000"/>
-                </a:schemeClr>
-              </a:lnRef>
-              <a:fillRef idx="1">
-                <a:schemeClr val="accent1"/>
-              </a:fillRef>
-              <a:effectRef idx="0">
-                <a:schemeClr val="accent1"/>
-              </a:effectRef>
-              <a:fontRef idx="minor">
-                <a:schemeClr val="lt1"/>
-              </a:fontRef>
-            </p:style>
-            <p:txBody>
-              <a:bodyPr rtlCol="0" anchor="ctr"/>
-              <a:lstStyle/>
-              <a:p>
-                <a:pPr algn="ctr"/>
-                <a:endParaRPr lang="en-AU"/>
-              </a:p>
-            </p:txBody>
-          </p:sp>
-          <p:sp>
-            <p:nvSpPr>
-              <p:cNvPr id="198" name="Oval 197"/>
-              <p:cNvSpPr/>
-              <p:nvPr/>
-            </p:nvSpPr>
-            <p:spPr>
-              <a:xfrm>
-                <a:off x="8500591" y="1848730"/>
-                <a:ext cx="267419" cy="224286"/>
-              </a:xfrm>
-              <a:prstGeom prst="ellipse">
-                <a:avLst/>
-              </a:prstGeom>
-              <a:solidFill>
-                <a:schemeClr val="accent1">
-                  <a:lumMod val="60000"/>
-                  <a:lumOff val="40000"/>
-                </a:schemeClr>
-              </a:solidFill>
-              <a:ln w="25400">
-                <a:solidFill>
-                  <a:srgbClr val="00B0F0"/>
-                </a:solidFill>
-              </a:ln>
-            </p:spPr>
-            <p:style>
-              <a:lnRef idx="2">
-                <a:schemeClr val="accent1">
-                  <a:shade val="50000"/>
-                </a:schemeClr>
-              </a:lnRef>
-              <a:fillRef idx="1">
-                <a:schemeClr val="accent1"/>
-              </a:fillRef>
-              <a:effectRef idx="0">
-                <a:schemeClr val="accent1"/>
-              </a:effectRef>
-              <a:fontRef idx="minor">
-                <a:schemeClr val="lt1"/>
-              </a:fontRef>
-            </p:style>
-            <p:txBody>
-              <a:bodyPr rtlCol="0" anchor="ctr"/>
-              <a:lstStyle/>
-              <a:p>
-                <a:pPr algn="ctr"/>
-                <a:endParaRPr lang="en-AU"/>
-              </a:p>
-            </p:txBody>
-          </p:sp>
-          <p:sp>
-            <p:nvSpPr>
-              <p:cNvPr id="199" name="Oval 198"/>
-              <p:cNvSpPr/>
-              <p:nvPr/>
-            </p:nvSpPr>
-            <p:spPr>
-              <a:xfrm>
-                <a:off x="8912981" y="1811350"/>
-                <a:ext cx="267419" cy="224286"/>
-              </a:xfrm>
-              <a:prstGeom prst="ellipse">
-                <a:avLst/>
-              </a:prstGeom>
-              <a:solidFill>
-                <a:schemeClr val="accent1">
-                  <a:lumMod val="60000"/>
-                  <a:lumOff val="40000"/>
-                </a:schemeClr>
-              </a:solidFill>
-              <a:ln w="25400">
-                <a:solidFill>
-                  <a:srgbClr val="00B0F0"/>
-                </a:solidFill>
-              </a:ln>
-            </p:spPr>
-            <p:style>
-              <a:lnRef idx="2">
-                <a:schemeClr val="accent1">
-                  <a:shade val="50000"/>
-                </a:schemeClr>
-              </a:lnRef>
-              <a:fillRef idx="1">
-                <a:schemeClr val="accent1"/>
-              </a:fillRef>
-              <a:effectRef idx="0">
-                <a:schemeClr val="accent1"/>
-              </a:effectRef>
-              <a:fontRef idx="minor">
-                <a:schemeClr val="lt1"/>
-              </a:fontRef>
-            </p:style>
-            <p:txBody>
-              <a:bodyPr rtlCol="0" anchor="ctr"/>
-              <a:lstStyle/>
-              <a:p>
-                <a:pPr algn="ctr"/>
-                <a:endParaRPr lang="en-AU"/>
-              </a:p>
-            </p:txBody>
-          </p:sp>
-          <p:sp>
-            <p:nvSpPr>
-              <p:cNvPr id="200" name="Oval 199"/>
-              <p:cNvSpPr/>
-              <p:nvPr/>
-            </p:nvSpPr>
-            <p:spPr>
-              <a:xfrm>
-                <a:off x="9167954" y="1338869"/>
-                <a:ext cx="267419" cy="224286"/>
-              </a:xfrm>
-              <a:prstGeom prst="ellipse">
-                <a:avLst/>
-              </a:prstGeom>
-              <a:solidFill>
-                <a:schemeClr val="accent1">
-                  <a:lumMod val="60000"/>
-                  <a:lumOff val="40000"/>
-                </a:schemeClr>
-              </a:solidFill>
-              <a:ln w="25400">
-                <a:solidFill>
-                  <a:srgbClr val="00B0F0"/>
-                </a:solidFill>
-              </a:ln>
-            </p:spPr>
-            <p:style>
-              <a:lnRef idx="2">
-                <a:schemeClr val="accent1">
-                  <a:shade val="50000"/>
-                </a:schemeClr>
-              </a:lnRef>
-              <a:fillRef idx="1">
-                <a:schemeClr val="accent1"/>
-              </a:fillRef>
-              <a:effectRef idx="0">
-                <a:schemeClr val="accent1"/>
-              </a:effectRef>
-              <a:fontRef idx="minor">
-                <a:schemeClr val="lt1"/>
-              </a:fontRef>
-            </p:style>
-            <p:txBody>
-              <a:bodyPr rtlCol="0" anchor="ctr"/>
-              <a:lstStyle/>
-              <a:p>
-                <a:pPr algn="ctr"/>
-                <a:endParaRPr lang="en-AU"/>
-              </a:p>
-            </p:txBody>
-          </p:sp>
-          <p:sp>
-            <p:nvSpPr>
-              <p:cNvPr id="201" name="Oval 200"/>
-              <p:cNvSpPr/>
-              <p:nvPr/>
-            </p:nvSpPr>
-            <p:spPr>
-              <a:xfrm>
-                <a:off x="9592790" y="1805599"/>
-                <a:ext cx="267419" cy="224286"/>
-              </a:xfrm>
-              <a:prstGeom prst="ellipse">
-                <a:avLst/>
-              </a:prstGeom>
-              <a:solidFill>
-                <a:schemeClr val="accent1">
-                  <a:lumMod val="60000"/>
-                  <a:lumOff val="40000"/>
-                </a:schemeClr>
-              </a:solidFill>
-              <a:ln w="25400">
-                <a:solidFill>
-                  <a:srgbClr val="00B0F0"/>
-                </a:solidFill>
-              </a:ln>
-            </p:spPr>
-            <p:style>
-              <a:lnRef idx="2">
-                <a:schemeClr val="accent1">
-                  <a:shade val="50000"/>
-                </a:schemeClr>
-              </a:lnRef>
-              <a:fillRef idx="1">
-                <a:schemeClr val="accent1"/>
-              </a:fillRef>
-              <a:effectRef idx="0">
-                <a:schemeClr val="accent1"/>
-              </a:effectRef>
-              <a:fontRef idx="minor">
-                <a:schemeClr val="lt1"/>
-              </a:fontRef>
-            </p:style>
-            <p:txBody>
-              <a:bodyPr rtlCol="0" anchor="ctr"/>
-              <a:lstStyle/>
-              <a:p>
-                <a:pPr algn="ctr"/>
-                <a:endParaRPr lang="en-AU"/>
-              </a:p>
-            </p:txBody>
-          </p:sp>
-          <p:sp>
-            <p:nvSpPr>
-              <p:cNvPr id="202" name="Oval 201"/>
-              <p:cNvSpPr/>
-              <p:nvPr/>
-            </p:nvSpPr>
-            <p:spPr>
-              <a:xfrm>
-                <a:off x="9720600" y="1344622"/>
-                <a:ext cx="267419" cy="224286"/>
-              </a:xfrm>
-              <a:prstGeom prst="ellipse">
-                <a:avLst/>
-              </a:prstGeom>
-              <a:solidFill>
-                <a:schemeClr val="accent1">
-                  <a:lumMod val="60000"/>
-                  <a:lumOff val="40000"/>
-                </a:schemeClr>
-              </a:solidFill>
-              <a:ln w="25400">
-                <a:solidFill>
-                  <a:srgbClr val="00B0F0"/>
-                </a:solidFill>
-              </a:ln>
-            </p:spPr>
-            <p:style>
-              <a:lnRef idx="2">
-                <a:schemeClr val="accent1">
-                  <a:shade val="50000"/>
-                </a:schemeClr>
-              </a:lnRef>
-              <a:fillRef idx="1">
-                <a:schemeClr val="accent1"/>
-              </a:fillRef>
-              <a:effectRef idx="0">
-                <a:schemeClr val="accent1"/>
-              </a:effectRef>
-              <a:fontRef idx="minor">
-                <a:schemeClr val="lt1"/>
-              </a:fontRef>
-            </p:style>
-            <p:txBody>
-              <a:bodyPr rtlCol="0" anchor="ctr"/>
-              <a:lstStyle/>
-              <a:p>
-                <a:pPr algn="ctr"/>
-                <a:endParaRPr lang="en-AU"/>
-              </a:p>
-            </p:txBody>
-          </p:sp>
-          <p:sp>
-            <p:nvSpPr>
-              <p:cNvPr id="203" name="Oval 202"/>
-              <p:cNvSpPr/>
-              <p:nvPr/>
-            </p:nvSpPr>
-            <p:spPr>
-              <a:xfrm>
-                <a:off x="10217725" y="1799848"/>
-                <a:ext cx="267419" cy="224286"/>
-              </a:xfrm>
-              <a:prstGeom prst="ellipse">
-                <a:avLst/>
-              </a:prstGeom>
-              <a:solidFill>
-                <a:schemeClr val="accent1">
-                  <a:lumMod val="60000"/>
-                  <a:lumOff val="40000"/>
-                </a:schemeClr>
-              </a:solidFill>
-              <a:ln w="25400">
-                <a:solidFill>
-                  <a:srgbClr val="00B0F0"/>
-                </a:solidFill>
-              </a:ln>
-            </p:spPr>
-            <p:style>
-              <a:lnRef idx="2">
-                <a:schemeClr val="accent1">
-                  <a:shade val="50000"/>
-                </a:schemeClr>
-              </a:lnRef>
-              <a:fillRef idx="1">
-                <a:schemeClr val="accent1"/>
-              </a:fillRef>
-              <a:effectRef idx="0">
-                <a:schemeClr val="accent1"/>
-              </a:effectRef>
-              <a:fontRef idx="minor">
-                <a:schemeClr val="lt1"/>
-              </a:fontRef>
-            </p:style>
-            <p:txBody>
-              <a:bodyPr rtlCol="0" anchor="ctr"/>
-              <a:lstStyle/>
-              <a:p>
-                <a:pPr algn="ctr"/>
-                <a:endParaRPr lang="en-AU"/>
-              </a:p>
-            </p:txBody>
-          </p:sp>
-          <p:sp>
-            <p:nvSpPr>
-              <p:cNvPr id="204" name="Oval 203"/>
-              <p:cNvSpPr/>
-              <p:nvPr/>
-            </p:nvSpPr>
-            <p:spPr>
-              <a:xfrm>
-                <a:off x="10351435" y="1304365"/>
-                <a:ext cx="267419" cy="224286"/>
-              </a:xfrm>
-              <a:prstGeom prst="ellipse">
-                <a:avLst/>
-              </a:prstGeom>
-              <a:solidFill>
-                <a:schemeClr val="accent1">
-                  <a:lumMod val="60000"/>
-                  <a:lumOff val="40000"/>
-                </a:schemeClr>
-              </a:solidFill>
-              <a:ln w="25400">
-                <a:solidFill>
-                  <a:srgbClr val="00B0F0"/>
-                </a:solidFill>
-              </a:ln>
-            </p:spPr>
-            <p:style>
-              <a:lnRef idx="2">
-                <a:schemeClr val="accent1">
-                  <a:shade val="50000"/>
-                </a:schemeClr>
-              </a:lnRef>
-              <a:fillRef idx="1">
-                <a:schemeClr val="accent1"/>
-              </a:fillRef>
-              <a:effectRef idx="0">
-                <a:schemeClr val="accent1"/>
-              </a:effectRef>
-              <a:fontRef idx="minor">
-                <a:schemeClr val="lt1"/>
-              </a:fontRef>
-            </p:style>
-            <p:txBody>
-              <a:bodyPr rtlCol="0" anchor="ctr"/>
-              <a:lstStyle/>
-              <a:p>
-                <a:pPr algn="ctr"/>
-                <a:endParaRPr lang="en-AU"/>
-              </a:p>
-            </p:txBody>
-          </p:sp>
-          <p:sp>
-            <p:nvSpPr>
-              <p:cNvPr id="205" name="Oval 204"/>
-              <p:cNvSpPr/>
-              <p:nvPr/>
-            </p:nvSpPr>
-            <p:spPr>
-              <a:xfrm>
-                <a:off x="10952409" y="1623542"/>
-                <a:ext cx="267419" cy="224286"/>
-              </a:xfrm>
-              <a:prstGeom prst="ellipse">
-                <a:avLst/>
-              </a:prstGeom>
-              <a:solidFill>
-                <a:schemeClr val="accent1">
-                  <a:lumMod val="60000"/>
-                  <a:lumOff val="40000"/>
-                </a:schemeClr>
-              </a:solidFill>
-              <a:ln w="25400">
-                <a:solidFill>
-                  <a:srgbClr val="00B0F0"/>
-                </a:solidFill>
-              </a:ln>
-            </p:spPr>
-            <p:style>
-              <a:lnRef idx="2">
-                <a:schemeClr val="accent1">
-                  <a:shade val="50000"/>
-                </a:schemeClr>
-              </a:lnRef>
-              <a:fillRef idx="1">
-                <a:schemeClr val="accent1"/>
-              </a:fillRef>
-              <a:effectRef idx="0">
-                <a:schemeClr val="accent1"/>
-              </a:effectRef>
-              <a:fontRef idx="minor">
-                <a:schemeClr val="lt1"/>
-              </a:fontRef>
-            </p:style>
-            <p:txBody>
-              <a:bodyPr rtlCol="0" anchor="ctr"/>
-              <a:lstStyle/>
-              <a:p>
-                <a:pPr algn="ctr"/>
-                <a:endParaRPr lang="en-AU"/>
-              </a:p>
-            </p:txBody>
-          </p:sp>
-          <p:sp>
-            <p:nvSpPr>
-              <p:cNvPr id="206" name="Oval 205"/>
-              <p:cNvSpPr/>
-              <p:nvPr/>
-            </p:nvSpPr>
-            <p:spPr>
-              <a:xfrm>
-                <a:off x="7954491" y="1816372"/>
-                <a:ext cx="267419" cy="224286"/>
-              </a:xfrm>
-              <a:prstGeom prst="ellipse">
-                <a:avLst/>
-              </a:prstGeom>
-              <a:solidFill>
-                <a:schemeClr val="accent1">
-                  <a:lumMod val="60000"/>
-                  <a:lumOff val="40000"/>
-                </a:schemeClr>
-              </a:solidFill>
-              <a:ln w="25400">
-                <a:solidFill>
-                  <a:srgbClr val="00B0F0"/>
-                </a:solidFill>
-              </a:ln>
-            </p:spPr>
-            <p:style>
-              <a:lnRef idx="2">
-                <a:schemeClr val="accent1">
-                  <a:shade val="50000"/>
-                </a:schemeClr>
-              </a:lnRef>
-              <a:fillRef idx="1">
-                <a:schemeClr val="accent1"/>
-              </a:fillRef>
-              <a:effectRef idx="0">
-                <a:schemeClr val="accent1"/>
-              </a:effectRef>
-              <a:fontRef idx="minor">
-                <a:schemeClr val="lt1"/>
-              </a:fontRef>
-            </p:style>
-            <p:txBody>
-              <a:bodyPr rtlCol="0" anchor="ctr"/>
-              <a:lstStyle/>
-              <a:p>
-                <a:pPr algn="ctr"/>
-                <a:endParaRPr lang="en-AU"/>
-              </a:p>
-            </p:txBody>
-          </p:sp>
-          <p:sp>
-            <p:nvSpPr>
-              <p:cNvPr id="207" name="Oval 206"/>
-              <p:cNvSpPr/>
-              <p:nvPr/>
-            </p:nvSpPr>
-            <p:spPr>
-              <a:xfrm>
-                <a:off x="8061672" y="1406355"/>
-                <a:ext cx="267419" cy="224286"/>
-              </a:xfrm>
-              <a:prstGeom prst="ellipse">
-                <a:avLst/>
-              </a:prstGeom>
-              <a:solidFill>
-                <a:schemeClr val="accent1">
-                  <a:lumMod val="60000"/>
-                  <a:lumOff val="40000"/>
-                </a:schemeClr>
-              </a:solidFill>
-              <a:ln w="25400">
-                <a:solidFill>
-                  <a:srgbClr val="00B0F0"/>
-                </a:solidFill>
-              </a:ln>
-            </p:spPr>
-            <p:style>
-              <a:lnRef idx="2">
-                <a:schemeClr val="accent1">
-                  <a:shade val="50000"/>
-                </a:schemeClr>
-              </a:lnRef>
-              <a:fillRef idx="1">
-                <a:schemeClr val="accent1"/>
-              </a:fillRef>
-              <a:effectRef idx="0">
-                <a:schemeClr val="accent1"/>
-              </a:effectRef>
-              <a:fontRef idx="minor">
-                <a:schemeClr val="lt1"/>
-              </a:fontRef>
-            </p:style>
-            <p:txBody>
-              <a:bodyPr rtlCol="0" anchor="ctr"/>
-              <a:lstStyle/>
-              <a:p>
-                <a:pPr algn="ctr"/>
-                <a:endParaRPr lang="en-AU"/>
-              </a:p>
-            </p:txBody>
-          </p:sp>
-          <p:sp>
-            <p:nvSpPr>
-              <p:cNvPr id="208" name="Oval 207"/>
-              <p:cNvSpPr/>
-              <p:nvPr/>
-            </p:nvSpPr>
-            <p:spPr>
-              <a:xfrm>
-                <a:off x="8680009" y="1225657"/>
-                <a:ext cx="267419" cy="224286"/>
-              </a:xfrm>
-              <a:prstGeom prst="ellipse">
-                <a:avLst/>
-              </a:prstGeom>
-              <a:solidFill>
-                <a:schemeClr val="accent1">
-                  <a:lumMod val="60000"/>
-                  <a:lumOff val="40000"/>
-                </a:schemeClr>
-              </a:solidFill>
-              <a:ln w="25400">
-                <a:solidFill>
-                  <a:srgbClr val="00B0F0"/>
-                </a:solidFill>
-              </a:ln>
-            </p:spPr>
-            <p:style>
-              <a:lnRef idx="2">
-                <a:schemeClr val="accent1">
-                  <a:shade val="50000"/>
-                </a:schemeClr>
-              </a:lnRef>
-              <a:fillRef idx="1">
-                <a:schemeClr val="accent1"/>
-              </a:fillRef>
-              <a:effectRef idx="0">
-                <a:schemeClr val="accent1"/>
-              </a:effectRef>
-              <a:fontRef idx="minor">
-                <a:schemeClr val="lt1"/>
-              </a:fontRef>
-            </p:style>
-            <p:txBody>
-              <a:bodyPr rtlCol="0" anchor="ctr"/>
-              <a:lstStyle/>
-              <a:p>
-                <a:pPr algn="ctr"/>
-                <a:endParaRPr lang="en-AU"/>
-              </a:p>
-            </p:txBody>
-          </p:sp>
-        </p:grpSp>
-        <p:cxnSp>
-          <p:nvCxnSpPr>
-            <p:cNvPr id="173" name="Straight Arrow Connector 172"/>
-            <p:cNvCxnSpPr>
-              <a:stCxn id="171" idx="2"/>
-            </p:cNvCxnSpPr>
-            <p:nvPr/>
-          </p:nvCxnSpPr>
-          <p:spPr>
-            <a:xfrm>
-              <a:off x="7612586" y="1804087"/>
-              <a:ext cx="151700" cy="164081"/>
-            </a:xfrm>
-            <a:prstGeom prst="straightConnector1">
-              <a:avLst/>
-            </a:prstGeom>
-            <a:ln w="50800">
-              <a:solidFill>
-                <a:srgbClr val="FF0000"/>
-              </a:solidFill>
-              <a:tailEnd type="triangle"/>
-            </a:ln>
-          </p:spPr>
-          <p:style>
-            <a:lnRef idx="1">
-              <a:schemeClr val="accent1"/>
-            </a:lnRef>
-            <a:fillRef idx="0">
-              <a:schemeClr val="accent1"/>
-            </a:fillRef>
-            <a:effectRef idx="0">
-              <a:schemeClr val="accent1"/>
-            </a:effectRef>
-            <a:fontRef idx="minor">
-              <a:schemeClr val="tx1"/>
-            </a:fontRef>
-          </p:style>
-        </p:cxnSp>
-        <p:sp>
-          <p:nvSpPr>
-            <p:cNvPr id="174" name="TextBox 173"/>
-            <p:cNvSpPr txBox="1"/>
-            <p:nvPr/>
-          </p:nvSpPr>
-          <p:spPr>
-            <a:xfrm>
-              <a:off x="9720600" y="1088975"/>
-              <a:ext cx="1534972" cy="615553"/>
-            </a:xfrm>
-            <a:prstGeom prst="rect">
-              <a:avLst/>
-            </a:prstGeom>
-            <a:noFill/>
-          </p:spPr>
-          <p:txBody>
-            <a:bodyPr wrap="none" rtlCol="0">
-              <a:spAutoFit/>
-            </a:bodyPr>
-            <a:lstStyle/>
-            <a:p>
-              <a:r>
-                <a:rPr lang="en-AU" sz="2400" dirty="0" smtClean="0">
-                  <a:solidFill>
-                    <a:srgbClr val="00B0F0"/>
-                  </a:solidFill>
-                </a:rPr>
-                <a:t>Population</a:t>
-              </a:r>
-              <a:endParaRPr lang="en-AU" sz="2400" dirty="0">
-                <a:solidFill>
-                  <a:srgbClr val="00B0F0"/>
-                </a:solidFill>
-              </a:endParaRPr>
-            </a:p>
-          </p:txBody>
-        </p:sp>
-        <p:cxnSp>
-          <p:nvCxnSpPr>
-            <p:cNvPr id="175" name="Straight Arrow Connector 174"/>
-            <p:cNvCxnSpPr>
-              <a:stCxn id="174" idx="2"/>
-              <a:endCxn id="204" idx="0"/>
-            </p:cNvCxnSpPr>
-            <p:nvPr/>
-          </p:nvCxnSpPr>
-          <p:spPr>
-            <a:xfrm>
-              <a:off x="10488086" y="1704529"/>
-              <a:ext cx="159846" cy="326668"/>
-            </a:xfrm>
-            <a:prstGeom prst="straightConnector1">
-              <a:avLst/>
-            </a:prstGeom>
-            <a:ln w="50800">
-              <a:solidFill>
-                <a:srgbClr val="00B0F0"/>
-              </a:solidFill>
-              <a:tailEnd type="triangle"/>
-            </a:ln>
-          </p:spPr>
-          <p:style>
-            <a:lnRef idx="1">
-              <a:schemeClr val="accent1"/>
-            </a:lnRef>
-            <a:fillRef idx="0">
-              <a:schemeClr val="accent1"/>
-            </a:fillRef>
-            <a:effectRef idx="0">
-              <a:schemeClr val="accent1"/>
-            </a:effectRef>
-            <a:fontRef idx="minor">
-              <a:schemeClr val="tx1"/>
-            </a:fontRef>
-          </p:style>
-        </p:cxnSp>
-        <p:sp>
-          <p:nvSpPr>
-            <p:cNvPr id="176" name="TextBox 175"/>
-            <p:cNvSpPr txBox="1"/>
-            <p:nvPr/>
-          </p:nvSpPr>
-          <p:spPr>
-            <a:xfrm>
-              <a:off x="9584255" y="3535410"/>
-              <a:ext cx="1859933" cy="1107996"/>
-            </a:xfrm>
-            <a:prstGeom prst="rect">
-              <a:avLst/>
-            </a:prstGeom>
-            <a:noFill/>
-          </p:spPr>
-          <p:txBody>
-            <a:bodyPr wrap="none" rtlCol="0">
-              <a:spAutoFit/>
-            </a:bodyPr>
-            <a:lstStyle/>
-            <a:p>
-              <a:pPr algn="ctr"/>
-              <a:r>
-                <a:rPr lang="en-AU" sz="2400" dirty="0" smtClean="0">
-                  <a:solidFill>
-                    <a:schemeClr val="bg1"/>
-                  </a:solidFill>
-                </a:rPr>
-                <a:t>Time +</a:t>
-              </a:r>
-            </a:p>
-            <a:p>
-              <a:pPr algn="ctr"/>
-              <a:r>
-                <a:rPr lang="en-AU" sz="2400" dirty="0" smtClean="0">
-                  <a:solidFill>
-                    <a:schemeClr val="bg1"/>
-                  </a:solidFill>
-                </a:rPr>
-                <a:t> other factors</a:t>
-              </a:r>
-              <a:endParaRPr lang="en-AU" sz="2400" dirty="0">
-                <a:solidFill>
-                  <a:schemeClr val="bg1"/>
-                </a:solidFill>
-              </a:endParaRPr>
-            </a:p>
-          </p:txBody>
-        </p:sp>
-        <p:sp>
-          <p:nvSpPr>
-            <p:cNvPr id="177" name="Down Arrow 176"/>
-            <p:cNvSpPr/>
-            <p:nvPr/>
-          </p:nvSpPr>
-          <p:spPr>
-            <a:xfrm>
-              <a:off x="8389680" y="3588077"/>
-              <a:ext cx="867557" cy="980738"/>
+              <a:off x="7938737" y="3535410"/>
+              <a:ext cx="867557" cy="980737"/>
             </a:xfrm>
             <a:prstGeom prst="downArrow">
               <a:avLst/>
@@ -25199,7 +25564,7 @@
           </p:nvSpPr>
           <p:spPr>
             <a:xfrm>
-              <a:off x="7451295" y="558986"/>
+              <a:off x="7580835" y="365946"/>
               <a:ext cx="3372975" cy="615553"/>
             </a:xfrm>
             <a:prstGeom prst="rect">
@@ -25242,9 +25607,9 @@
             <p:nvPr/>
           </p:nvCxnSpPr>
           <p:spPr>
-            <a:xfrm>
-              <a:off x="9137783" y="1174539"/>
-              <a:ext cx="582817" cy="841527"/>
+            <a:xfrm flipH="1">
+              <a:off x="9209477" y="981499"/>
+              <a:ext cx="57846" cy="822588"/>
             </a:xfrm>
             <a:prstGeom prst="straightConnector1">
               <a:avLst/>
@@ -25387,6 +25752,52 @@
                 </a:schemeClr>
               </a:solidFill>
             </a:endParaRPr>
+          </a:p>
+        </p:txBody>
+      </p:sp>
+      <p:sp>
+        <p:nvSpPr>
+          <p:cNvPr id="46" name="Rectangle 45"/>
+          <p:cNvSpPr/>
+          <p:nvPr/>
+        </p:nvSpPr>
+        <p:spPr>
+          <a:xfrm>
+            <a:off x="160815" y="2586037"/>
+            <a:ext cx="3938745" cy="2557463"/>
+          </a:xfrm>
+          <a:prstGeom prst="rect">
+            <a:avLst/>
+          </a:prstGeom>
+          <a:solidFill>
+            <a:schemeClr val="tx1"/>
+          </a:solidFill>
+          <a:ln>
+            <a:noFill/>
+          </a:ln>
+        </p:spPr>
+        <p:style>
+          <a:lnRef idx="2">
+            <a:schemeClr val="accent1">
+              <a:shade val="50000"/>
+            </a:schemeClr>
+          </a:lnRef>
+          <a:fillRef idx="1">
+            <a:schemeClr val="accent1"/>
+          </a:fillRef>
+          <a:effectRef idx="0">
+            <a:schemeClr val="accent1"/>
+          </a:effectRef>
+          <a:fontRef idx="minor">
+            <a:schemeClr val="lt1"/>
+          </a:fontRef>
+        </p:style>
+        <p:txBody>
+          <a:bodyPr rtlCol="0" anchor="ctr"/>
+          <a:lstStyle/>
+          <a:p>
+            <a:pPr algn="ctr"/>
+            <a:endParaRPr lang="en-AU"/>
           </a:p>
         </p:txBody>
       </p:sp>
@@ -25437,6 +25848,2030 @@
             <p:ph type="title"/>
           </p:nvPr>
         </p:nvSpPr>
+        <p:spPr>
+          <a:xfrm>
+            <a:off x="3" y="2384"/>
+            <a:ext cx="4492303" cy="2152163"/>
+          </a:xfrm>
+        </p:spPr>
+        <p:txBody>
+          <a:bodyPr>
+            <a:normAutofit/>
+          </a:bodyPr>
+          <a:lstStyle/>
+          <a:p>
+            <a:r>
+              <a:rPr lang="en-AU" dirty="0" smtClean="0">
+                <a:latin typeface="+mn-lt"/>
+              </a:rPr>
+              <a:t>But what about biodiversity processes?</a:t>
+            </a:r>
+            <a:endParaRPr lang="en-AU" dirty="0">
+              <a:latin typeface="+mn-lt"/>
+            </a:endParaRPr>
+          </a:p>
+        </p:txBody>
+      </p:sp>
+      <p:grpSp>
+        <p:nvGrpSpPr>
+          <p:cNvPr id="170" name="Group 169"/>
+          <p:cNvGrpSpPr/>
+          <p:nvPr/>
+        </p:nvGrpSpPr>
+        <p:grpSpPr>
+          <a:xfrm>
+            <a:off x="3992396" y="296293"/>
+            <a:ext cx="4916932" cy="4377365"/>
+            <a:chOff x="6725803" y="365946"/>
+            <a:chExt cx="4916932" cy="5836487"/>
+          </a:xfrm>
+        </p:grpSpPr>
+        <p:sp>
+          <p:nvSpPr>
+            <p:cNvPr id="171" name="TextBox 170"/>
+            <p:cNvSpPr txBox="1"/>
+            <p:nvPr/>
+          </p:nvSpPr>
+          <p:spPr>
+            <a:xfrm>
+              <a:off x="6725803" y="981499"/>
+              <a:ext cx="1891030" cy="615553"/>
+            </a:xfrm>
+            <a:prstGeom prst="rect">
+              <a:avLst/>
+            </a:prstGeom>
+            <a:noFill/>
+          </p:spPr>
+          <p:txBody>
+            <a:bodyPr wrap="none" rtlCol="0">
+              <a:spAutoFit/>
+            </a:bodyPr>
+            <a:lstStyle/>
+            <a:p>
+              <a:r>
+                <a:rPr lang="en-AU" sz="2400" dirty="0" smtClean="0">
+                  <a:solidFill>
+                    <a:srgbClr val="FF0000"/>
+                  </a:solidFill>
+                </a:rPr>
+                <a:t>Species range</a:t>
+              </a:r>
+              <a:endParaRPr lang="en-AU" sz="2400" dirty="0">
+                <a:solidFill>
+                  <a:srgbClr val="FF0000"/>
+                </a:solidFill>
+              </a:endParaRPr>
+            </a:p>
+          </p:txBody>
+        </p:sp>
+        <p:grpSp>
+          <p:nvGrpSpPr>
+            <p:cNvPr id="172" name="Group 171"/>
+            <p:cNvGrpSpPr/>
+            <p:nvPr/>
+          </p:nvGrpSpPr>
+          <p:grpSpPr>
+            <a:xfrm>
+              <a:off x="7289566" y="1787331"/>
+              <a:ext cx="4353169" cy="1234831"/>
+              <a:chOff x="7126779" y="1060500"/>
+              <a:chExt cx="4353169" cy="1234831"/>
+            </a:xfrm>
+            <a:gradFill flip="none" rotWithShape="1">
+              <a:gsLst>
+                <a:gs pos="0">
+                  <a:schemeClr val="accent6">
+                    <a:lumMod val="20000"/>
+                    <a:lumOff val="80000"/>
+                  </a:schemeClr>
+                </a:gs>
+                <a:gs pos="100000">
+                  <a:srgbClr val="002060"/>
+                </a:gs>
+              </a:gsLst>
+              <a:lin ang="0" scaled="1"/>
+              <a:tileRect/>
+            </a:gradFill>
+          </p:grpSpPr>
+          <p:sp>
+            <p:nvSpPr>
+              <p:cNvPr id="196" name="Oval 195"/>
+              <p:cNvSpPr/>
+              <p:nvPr/>
+            </p:nvSpPr>
+            <p:spPr>
+              <a:xfrm>
+                <a:off x="7126779" y="1060500"/>
+                <a:ext cx="4353169" cy="1234831"/>
+              </a:xfrm>
+              <a:prstGeom prst="ellipse">
+                <a:avLst/>
+              </a:prstGeom>
+              <a:gradFill>
+                <a:gsLst>
+                  <a:gs pos="0">
+                    <a:schemeClr val="tx2"/>
+                  </a:gs>
+                  <a:gs pos="100000">
+                    <a:schemeClr val="accent6">
+                      <a:lumMod val="50000"/>
+                    </a:schemeClr>
+                  </a:gs>
+                </a:gsLst>
+                <a:lin ang="0" scaled="1"/>
+              </a:gradFill>
+              <a:ln w="25400">
+                <a:solidFill>
+                  <a:srgbClr val="FF0000"/>
+                </a:solidFill>
+              </a:ln>
+            </p:spPr>
+            <p:style>
+              <a:lnRef idx="2">
+                <a:schemeClr val="accent1">
+                  <a:shade val="50000"/>
+                </a:schemeClr>
+              </a:lnRef>
+              <a:fillRef idx="1">
+                <a:schemeClr val="accent1"/>
+              </a:fillRef>
+              <a:effectRef idx="0">
+                <a:schemeClr val="accent1"/>
+              </a:effectRef>
+              <a:fontRef idx="minor">
+                <a:schemeClr val="lt1"/>
+              </a:fontRef>
+            </p:style>
+            <p:txBody>
+              <a:bodyPr rtlCol="0" anchor="ctr"/>
+              <a:lstStyle/>
+              <a:p>
+                <a:pPr algn="ctr"/>
+                <a:endParaRPr lang="en-AU"/>
+              </a:p>
+            </p:txBody>
+          </p:sp>
+          <p:sp>
+            <p:nvSpPr>
+              <p:cNvPr id="197" name="Oval 196"/>
+              <p:cNvSpPr/>
+              <p:nvPr/>
+            </p:nvSpPr>
+            <p:spPr>
+              <a:xfrm>
+                <a:off x="7550726" y="1471142"/>
+                <a:ext cx="267419" cy="224286"/>
+              </a:xfrm>
+              <a:prstGeom prst="ellipse">
+                <a:avLst/>
+              </a:prstGeom>
+              <a:solidFill>
+                <a:schemeClr val="accent1">
+                  <a:lumMod val="60000"/>
+                  <a:lumOff val="40000"/>
+                </a:schemeClr>
+              </a:solidFill>
+              <a:ln w="25400">
+                <a:solidFill>
+                  <a:srgbClr val="00B0F0"/>
+                </a:solidFill>
+              </a:ln>
+            </p:spPr>
+            <p:style>
+              <a:lnRef idx="2">
+                <a:schemeClr val="accent1">
+                  <a:shade val="50000"/>
+                </a:schemeClr>
+              </a:lnRef>
+              <a:fillRef idx="1">
+                <a:schemeClr val="accent1"/>
+              </a:fillRef>
+              <a:effectRef idx="0">
+                <a:schemeClr val="accent1"/>
+              </a:effectRef>
+              <a:fontRef idx="minor">
+                <a:schemeClr val="lt1"/>
+              </a:fontRef>
+            </p:style>
+            <p:txBody>
+              <a:bodyPr rtlCol="0" anchor="ctr"/>
+              <a:lstStyle/>
+              <a:p>
+                <a:pPr algn="ctr"/>
+                <a:endParaRPr lang="en-AU"/>
+              </a:p>
+            </p:txBody>
+          </p:sp>
+          <p:sp>
+            <p:nvSpPr>
+              <p:cNvPr id="198" name="Oval 197"/>
+              <p:cNvSpPr/>
+              <p:nvPr/>
+            </p:nvSpPr>
+            <p:spPr>
+              <a:xfrm>
+                <a:off x="8500591" y="1848730"/>
+                <a:ext cx="267419" cy="224286"/>
+              </a:xfrm>
+              <a:prstGeom prst="ellipse">
+                <a:avLst/>
+              </a:prstGeom>
+              <a:solidFill>
+                <a:schemeClr val="accent1">
+                  <a:lumMod val="60000"/>
+                  <a:lumOff val="40000"/>
+                </a:schemeClr>
+              </a:solidFill>
+              <a:ln w="25400">
+                <a:solidFill>
+                  <a:srgbClr val="00B0F0"/>
+                </a:solidFill>
+              </a:ln>
+            </p:spPr>
+            <p:style>
+              <a:lnRef idx="2">
+                <a:schemeClr val="accent1">
+                  <a:shade val="50000"/>
+                </a:schemeClr>
+              </a:lnRef>
+              <a:fillRef idx="1">
+                <a:schemeClr val="accent1"/>
+              </a:fillRef>
+              <a:effectRef idx="0">
+                <a:schemeClr val="accent1"/>
+              </a:effectRef>
+              <a:fontRef idx="minor">
+                <a:schemeClr val="lt1"/>
+              </a:fontRef>
+            </p:style>
+            <p:txBody>
+              <a:bodyPr rtlCol="0" anchor="ctr"/>
+              <a:lstStyle/>
+              <a:p>
+                <a:pPr algn="ctr"/>
+                <a:endParaRPr lang="en-AU"/>
+              </a:p>
+            </p:txBody>
+          </p:sp>
+          <p:sp>
+            <p:nvSpPr>
+              <p:cNvPr id="199" name="Oval 198"/>
+              <p:cNvSpPr/>
+              <p:nvPr/>
+            </p:nvSpPr>
+            <p:spPr>
+              <a:xfrm>
+                <a:off x="8912981" y="1811350"/>
+                <a:ext cx="267419" cy="224286"/>
+              </a:xfrm>
+              <a:prstGeom prst="ellipse">
+                <a:avLst/>
+              </a:prstGeom>
+              <a:solidFill>
+                <a:schemeClr val="accent1">
+                  <a:lumMod val="60000"/>
+                  <a:lumOff val="40000"/>
+                </a:schemeClr>
+              </a:solidFill>
+              <a:ln w="25400">
+                <a:solidFill>
+                  <a:srgbClr val="00B0F0"/>
+                </a:solidFill>
+              </a:ln>
+            </p:spPr>
+            <p:style>
+              <a:lnRef idx="2">
+                <a:schemeClr val="accent1">
+                  <a:shade val="50000"/>
+                </a:schemeClr>
+              </a:lnRef>
+              <a:fillRef idx="1">
+                <a:schemeClr val="accent1"/>
+              </a:fillRef>
+              <a:effectRef idx="0">
+                <a:schemeClr val="accent1"/>
+              </a:effectRef>
+              <a:fontRef idx="minor">
+                <a:schemeClr val="lt1"/>
+              </a:fontRef>
+            </p:style>
+            <p:txBody>
+              <a:bodyPr rtlCol="0" anchor="ctr"/>
+              <a:lstStyle/>
+              <a:p>
+                <a:pPr algn="ctr"/>
+                <a:endParaRPr lang="en-AU"/>
+              </a:p>
+            </p:txBody>
+          </p:sp>
+          <p:sp>
+            <p:nvSpPr>
+              <p:cNvPr id="200" name="Oval 199"/>
+              <p:cNvSpPr/>
+              <p:nvPr/>
+            </p:nvSpPr>
+            <p:spPr>
+              <a:xfrm>
+                <a:off x="9167954" y="1338869"/>
+                <a:ext cx="267419" cy="224286"/>
+              </a:xfrm>
+              <a:prstGeom prst="ellipse">
+                <a:avLst/>
+              </a:prstGeom>
+              <a:solidFill>
+                <a:schemeClr val="accent1">
+                  <a:lumMod val="60000"/>
+                  <a:lumOff val="40000"/>
+                </a:schemeClr>
+              </a:solidFill>
+              <a:ln w="25400">
+                <a:solidFill>
+                  <a:srgbClr val="00B0F0"/>
+                </a:solidFill>
+              </a:ln>
+            </p:spPr>
+            <p:style>
+              <a:lnRef idx="2">
+                <a:schemeClr val="accent1">
+                  <a:shade val="50000"/>
+                </a:schemeClr>
+              </a:lnRef>
+              <a:fillRef idx="1">
+                <a:schemeClr val="accent1"/>
+              </a:fillRef>
+              <a:effectRef idx="0">
+                <a:schemeClr val="accent1"/>
+              </a:effectRef>
+              <a:fontRef idx="minor">
+                <a:schemeClr val="lt1"/>
+              </a:fontRef>
+            </p:style>
+            <p:txBody>
+              <a:bodyPr rtlCol="0" anchor="ctr"/>
+              <a:lstStyle/>
+              <a:p>
+                <a:pPr algn="ctr"/>
+                <a:endParaRPr lang="en-AU"/>
+              </a:p>
+            </p:txBody>
+          </p:sp>
+          <p:sp>
+            <p:nvSpPr>
+              <p:cNvPr id="201" name="Oval 200"/>
+              <p:cNvSpPr/>
+              <p:nvPr/>
+            </p:nvSpPr>
+            <p:spPr>
+              <a:xfrm>
+                <a:off x="9592790" y="1805599"/>
+                <a:ext cx="267419" cy="224286"/>
+              </a:xfrm>
+              <a:prstGeom prst="ellipse">
+                <a:avLst/>
+              </a:prstGeom>
+              <a:solidFill>
+                <a:schemeClr val="accent1">
+                  <a:lumMod val="60000"/>
+                  <a:lumOff val="40000"/>
+                </a:schemeClr>
+              </a:solidFill>
+              <a:ln w="25400">
+                <a:solidFill>
+                  <a:srgbClr val="00B0F0"/>
+                </a:solidFill>
+              </a:ln>
+            </p:spPr>
+            <p:style>
+              <a:lnRef idx="2">
+                <a:schemeClr val="accent1">
+                  <a:shade val="50000"/>
+                </a:schemeClr>
+              </a:lnRef>
+              <a:fillRef idx="1">
+                <a:schemeClr val="accent1"/>
+              </a:fillRef>
+              <a:effectRef idx="0">
+                <a:schemeClr val="accent1"/>
+              </a:effectRef>
+              <a:fontRef idx="minor">
+                <a:schemeClr val="lt1"/>
+              </a:fontRef>
+            </p:style>
+            <p:txBody>
+              <a:bodyPr rtlCol="0" anchor="ctr"/>
+              <a:lstStyle/>
+              <a:p>
+                <a:pPr algn="ctr"/>
+                <a:endParaRPr lang="en-AU"/>
+              </a:p>
+            </p:txBody>
+          </p:sp>
+          <p:sp>
+            <p:nvSpPr>
+              <p:cNvPr id="202" name="Oval 201"/>
+              <p:cNvSpPr/>
+              <p:nvPr/>
+            </p:nvSpPr>
+            <p:spPr>
+              <a:xfrm>
+                <a:off x="9720600" y="1344622"/>
+                <a:ext cx="267419" cy="224286"/>
+              </a:xfrm>
+              <a:prstGeom prst="ellipse">
+                <a:avLst/>
+              </a:prstGeom>
+              <a:solidFill>
+                <a:schemeClr val="accent1">
+                  <a:lumMod val="60000"/>
+                  <a:lumOff val="40000"/>
+                </a:schemeClr>
+              </a:solidFill>
+              <a:ln w="25400">
+                <a:solidFill>
+                  <a:srgbClr val="00B0F0"/>
+                </a:solidFill>
+              </a:ln>
+            </p:spPr>
+            <p:style>
+              <a:lnRef idx="2">
+                <a:schemeClr val="accent1">
+                  <a:shade val="50000"/>
+                </a:schemeClr>
+              </a:lnRef>
+              <a:fillRef idx="1">
+                <a:schemeClr val="accent1"/>
+              </a:fillRef>
+              <a:effectRef idx="0">
+                <a:schemeClr val="accent1"/>
+              </a:effectRef>
+              <a:fontRef idx="minor">
+                <a:schemeClr val="lt1"/>
+              </a:fontRef>
+            </p:style>
+            <p:txBody>
+              <a:bodyPr rtlCol="0" anchor="ctr"/>
+              <a:lstStyle/>
+              <a:p>
+                <a:pPr algn="ctr"/>
+                <a:endParaRPr lang="en-AU"/>
+              </a:p>
+            </p:txBody>
+          </p:sp>
+          <p:sp>
+            <p:nvSpPr>
+              <p:cNvPr id="203" name="Oval 202"/>
+              <p:cNvSpPr/>
+              <p:nvPr/>
+            </p:nvSpPr>
+            <p:spPr>
+              <a:xfrm>
+                <a:off x="10217725" y="1799848"/>
+                <a:ext cx="267419" cy="224286"/>
+              </a:xfrm>
+              <a:prstGeom prst="ellipse">
+                <a:avLst/>
+              </a:prstGeom>
+              <a:solidFill>
+                <a:schemeClr val="accent1">
+                  <a:lumMod val="60000"/>
+                  <a:lumOff val="40000"/>
+                </a:schemeClr>
+              </a:solidFill>
+              <a:ln w="25400">
+                <a:solidFill>
+                  <a:srgbClr val="00B0F0"/>
+                </a:solidFill>
+              </a:ln>
+            </p:spPr>
+            <p:style>
+              <a:lnRef idx="2">
+                <a:schemeClr val="accent1">
+                  <a:shade val="50000"/>
+                </a:schemeClr>
+              </a:lnRef>
+              <a:fillRef idx="1">
+                <a:schemeClr val="accent1"/>
+              </a:fillRef>
+              <a:effectRef idx="0">
+                <a:schemeClr val="accent1"/>
+              </a:effectRef>
+              <a:fontRef idx="minor">
+                <a:schemeClr val="lt1"/>
+              </a:fontRef>
+            </p:style>
+            <p:txBody>
+              <a:bodyPr rtlCol="0" anchor="ctr"/>
+              <a:lstStyle/>
+              <a:p>
+                <a:pPr algn="ctr"/>
+                <a:endParaRPr lang="en-AU"/>
+              </a:p>
+            </p:txBody>
+          </p:sp>
+          <p:sp>
+            <p:nvSpPr>
+              <p:cNvPr id="204" name="Oval 203"/>
+              <p:cNvSpPr/>
+              <p:nvPr/>
+            </p:nvSpPr>
+            <p:spPr>
+              <a:xfrm>
+                <a:off x="10351435" y="1304365"/>
+                <a:ext cx="267419" cy="224286"/>
+              </a:xfrm>
+              <a:prstGeom prst="ellipse">
+                <a:avLst/>
+              </a:prstGeom>
+              <a:solidFill>
+                <a:schemeClr val="accent1">
+                  <a:lumMod val="60000"/>
+                  <a:lumOff val="40000"/>
+                </a:schemeClr>
+              </a:solidFill>
+              <a:ln w="25400">
+                <a:solidFill>
+                  <a:srgbClr val="00B0F0"/>
+                </a:solidFill>
+              </a:ln>
+            </p:spPr>
+            <p:style>
+              <a:lnRef idx="2">
+                <a:schemeClr val="accent1">
+                  <a:shade val="50000"/>
+                </a:schemeClr>
+              </a:lnRef>
+              <a:fillRef idx="1">
+                <a:schemeClr val="accent1"/>
+              </a:fillRef>
+              <a:effectRef idx="0">
+                <a:schemeClr val="accent1"/>
+              </a:effectRef>
+              <a:fontRef idx="minor">
+                <a:schemeClr val="lt1"/>
+              </a:fontRef>
+            </p:style>
+            <p:txBody>
+              <a:bodyPr rtlCol="0" anchor="ctr"/>
+              <a:lstStyle/>
+              <a:p>
+                <a:pPr algn="ctr"/>
+                <a:endParaRPr lang="en-AU"/>
+              </a:p>
+            </p:txBody>
+          </p:sp>
+          <p:sp>
+            <p:nvSpPr>
+              <p:cNvPr id="205" name="Oval 204"/>
+              <p:cNvSpPr/>
+              <p:nvPr/>
+            </p:nvSpPr>
+            <p:spPr>
+              <a:xfrm>
+                <a:off x="10952409" y="1623542"/>
+                <a:ext cx="267419" cy="224286"/>
+              </a:xfrm>
+              <a:prstGeom prst="ellipse">
+                <a:avLst/>
+              </a:prstGeom>
+              <a:solidFill>
+                <a:schemeClr val="accent1">
+                  <a:lumMod val="60000"/>
+                  <a:lumOff val="40000"/>
+                </a:schemeClr>
+              </a:solidFill>
+              <a:ln w="25400">
+                <a:solidFill>
+                  <a:srgbClr val="00B0F0"/>
+                </a:solidFill>
+              </a:ln>
+            </p:spPr>
+            <p:style>
+              <a:lnRef idx="2">
+                <a:schemeClr val="accent1">
+                  <a:shade val="50000"/>
+                </a:schemeClr>
+              </a:lnRef>
+              <a:fillRef idx="1">
+                <a:schemeClr val="accent1"/>
+              </a:fillRef>
+              <a:effectRef idx="0">
+                <a:schemeClr val="accent1"/>
+              </a:effectRef>
+              <a:fontRef idx="minor">
+                <a:schemeClr val="lt1"/>
+              </a:fontRef>
+            </p:style>
+            <p:txBody>
+              <a:bodyPr rtlCol="0" anchor="ctr"/>
+              <a:lstStyle/>
+              <a:p>
+                <a:pPr algn="ctr"/>
+                <a:endParaRPr lang="en-AU"/>
+              </a:p>
+            </p:txBody>
+          </p:sp>
+          <p:sp>
+            <p:nvSpPr>
+              <p:cNvPr id="206" name="Oval 205"/>
+              <p:cNvSpPr/>
+              <p:nvPr/>
+            </p:nvSpPr>
+            <p:spPr>
+              <a:xfrm>
+                <a:off x="7954491" y="1816372"/>
+                <a:ext cx="267419" cy="224286"/>
+              </a:xfrm>
+              <a:prstGeom prst="ellipse">
+                <a:avLst/>
+              </a:prstGeom>
+              <a:solidFill>
+                <a:schemeClr val="accent1">
+                  <a:lumMod val="60000"/>
+                  <a:lumOff val="40000"/>
+                </a:schemeClr>
+              </a:solidFill>
+              <a:ln w="25400">
+                <a:solidFill>
+                  <a:srgbClr val="00B0F0"/>
+                </a:solidFill>
+              </a:ln>
+            </p:spPr>
+            <p:style>
+              <a:lnRef idx="2">
+                <a:schemeClr val="accent1">
+                  <a:shade val="50000"/>
+                </a:schemeClr>
+              </a:lnRef>
+              <a:fillRef idx="1">
+                <a:schemeClr val="accent1"/>
+              </a:fillRef>
+              <a:effectRef idx="0">
+                <a:schemeClr val="accent1"/>
+              </a:effectRef>
+              <a:fontRef idx="minor">
+                <a:schemeClr val="lt1"/>
+              </a:fontRef>
+            </p:style>
+            <p:txBody>
+              <a:bodyPr rtlCol="0" anchor="ctr"/>
+              <a:lstStyle/>
+              <a:p>
+                <a:pPr algn="ctr"/>
+                <a:endParaRPr lang="en-AU"/>
+              </a:p>
+            </p:txBody>
+          </p:sp>
+          <p:sp>
+            <p:nvSpPr>
+              <p:cNvPr id="207" name="Oval 206"/>
+              <p:cNvSpPr/>
+              <p:nvPr/>
+            </p:nvSpPr>
+            <p:spPr>
+              <a:xfrm>
+                <a:off x="8061672" y="1406355"/>
+                <a:ext cx="267419" cy="224286"/>
+              </a:xfrm>
+              <a:prstGeom prst="ellipse">
+                <a:avLst/>
+              </a:prstGeom>
+              <a:solidFill>
+                <a:schemeClr val="accent1">
+                  <a:lumMod val="60000"/>
+                  <a:lumOff val="40000"/>
+                </a:schemeClr>
+              </a:solidFill>
+              <a:ln w="25400">
+                <a:solidFill>
+                  <a:srgbClr val="00B0F0"/>
+                </a:solidFill>
+              </a:ln>
+            </p:spPr>
+            <p:style>
+              <a:lnRef idx="2">
+                <a:schemeClr val="accent1">
+                  <a:shade val="50000"/>
+                </a:schemeClr>
+              </a:lnRef>
+              <a:fillRef idx="1">
+                <a:schemeClr val="accent1"/>
+              </a:fillRef>
+              <a:effectRef idx="0">
+                <a:schemeClr val="accent1"/>
+              </a:effectRef>
+              <a:fontRef idx="minor">
+                <a:schemeClr val="lt1"/>
+              </a:fontRef>
+            </p:style>
+            <p:txBody>
+              <a:bodyPr rtlCol="0" anchor="ctr"/>
+              <a:lstStyle/>
+              <a:p>
+                <a:pPr algn="ctr"/>
+                <a:endParaRPr lang="en-AU"/>
+              </a:p>
+            </p:txBody>
+          </p:sp>
+          <p:sp>
+            <p:nvSpPr>
+              <p:cNvPr id="208" name="Oval 207"/>
+              <p:cNvSpPr/>
+              <p:nvPr/>
+            </p:nvSpPr>
+            <p:spPr>
+              <a:xfrm>
+                <a:off x="8680009" y="1225657"/>
+                <a:ext cx="267419" cy="224286"/>
+              </a:xfrm>
+              <a:prstGeom prst="ellipse">
+                <a:avLst/>
+              </a:prstGeom>
+              <a:solidFill>
+                <a:schemeClr val="accent1">
+                  <a:lumMod val="60000"/>
+                  <a:lumOff val="40000"/>
+                </a:schemeClr>
+              </a:solidFill>
+              <a:ln w="25400">
+                <a:solidFill>
+                  <a:srgbClr val="00B0F0"/>
+                </a:solidFill>
+              </a:ln>
+            </p:spPr>
+            <p:style>
+              <a:lnRef idx="2">
+                <a:schemeClr val="accent1">
+                  <a:shade val="50000"/>
+                </a:schemeClr>
+              </a:lnRef>
+              <a:fillRef idx="1">
+                <a:schemeClr val="accent1"/>
+              </a:fillRef>
+              <a:effectRef idx="0">
+                <a:schemeClr val="accent1"/>
+              </a:effectRef>
+              <a:fontRef idx="minor">
+                <a:schemeClr val="lt1"/>
+              </a:fontRef>
+            </p:style>
+            <p:txBody>
+              <a:bodyPr rtlCol="0" anchor="ctr"/>
+              <a:lstStyle/>
+              <a:p>
+                <a:pPr algn="ctr"/>
+                <a:endParaRPr lang="en-AU"/>
+              </a:p>
+            </p:txBody>
+          </p:sp>
+        </p:grpSp>
+        <p:cxnSp>
+          <p:nvCxnSpPr>
+            <p:cNvPr id="173" name="Straight Arrow Connector 172"/>
+            <p:cNvCxnSpPr>
+              <a:stCxn id="171" idx="2"/>
+              <a:endCxn id="196" idx="1"/>
+            </p:cNvCxnSpPr>
+            <p:nvPr/>
+          </p:nvCxnSpPr>
+          <p:spPr>
+            <a:xfrm>
+              <a:off x="7671318" y="1597053"/>
+              <a:ext cx="255755" cy="371116"/>
+            </a:xfrm>
+            <a:prstGeom prst="straightConnector1">
+              <a:avLst/>
+            </a:prstGeom>
+            <a:ln w="50800">
+              <a:solidFill>
+                <a:srgbClr val="FF0000"/>
+              </a:solidFill>
+              <a:tailEnd type="triangle"/>
+            </a:ln>
+          </p:spPr>
+          <p:style>
+            <a:lnRef idx="1">
+              <a:schemeClr val="accent1"/>
+            </a:lnRef>
+            <a:fillRef idx="0">
+              <a:schemeClr val="accent1"/>
+            </a:fillRef>
+            <a:effectRef idx="0">
+              <a:schemeClr val="accent1"/>
+            </a:effectRef>
+            <a:fontRef idx="minor">
+              <a:schemeClr val="tx1"/>
+            </a:fontRef>
+          </p:style>
+        </p:cxnSp>
+        <p:sp>
+          <p:nvSpPr>
+            <p:cNvPr id="174" name="TextBox 173"/>
+            <p:cNvSpPr txBox="1"/>
+            <p:nvPr/>
+          </p:nvSpPr>
+          <p:spPr>
+            <a:xfrm>
+              <a:off x="9720600" y="1088975"/>
+              <a:ext cx="1534972" cy="615553"/>
+            </a:xfrm>
+            <a:prstGeom prst="rect">
+              <a:avLst/>
+            </a:prstGeom>
+            <a:noFill/>
+          </p:spPr>
+          <p:txBody>
+            <a:bodyPr wrap="none" rtlCol="0">
+              <a:spAutoFit/>
+            </a:bodyPr>
+            <a:lstStyle/>
+            <a:p>
+              <a:r>
+                <a:rPr lang="en-AU" sz="2400" dirty="0" smtClean="0">
+                  <a:solidFill>
+                    <a:srgbClr val="00B0F0"/>
+                  </a:solidFill>
+                </a:rPr>
+                <a:t>Population</a:t>
+              </a:r>
+              <a:endParaRPr lang="en-AU" sz="2400" dirty="0">
+                <a:solidFill>
+                  <a:srgbClr val="00B0F0"/>
+                </a:solidFill>
+              </a:endParaRPr>
+            </a:p>
+          </p:txBody>
+        </p:sp>
+        <p:cxnSp>
+          <p:nvCxnSpPr>
+            <p:cNvPr id="175" name="Straight Arrow Connector 174"/>
+            <p:cNvCxnSpPr>
+              <a:stCxn id="174" idx="2"/>
+              <a:endCxn id="204" idx="0"/>
+            </p:cNvCxnSpPr>
+            <p:nvPr/>
+          </p:nvCxnSpPr>
+          <p:spPr>
+            <a:xfrm>
+              <a:off x="10488086" y="1704529"/>
+              <a:ext cx="159846" cy="326668"/>
+            </a:xfrm>
+            <a:prstGeom prst="straightConnector1">
+              <a:avLst/>
+            </a:prstGeom>
+            <a:ln w="50800">
+              <a:solidFill>
+                <a:srgbClr val="00B0F0"/>
+              </a:solidFill>
+              <a:tailEnd type="triangle"/>
+            </a:ln>
+          </p:spPr>
+          <p:style>
+            <a:lnRef idx="1">
+              <a:schemeClr val="accent1"/>
+            </a:lnRef>
+            <a:fillRef idx="0">
+              <a:schemeClr val="accent1"/>
+            </a:fillRef>
+            <a:effectRef idx="0">
+              <a:schemeClr val="accent1"/>
+            </a:effectRef>
+            <a:fontRef idx="minor">
+              <a:schemeClr val="tx1"/>
+            </a:fontRef>
+          </p:style>
+        </p:cxnSp>
+        <p:sp>
+          <p:nvSpPr>
+            <p:cNvPr id="176" name="TextBox 175"/>
+            <p:cNvSpPr txBox="1"/>
+            <p:nvPr/>
+          </p:nvSpPr>
+          <p:spPr>
+            <a:xfrm>
+              <a:off x="9584255" y="3535410"/>
+              <a:ext cx="1859933" cy="1107996"/>
+            </a:xfrm>
+            <a:prstGeom prst="rect">
+              <a:avLst/>
+            </a:prstGeom>
+            <a:noFill/>
+          </p:spPr>
+          <p:txBody>
+            <a:bodyPr wrap="none" rtlCol="0">
+              <a:spAutoFit/>
+            </a:bodyPr>
+            <a:lstStyle/>
+            <a:p>
+              <a:pPr algn="ctr"/>
+              <a:r>
+                <a:rPr lang="en-AU" sz="2400" dirty="0" smtClean="0">
+                  <a:solidFill>
+                    <a:schemeClr val="bg1"/>
+                  </a:solidFill>
+                </a:rPr>
+                <a:t>Time +</a:t>
+              </a:r>
+            </a:p>
+            <a:p>
+              <a:pPr algn="ctr"/>
+              <a:r>
+                <a:rPr lang="en-AU" sz="2400" dirty="0" smtClean="0">
+                  <a:solidFill>
+                    <a:schemeClr val="bg1"/>
+                  </a:solidFill>
+                </a:rPr>
+                <a:t> other factors</a:t>
+              </a:r>
+              <a:endParaRPr lang="en-AU" sz="2400" dirty="0">
+                <a:solidFill>
+                  <a:schemeClr val="bg1"/>
+                </a:solidFill>
+              </a:endParaRPr>
+            </a:p>
+          </p:txBody>
+        </p:sp>
+        <p:sp>
+          <p:nvSpPr>
+            <p:cNvPr id="177" name="Down Arrow 176"/>
+            <p:cNvSpPr/>
+            <p:nvPr/>
+          </p:nvSpPr>
+          <p:spPr>
+            <a:xfrm>
+              <a:off x="7938737" y="3535410"/>
+              <a:ext cx="867557" cy="980737"/>
+            </a:xfrm>
+            <a:prstGeom prst="downArrow">
+              <a:avLst/>
+            </a:prstGeom>
+            <a:solidFill>
+              <a:schemeClr val="tx1"/>
+            </a:solidFill>
+            <a:ln>
+              <a:solidFill>
+                <a:schemeClr val="bg1"/>
+              </a:solidFill>
+            </a:ln>
+          </p:spPr>
+          <p:style>
+            <a:lnRef idx="2">
+              <a:schemeClr val="accent1">
+                <a:shade val="50000"/>
+              </a:schemeClr>
+            </a:lnRef>
+            <a:fillRef idx="1">
+              <a:schemeClr val="accent1"/>
+            </a:fillRef>
+            <a:effectRef idx="0">
+              <a:schemeClr val="accent1"/>
+            </a:effectRef>
+            <a:fontRef idx="minor">
+              <a:schemeClr val="lt1"/>
+            </a:fontRef>
+          </p:style>
+          <p:txBody>
+            <a:bodyPr rtlCol="0" anchor="ctr"/>
+            <a:lstStyle/>
+            <a:p>
+              <a:pPr algn="ctr"/>
+              <a:endParaRPr lang="en-AU"/>
+            </a:p>
+          </p:txBody>
+        </p:sp>
+        <p:grpSp>
+          <p:nvGrpSpPr>
+            <p:cNvPr id="178" name="Group 177"/>
+            <p:cNvGrpSpPr/>
+            <p:nvPr/>
+          </p:nvGrpSpPr>
+          <p:grpSpPr>
+            <a:xfrm>
+              <a:off x="7289566" y="4967602"/>
+              <a:ext cx="4353169" cy="1234831"/>
+              <a:chOff x="7126779" y="1060500"/>
+              <a:chExt cx="4353169" cy="1234831"/>
+            </a:xfrm>
+            <a:gradFill>
+              <a:gsLst>
+                <a:gs pos="0">
+                  <a:schemeClr val="accent6">
+                    <a:lumMod val="20000"/>
+                    <a:lumOff val="80000"/>
+                  </a:schemeClr>
+                </a:gs>
+                <a:gs pos="100000">
+                  <a:srgbClr val="002060"/>
+                </a:gs>
+              </a:gsLst>
+              <a:lin ang="0" scaled="1"/>
+            </a:gradFill>
+          </p:grpSpPr>
+          <p:sp>
+            <p:nvSpPr>
+              <p:cNvPr id="181" name="Oval 180"/>
+              <p:cNvSpPr/>
+              <p:nvPr/>
+            </p:nvSpPr>
+            <p:spPr>
+              <a:xfrm>
+                <a:off x="7126779" y="1060500"/>
+                <a:ext cx="4353169" cy="1234831"/>
+              </a:xfrm>
+              <a:prstGeom prst="ellipse">
+                <a:avLst/>
+              </a:prstGeom>
+              <a:gradFill>
+                <a:gsLst>
+                  <a:gs pos="0">
+                    <a:schemeClr val="tx2"/>
+                  </a:gs>
+                  <a:gs pos="100000">
+                    <a:schemeClr val="accent6">
+                      <a:lumMod val="50000"/>
+                    </a:schemeClr>
+                  </a:gs>
+                </a:gsLst>
+                <a:lin ang="0" scaled="1"/>
+              </a:gradFill>
+              <a:ln w="25400">
+                <a:solidFill>
+                  <a:srgbClr val="FF0000"/>
+                </a:solidFill>
+              </a:ln>
+            </p:spPr>
+            <p:style>
+              <a:lnRef idx="2">
+                <a:schemeClr val="accent1">
+                  <a:shade val="50000"/>
+                </a:schemeClr>
+              </a:lnRef>
+              <a:fillRef idx="1">
+                <a:schemeClr val="accent1"/>
+              </a:fillRef>
+              <a:effectRef idx="0">
+                <a:schemeClr val="accent1"/>
+              </a:effectRef>
+              <a:fontRef idx="minor">
+                <a:schemeClr val="lt1"/>
+              </a:fontRef>
+            </p:style>
+            <p:txBody>
+              <a:bodyPr rtlCol="0" anchor="ctr"/>
+              <a:lstStyle/>
+              <a:p>
+                <a:pPr algn="ctr"/>
+                <a:endParaRPr lang="en-AU"/>
+              </a:p>
+            </p:txBody>
+          </p:sp>
+          <p:sp>
+            <p:nvSpPr>
+              <p:cNvPr id="182" name="Oval 181"/>
+              <p:cNvSpPr/>
+              <p:nvPr/>
+            </p:nvSpPr>
+            <p:spPr>
+              <a:xfrm>
+                <a:off x="9167954" y="1333118"/>
+                <a:ext cx="267419" cy="224286"/>
+              </a:xfrm>
+              <a:prstGeom prst="ellipse">
+                <a:avLst/>
+              </a:prstGeom>
+              <a:solidFill>
+                <a:schemeClr val="accent1">
+                  <a:lumMod val="60000"/>
+                  <a:lumOff val="40000"/>
+                </a:schemeClr>
+              </a:solidFill>
+              <a:ln w="25400">
+                <a:solidFill>
+                  <a:srgbClr val="00B0F0"/>
+                </a:solidFill>
+              </a:ln>
+            </p:spPr>
+            <p:style>
+              <a:lnRef idx="2">
+                <a:schemeClr val="accent1">
+                  <a:shade val="50000"/>
+                </a:schemeClr>
+              </a:lnRef>
+              <a:fillRef idx="1">
+                <a:schemeClr val="accent1"/>
+              </a:fillRef>
+              <a:effectRef idx="0">
+                <a:schemeClr val="accent1"/>
+              </a:effectRef>
+              <a:fontRef idx="minor">
+                <a:schemeClr val="lt1"/>
+              </a:fontRef>
+            </p:style>
+            <p:txBody>
+              <a:bodyPr rtlCol="0" anchor="ctr"/>
+              <a:lstStyle/>
+              <a:p>
+                <a:pPr algn="ctr"/>
+                <a:endParaRPr lang="en-AU"/>
+              </a:p>
+            </p:txBody>
+          </p:sp>
+          <p:sp>
+            <p:nvSpPr>
+              <p:cNvPr id="183" name="Oval 182"/>
+              <p:cNvSpPr/>
+              <p:nvPr/>
+            </p:nvSpPr>
+            <p:spPr>
+              <a:xfrm>
+                <a:off x="8912981" y="1805599"/>
+                <a:ext cx="267419" cy="224286"/>
+              </a:xfrm>
+              <a:prstGeom prst="ellipse">
+                <a:avLst/>
+              </a:prstGeom>
+              <a:solidFill>
+                <a:schemeClr val="accent1">
+                  <a:lumMod val="60000"/>
+                  <a:lumOff val="40000"/>
+                </a:schemeClr>
+              </a:solidFill>
+              <a:ln w="25400">
+                <a:solidFill>
+                  <a:srgbClr val="00B0F0"/>
+                </a:solidFill>
+              </a:ln>
+            </p:spPr>
+            <p:style>
+              <a:lnRef idx="2">
+                <a:schemeClr val="accent1">
+                  <a:shade val="50000"/>
+                </a:schemeClr>
+              </a:lnRef>
+              <a:fillRef idx="1">
+                <a:schemeClr val="accent1"/>
+              </a:fillRef>
+              <a:effectRef idx="0">
+                <a:schemeClr val="accent1"/>
+              </a:effectRef>
+              <a:fontRef idx="minor">
+                <a:schemeClr val="lt1"/>
+              </a:fontRef>
+            </p:style>
+            <p:txBody>
+              <a:bodyPr rtlCol="0" anchor="ctr"/>
+              <a:lstStyle/>
+              <a:p>
+                <a:pPr algn="ctr"/>
+                <a:endParaRPr lang="en-AU"/>
+              </a:p>
+            </p:txBody>
+          </p:sp>
+          <p:sp>
+            <p:nvSpPr>
+              <p:cNvPr id="184" name="Oval 183"/>
+              <p:cNvSpPr/>
+              <p:nvPr/>
+            </p:nvSpPr>
+            <p:spPr>
+              <a:xfrm>
+                <a:off x="8500591" y="1842979"/>
+                <a:ext cx="267419" cy="224286"/>
+              </a:xfrm>
+              <a:prstGeom prst="ellipse">
+                <a:avLst/>
+              </a:prstGeom>
+              <a:solidFill>
+                <a:schemeClr val="accent1">
+                  <a:lumMod val="60000"/>
+                  <a:lumOff val="40000"/>
+                </a:schemeClr>
+              </a:solidFill>
+              <a:ln w="25400">
+                <a:solidFill>
+                  <a:srgbClr val="00B0F0"/>
+                </a:solidFill>
+              </a:ln>
+            </p:spPr>
+            <p:style>
+              <a:lnRef idx="2">
+                <a:schemeClr val="accent1">
+                  <a:shade val="50000"/>
+                </a:schemeClr>
+              </a:lnRef>
+              <a:fillRef idx="1">
+                <a:schemeClr val="accent1"/>
+              </a:fillRef>
+              <a:effectRef idx="0">
+                <a:schemeClr val="accent1"/>
+              </a:effectRef>
+              <a:fontRef idx="minor">
+                <a:schemeClr val="lt1"/>
+              </a:fontRef>
+            </p:style>
+            <p:txBody>
+              <a:bodyPr rtlCol="0" anchor="ctr"/>
+              <a:lstStyle/>
+              <a:p>
+                <a:pPr algn="ctr"/>
+                <a:endParaRPr lang="en-AU"/>
+              </a:p>
+            </p:txBody>
+          </p:sp>
+          <p:sp>
+            <p:nvSpPr>
+              <p:cNvPr id="185" name="Oval 184"/>
+              <p:cNvSpPr/>
+              <p:nvPr/>
+            </p:nvSpPr>
+            <p:spPr>
+              <a:xfrm>
+                <a:off x="8680009" y="1219906"/>
+                <a:ext cx="267419" cy="224286"/>
+              </a:xfrm>
+              <a:prstGeom prst="ellipse">
+                <a:avLst/>
+              </a:prstGeom>
+              <a:solidFill>
+                <a:schemeClr val="accent1">
+                  <a:lumMod val="60000"/>
+                  <a:lumOff val="40000"/>
+                </a:schemeClr>
+              </a:solidFill>
+              <a:ln w="25400">
+                <a:solidFill>
+                  <a:srgbClr val="00B0F0"/>
+                </a:solidFill>
+              </a:ln>
+            </p:spPr>
+            <p:style>
+              <a:lnRef idx="2">
+                <a:schemeClr val="accent1">
+                  <a:shade val="50000"/>
+                </a:schemeClr>
+              </a:lnRef>
+              <a:fillRef idx="1">
+                <a:schemeClr val="accent1"/>
+              </a:fillRef>
+              <a:effectRef idx="0">
+                <a:schemeClr val="accent1"/>
+              </a:effectRef>
+              <a:fontRef idx="minor">
+                <a:schemeClr val="lt1"/>
+              </a:fontRef>
+            </p:style>
+            <p:txBody>
+              <a:bodyPr rtlCol="0" anchor="ctr"/>
+              <a:lstStyle/>
+              <a:p>
+                <a:pPr algn="ctr"/>
+                <a:endParaRPr lang="en-AU"/>
+              </a:p>
+            </p:txBody>
+          </p:sp>
+          <p:sp>
+            <p:nvSpPr>
+              <p:cNvPr id="186" name="Oval 185"/>
+              <p:cNvSpPr/>
+              <p:nvPr/>
+            </p:nvSpPr>
+            <p:spPr>
+              <a:xfrm>
+                <a:off x="7508531" y="1511399"/>
+                <a:ext cx="267419" cy="224286"/>
+              </a:xfrm>
+              <a:prstGeom prst="ellipse">
+                <a:avLst/>
+              </a:prstGeom>
+              <a:solidFill>
+                <a:schemeClr val="accent1">
+                  <a:lumMod val="20000"/>
+                  <a:lumOff val="80000"/>
+                </a:schemeClr>
+              </a:solidFill>
+              <a:ln w="25400">
+                <a:solidFill>
+                  <a:srgbClr val="00B0F0"/>
+                </a:solidFill>
+              </a:ln>
+            </p:spPr>
+            <p:style>
+              <a:lnRef idx="2">
+                <a:schemeClr val="accent1">
+                  <a:shade val="50000"/>
+                </a:schemeClr>
+              </a:lnRef>
+              <a:fillRef idx="1">
+                <a:schemeClr val="accent1"/>
+              </a:fillRef>
+              <a:effectRef idx="0">
+                <a:schemeClr val="accent1"/>
+              </a:effectRef>
+              <a:fontRef idx="minor">
+                <a:schemeClr val="lt1"/>
+              </a:fontRef>
+            </p:style>
+            <p:txBody>
+              <a:bodyPr rtlCol="0" anchor="ctr"/>
+              <a:lstStyle/>
+              <a:p>
+                <a:pPr algn="ctr"/>
+                <a:endParaRPr lang="en-AU"/>
+              </a:p>
+            </p:txBody>
+          </p:sp>
+          <p:sp>
+            <p:nvSpPr>
+              <p:cNvPr id="187" name="Oval 186"/>
+              <p:cNvSpPr/>
+              <p:nvPr/>
+            </p:nvSpPr>
+            <p:spPr>
+              <a:xfrm>
+                <a:off x="9592790" y="1805599"/>
+                <a:ext cx="267419" cy="224286"/>
+              </a:xfrm>
+              <a:prstGeom prst="ellipse">
+                <a:avLst/>
+              </a:prstGeom>
+              <a:grpFill/>
+              <a:ln w="25400">
+                <a:solidFill>
+                  <a:srgbClr val="00B0F0"/>
+                </a:solidFill>
+              </a:ln>
+            </p:spPr>
+            <p:style>
+              <a:lnRef idx="2">
+                <a:schemeClr val="accent1">
+                  <a:shade val="50000"/>
+                </a:schemeClr>
+              </a:lnRef>
+              <a:fillRef idx="1">
+                <a:schemeClr val="accent1"/>
+              </a:fillRef>
+              <a:effectRef idx="0">
+                <a:schemeClr val="accent1"/>
+              </a:effectRef>
+              <a:fontRef idx="minor">
+                <a:schemeClr val="lt1"/>
+              </a:fontRef>
+            </p:style>
+            <p:txBody>
+              <a:bodyPr rtlCol="0" anchor="ctr"/>
+              <a:lstStyle/>
+              <a:p>
+                <a:pPr algn="ctr"/>
+                <a:endParaRPr lang="en-AU"/>
+              </a:p>
+            </p:txBody>
+          </p:sp>
+          <p:sp>
+            <p:nvSpPr>
+              <p:cNvPr id="188" name="Oval 187"/>
+              <p:cNvSpPr/>
+              <p:nvPr/>
+            </p:nvSpPr>
+            <p:spPr>
+              <a:xfrm>
+                <a:off x="9720600" y="1344622"/>
+                <a:ext cx="267419" cy="224286"/>
+              </a:xfrm>
+              <a:prstGeom prst="ellipse">
+                <a:avLst/>
+              </a:prstGeom>
+              <a:grpFill/>
+              <a:ln w="25400">
+                <a:solidFill>
+                  <a:srgbClr val="00B0F0"/>
+                </a:solidFill>
+              </a:ln>
+            </p:spPr>
+            <p:style>
+              <a:lnRef idx="2">
+                <a:schemeClr val="accent1">
+                  <a:shade val="50000"/>
+                </a:schemeClr>
+              </a:lnRef>
+              <a:fillRef idx="1">
+                <a:schemeClr val="accent1"/>
+              </a:fillRef>
+              <a:effectRef idx="0">
+                <a:schemeClr val="accent1"/>
+              </a:effectRef>
+              <a:fontRef idx="minor">
+                <a:schemeClr val="lt1"/>
+              </a:fontRef>
+            </p:style>
+            <p:txBody>
+              <a:bodyPr rtlCol="0" anchor="ctr"/>
+              <a:lstStyle/>
+              <a:p>
+                <a:pPr algn="ctr"/>
+                <a:endParaRPr lang="en-AU"/>
+              </a:p>
+            </p:txBody>
+          </p:sp>
+          <p:sp>
+            <p:nvSpPr>
+              <p:cNvPr id="189" name="Oval 188"/>
+              <p:cNvSpPr/>
+              <p:nvPr/>
+            </p:nvSpPr>
+            <p:spPr>
+              <a:xfrm>
+                <a:off x="10217725" y="1799848"/>
+                <a:ext cx="267419" cy="224286"/>
+              </a:xfrm>
+              <a:prstGeom prst="ellipse">
+                <a:avLst/>
+              </a:prstGeom>
+              <a:solidFill>
+                <a:schemeClr val="accent1">
+                  <a:lumMod val="50000"/>
+                </a:schemeClr>
+              </a:solidFill>
+              <a:ln w="25400">
+                <a:solidFill>
+                  <a:srgbClr val="00B0F0"/>
+                </a:solidFill>
+              </a:ln>
+            </p:spPr>
+            <p:style>
+              <a:lnRef idx="2">
+                <a:schemeClr val="accent1">
+                  <a:shade val="50000"/>
+                </a:schemeClr>
+              </a:lnRef>
+              <a:fillRef idx="1">
+                <a:schemeClr val="accent1"/>
+              </a:fillRef>
+              <a:effectRef idx="0">
+                <a:schemeClr val="accent1"/>
+              </a:effectRef>
+              <a:fontRef idx="minor">
+                <a:schemeClr val="lt1"/>
+              </a:fontRef>
+            </p:style>
+            <p:txBody>
+              <a:bodyPr rtlCol="0" anchor="ctr"/>
+              <a:lstStyle/>
+              <a:p>
+                <a:pPr algn="ctr"/>
+                <a:endParaRPr lang="en-AU"/>
+              </a:p>
+            </p:txBody>
+          </p:sp>
+          <p:sp>
+            <p:nvSpPr>
+              <p:cNvPr id="190" name="Oval 189"/>
+              <p:cNvSpPr/>
+              <p:nvPr/>
+            </p:nvSpPr>
+            <p:spPr>
+              <a:xfrm>
+                <a:off x="10351435" y="1304365"/>
+                <a:ext cx="267419" cy="224286"/>
+              </a:xfrm>
+              <a:prstGeom prst="ellipse">
+                <a:avLst/>
+              </a:prstGeom>
+              <a:solidFill>
+                <a:schemeClr val="accent1">
+                  <a:lumMod val="50000"/>
+                </a:schemeClr>
+              </a:solidFill>
+              <a:ln w="25400">
+                <a:solidFill>
+                  <a:srgbClr val="00B0F0"/>
+                </a:solidFill>
+              </a:ln>
+            </p:spPr>
+            <p:style>
+              <a:lnRef idx="2">
+                <a:schemeClr val="accent1">
+                  <a:shade val="50000"/>
+                </a:schemeClr>
+              </a:lnRef>
+              <a:fillRef idx="1">
+                <a:schemeClr val="accent1"/>
+              </a:fillRef>
+              <a:effectRef idx="0">
+                <a:schemeClr val="accent1"/>
+              </a:effectRef>
+              <a:fontRef idx="minor">
+                <a:schemeClr val="lt1"/>
+              </a:fontRef>
+            </p:style>
+            <p:txBody>
+              <a:bodyPr rtlCol="0" anchor="ctr"/>
+              <a:lstStyle/>
+              <a:p>
+                <a:pPr algn="ctr"/>
+                <a:endParaRPr lang="en-AU"/>
+              </a:p>
+            </p:txBody>
+          </p:sp>
+          <p:sp>
+            <p:nvSpPr>
+              <p:cNvPr id="191" name="Oval 190"/>
+              <p:cNvSpPr/>
+              <p:nvPr/>
+            </p:nvSpPr>
+            <p:spPr>
+              <a:xfrm>
+                <a:off x="10952409" y="1623542"/>
+                <a:ext cx="267419" cy="224286"/>
+              </a:xfrm>
+              <a:prstGeom prst="ellipse">
+                <a:avLst/>
+              </a:prstGeom>
+              <a:solidFill>
+                <a:schemeClr val="accent1">
+                  <a:lumMod val="50000"/>
+                </a:schemeClr>
+              </a:solidFill>
+              <a:ln w="25400">
+                <a:solidFill>
+                  <a:srgbClr val="00B0F0"/>
+                </a:solidFill>
+              </a:ln>
+            </p:spPr>
+            <p:style>
+              <a:lnRef idx="2">
+                <a:schemeClr val="accent1">
+                  <a:shade val="50000"/>
+                </a:schemeClr>
+              </a:lnRef>
+              <a:fillRef idx="1">
+                <a:schemeClr val="accent1"/>
+              </a:fillRef>
+              <a:effectRef idx="0">
+                <a:schemeClr val="accent1"/>
+              </a:effectRef>
+              <a:fontRef idx="minor">
+                <a:schemeClr val="lt1"/>
+              </a:fontRef>
+            </p:style>
+            <p:txBody>
+              <a:bodyPr rtlCol="0" anchor="ctr"/>
+              <a:lstStyle/>
+              <a:p>
+                <a:pPr algn="ctr"/>
+                <a:endParaRPr lang="en-AU"/>
+              </a:p>
+            </p:txBody>
+          </p:sp>
+          <p:sp>
+            <p:nvSpPr>
+              <p:cNvPr id="192" name="Oval 191"/>
+              <p:cNvSpPr/>
+              <p:nvPr/>
+            </p:nvSpPr>
+            <p:spPr>
+              <a:xfrm>
+                <a:off x="8009365" y="1808575"/>
+                <a:ext cx="267419" cy="224286"/>
+              </a:xfrm>
+              <a:prstGeom prst="ellipse">
+                <a:avLst/>
+              </a:prstGeom>
+              <a:solidFill>
+                <a:schemeClr val="accent1">
+                  <a:lumMod val="20000"/>
+                  <a:lumOff val="80000"/>
+                </a:schemeClr>
+              </a:solidFill>
+              <a:ln w="25400">
+                <a:solidFill>
+                  <a:srgbClr val="00B0F0"/>
+                </a:solidFill>
+              </a:ln>
+            </p:spPr>
+            <p:style>
+              <a:lnRef idx="2">
+                <a:schemeClr val="accent1">
+                  <a:shade val="50000"/>
+                </a:schemeClr>
+              </a:lnRef>
+              <a:fillRef idx="1">
+                <a:schemeClr val="accent1"/>
+              </a:fillRef>
+              <a:effectRef idx="0">
+                <a:schemeClr val="accent1"/>
+              </a:effectRef>
+              <a:fontRef idx="minor">
+                <a:schemeClr val="lt1"/>
+              </a:fontRef>
+            </p:style>
+            <p:txBody>
+              <a:bodyPr rtlCol="0" anchor="ctr"/>
+              <a:lstStyle/>
+              <a:p>
+                <a:pPr algn="ctr"/>
+                <a:endParaRPr lang="en-AU"/>
+              </a:p>
+            </p:txBody>
+          </p:sp>
+          <p:sp>
+            <p:nvSpPr>
+              <p:cNvPr id="193" name="Oval 192"/>
+              <p:cNvSpPr/>
+              <p:nvPr/>
+            </p:nvSpPr>
+            <p:spPr>
+              <a:xfrm>
+                <a:off x="8061672" y="1406355"/>
+                <a:ext cx="267419" cy="224286"/>
+              </a:xfrm>
+              <a:prstGeom prst="ellipse">
+                <a:avLst/>
+              </a:prstGeom>
+              <a:solidFill>
+                <a:schemeClr val="accent1">
+                  <a:lumMod val="20000"/>
+                  <a:lumOff val="80000"/>
+                </a:schemeClr>
+              </a:solidFill>
+              <a:ln w="25400">
+                <a:solidFill>
+                  <a:srgbClr val="00B0F0"/>
+                </a:solidFill>
+              </a:ln>
+            </p:spPr>
+            <p:style>
+              <a:lnRef idx="2">
+                <a:schemeClr val="accent1">
+                  <a:shade val="50000"/>
+                </a:schemeClr>
+              </a:lnRef>
+              <a:fillRef idx="1">
+                <a:schemeClr val="accent1"/>
+              </a:fillRef>
+              <a:effectRef idx="0">
+                <a:schemeClr val="accent1"/>
+              </a:effectRef>
+              <a:fontRef idx="minor">
+                <a:schemeClr val="lt1"/>
+              </a:fontRef>
+            </p:style>
+            <p:txBody>
+              <a:bodyPr rtlCol="0" anchor="ctr"/>
+              <a:lstStyle/>
+              <a:p>
+                <a:pPr algn="ctr"/>
+                <a:endParaRPr lang="en-AU"/>
+              </a:p>
+            </p:txBody>
+          </p:sp>
+          <p:sp>
+            <p:nvSpPr>
+              <p:cNvPr id="194" name="Oval 193"/>
+              <p:cNvSpPr/>
+              <p:nvPr/>
+            </p:nvSpPr>
+            <p:spPr>
+              <a:xfrm>
+                <a:off x="9592790" y="1799848"/>
+                <a:ext cx="267419" cy="224286"/>
+              </a:xfrm>
+              <a:prstGeom prst="ellipse">
+                <a:avLst/>
+              </a:prstGeom>
+              <a:solidFill>
+                <a:schemeClr val="accent1">
+                  <a:lumMod val="60000"/>
+                  <a:lumOff val="40000"/>
+                </a:schemeClr>
+              </a:solidFill>
+              <a:ln w="25400">
+                <a:solidFill>
+                  <a:srgbClr val="00B0F0"/>
+                </a:solidFill>
+              </a:ln>
+            </p:spPr>
+            <p:style>
+              <a:lnRef idx="2">
+                <a:schemeClr val="accent1">
+                  <a:shade val="50000"/>
+                </a:schemeClr>
+              </a:lnRef>
+              <a:fillRef idx="1">
+                <a:schemeClr val="accent1"/>
+              </a:fillRef>
+              <a:effectRef idx="0">
+                <a:schemeClr val="accent1"/>
+              </a:effectRef>
+              <a:fontRef idx="minor">
+                <a:schemeClr val="lt1"/>
+              </a:fontRef>
+            </p:style>
+            <p:txBody>
+              <a:bodyPr rtlCol="0" anchor="ctr"/>
+              <a:lstStyle/>
+              <a:p>
+                <a:pPr algn="ctr"/>
+                <a:endParaRPr lang="en-AU"/>
+              </a:p>
+            </p:txBody>
+          </p:sp>
+          <p:sp>
+            <p:nvSpPr>
+              <p:cNvPr id="195" name="Oval 194"/>
+              <p:cNvSpPr/>
+              <p:nvPr/>
+            </p:nvSpPr>
+            <p:spPr>
+              <a:xfrm>
+                <a:off x="9720600" y="1338871"/>
+                <a:ext cx="267419" cy="224286"/>
+              </a:xfrm>
+              <a:prstGeom prst="ellipse">
+                <a:avLst/>
+              </a:prstGeom>
+              <a:solidFill>
+                <a:schemeClr val="accent1">
+                  <a:lumMod val="60000"/>
+                  <a:lumOff val="40000"/>
+                </a:schemeClr>
+              </a:solidFill>
+              <a:ln w="25400">
+                <a:solidFill>
+                  <a:srgbClr val="00B0F0"/>
+                </a:solidFill>
+              </a:ln>
+            </p:spPr>
+            <p:style>
+              <a:lnRef idx="2">
+                <a:schemeClr val="accent1">
+                  <a:shade val="50000"/>
+                </a:schemeClr>
+              </a:lnRef>
+              <a:fillRef idx="1">
+                <a:schemeClr val="accent1"/>
+              </a:fillRef>
+              <a:effectRef idx="0">
+                <a:schemeClr val="accent1"/>
+              </a:effectRef>
+              <a:fontRef idx="minor">
+                <a:schemeClr val="lt1"/>
+              </a:fontRef>
+            </p:style>
+            <p:txBody>
+              <a:bodyPr rtlCol="0" anchor="ctr"/>
+              <a:lstStyle/>
+              <a:p>
+                <a:pPr algn="ctr"/>
+                <a:endParaRPr lang="en-AU"/>
+              </a:p>
+            </p:txBody>
+          </p:sp>
+        </p:grpSp>
+        <p:sp>
+          <p:nvSpPr>
+            <p:cNvPr id="179" name="TextBox 178"/>
+            <p:cNvSpPr txBox="1"/>
+            <p:nvPr/>
+          </p:nvSpPr>
+          <p:spPr>
+            <a:xfrm>
+              <a:off x="7580835" y="365946"/>
+              <a:ext cx="3372975" cy="615553"/>
+            </a:xfrm>
+            <a:prstGeom prst="rect">
+              <a:avLst/>
+            </a:prstGeom>
+            <a:noFill/>
+          </p:spPr>
+          <p:txBody>
+            <a:bodyPr wrap="square" rtlCol="0">
+              <a:spAutoFit/>
+            </a:bodyPr>
+            <a:lstStyle/>
+            <a:p>
+              <a:r>
+                <a:rPr lang="en-AU" sz="2400" dirty="0" smtClean="0">
+                  <a:solidFill>
+                    <a:schemeClr val="bg1">
+                      <a:lumMod val="50000"/>
+                    </a:schemeClr>
+                  </a:solidFill>
+                </a:rPr>
+                <a:t>Environmental conditions</a:t>
+              </a:r>
+              <a:endParaRPr lang="en-AU" sz="2400" dirty="0">
+                <a:solidFill>
+                  <a:schemeClr val="bg1">
+                    <a:lumMod val="50000"/>
+                  </a:schemeClr>
+                </a:solidFill>
+              </a:endParaRPr>
+            </a:p>
+          </p:txBody>
+        </p:sp>
+        <p:cxnSp>
+          <p:nvCxnSpPr>
+            <p:cNvPr id="180" name="Straight Arrow Connector 179"/>
+            <p:cNvCxnSpPr>
+              <a:stCxn id="179" idx="2"/>
+            </p:cNvCxnSpPr>
+            <p:nvPr/>
+          </p:nvCxnSpPr>
+          <p:spPr>
+            <a:xfrm flipH="1">
+              <a:off x="9209477" y="981499"/>
+              <a:ext cx="57846" cy="822588"/>
+            </a:xfrm>
+            <a:prstGeom prst="straightConnector1">
+              <a:avLst/>
+            </a:prstGeom>
+            <a:ln w="50800">
+              <a:solidFill>
+                <a:schemeClr val="bg1">
+                  <a:lumMod val="50000"/>
+                </a:schemeClr>
+              </a:solidFill>
+              <a:tailEnd type="triangle"/>
+            </a:ln>
+          </p:spPr>
+          <p:style>
+            <a:lnRef idx="1">
+              <a:schemeClr val="accent1"/>
+            </a:lnRef>
+            <a:fillRef idx="0">
+              <a:schemeClr val="accent1"/>
+            </a:fillRef>
+            <a:effectRef idx="0">
+              <a:schemeClr val="accent1"/>
+            </a:effectRef>
+            <a:fontRef idx="minor">
+              <a:schemeClr val="tx1"/>
+            </a:fontRef>
+          </p:style>
+        </p:cxnSp>
+      </p:grpSp>
+      <p:sp>
+        <p:nvSpPr>
+          <p:cNvPr id="42" name="Title 1"/>
+          <p:cNvSpPr txBox="1">
+            <a:spLocks/>
+          </p:cNvSpPr>
+          <p:nvPr/>
+        </p:nvSpPr>
+        <p:spPr>
+          <a:xfrm>
+            <a:off x="63857" y="2854352"/>
+            <a:ext cx="4492303" cy="2152163"/>
+          </a:xfrm>
+          <a:prstGeom prst="rect">
+            <a:avLst/>
+          </a:prstGeom>
+        </p:spPr>
+        <p:txBody>
+          <a:bodyPr vert="horz" lIns="91440" tIns="45720" rIns="91440" bIns="45720" rtlCol="0" anchor="ctr">
+            <a:normAutofit/>
+          </a:bodyPr>
+          <a:lstStyle>
+            <a:lvl1pPr algn="ctr" defTabSz="914400" rtl="0" eaLnBrk="1" latinLnBrk="0" hangingPunct="1">
+              <a:spcBef>
+                <a:spcPct val="0"/>
+              </a:spcBef>
+              <a:buNone/>
+              <a:defRPr sz="4400" kern="1200">
+                <a:solidFill>
+                  <a:schemeClr val="bg1"/>
+                </a:solidFill>
+                <a:latin typeface="+mj-lt"/>
+                <a:ea typeface="+mj-ea"/>
+                <a:cs typeface="+mj-cs"/>
+              </a:defRPr>
+            </a:lvl1pPr>
+          </a:lstStyle>
+          <a:p>
+            <a:r>
+              <a:rPr lang="en-AU" dirty="0" smtClean="0">
+                <a:latin typeface="+mn-lt"/>
+              </a:rPr>
+              <a:t>Obtain a </a:t>
+            </a:r>
+            <a:r>
+              <a:rPr lang="en-AU" b="1" dirty="0" smtClean="0">
+                <a:solidFill>
+                  <a:srgbClr val="00B050"/>
+                </a:solidFill>
+                <a:latin typeface="+mn-lt"/>
+              </a:rPr>
+              <a:t>representative</a:t>
+            </a:r>
+            <a:r>
+              <a:rPr lang="en-AU" dirty="0" smtClean="0">
+                <a:solidFill>
+                  <a:srgbClr val="00B050"/>
+                </a:solidFill>
+                <a:latin typeface="+mn-lt"/>
+              </a:rPr>
+              <a:t> </a:t>
+            </a:r>
+            <a:r>
+              <a:rPr lang="en-AU" dirty="0" smtClean="0">
+                <a:latin typeface="+mn-lt"/>
+              </a:rPr>
+              <a:t>sample </a:t>
+            </a:r>
+            <a:endParaRPr lang="en-AU" dirty="0">
+              <a:latin typeface="+mn-lt"/>
+            </a:endParaRPr>
+          </a:p>
+        </p:txBody>
+      </p:sp>
+      <p:sp>
+        <p:nvSpPr>
+          <p:cNvPr id="43" name="TextBox 42"/>
+          <p:cNvSpPr txBox="1"/>
+          <p:nvPr/>
+        </p:nvSpPr>
+        <p:spPr>
+          <a:xfrm>
+            <a:off x="6916283" y="4749609"/>
+            <a:ext cx="2207014" cy="400110"/>
+          </a:xfrm>
+          <a:prstGeom prst="rect">
+            <a:avLst/>
+          </a:prstGeom>
+          <a:noFill/>
+        </p:spPr>
+        <p:txBody>
+          <a:bodyPr wrap="none" rtlCol="0">
+            <a:spAutoFit/>
+          </a:bodyPr>
+          <a:lstStyle/>
+          <a:p>
+            <a:r>
+              <a:rPr lang="en-AU" sz="2000" dirty="0" smtClean="0">
+                <a:solidFill>
+                  <a:schemeClr val="bg1">
+                    <a:lumMod val="50000"/>
+                  </a:schemeClr>
+                </a:solidFill>
+              </a:rPr>
+              <a:t>jeffrey-hanson.com</a:t>
+            </a:r>
+            <a:endParaRPr lang="en-AU" sz="1600" dirty="0">
+              <a:solidFill>
+                <a:schemeClr val="bg1">
+                  <a:lumMod val="50000"/>
+                </a:schemeClr>
+              </a:solidFill>
+            </a:endParaRPr>
+          </a:p>
+        </p:txBody>
+      </p:sp>
+    </p:spTree>
+    <p:extLst>
+      <p:ext uri="{BB962C8B-B14F-4D97-AF65-F5344CB8AC3E}">
+        <p14:creationId xmlns:p14="http://schemas.microsoft.com/office/powerpoint/2010/main" val="920774331"/>
+      </p:ext>
+    </p:extLst>
+  </p:cSld>
+  <p:clrMapOvr>
+    <a:masterClrMapping/>
+  </p:clrMapOvr>
+  <p:timing>
+    <p:tnLst>
+      <p:par>
+        <p:cTn id="1" dur="indefinite" restart="never" nodeType="tmRoot"/>
+      </p:par>
+    </p:tnLst>
+  </p:timing>
+</p:sld>
+</file>
+
+<file path=ppt/slides/slide9.xml><?xml version="1.0" encoding="utf-8"?>
+<p:sld xmlns:a="http://schemas.openxmlformats.org/drawingml/2006/main" xmlns:r="http://schemas.openxmlformats.org/officeDocument/2006/relationships" xmlns:p="http://schemas.openxmlformats.org/presentationml/2006/main">
+  <p:cSld>
+    <p:spTree>
+      <p:nvGrpSpPr>
+        <p:cNvPr id="1" name=""/>
+        <p:cNvGrpSpPr/>
+        <p:nvPr/>
+      </p:nvGrpSpPr>
+      <p:grpSpPr>
+        <a:xfrm>
+          <a:off x="0" y="0"/>
+          <a:ext cx="0" cy="0"/>
+          <a:chOff x="0" y="0"/>
+          <a:chExt cx="0" cy="0"/>
+        </a:xfrm>
+      </p:grpSpPr>
+      <p:sp>
+        <p:nvSpPr>
+          <p:cNvPr id="2" name="Title 1"/>
+          <p:cNvSpPr>
+            <a:spLocks noGrp="1"/>
+          </p:cNvSpPr>
+          <p:nvPr>
+            <p:ph type="title"/>
+          </p:nvPr>
+        </p:nvSpPr>
         <p:spPr/>
         <p:txBody>
           <a:bodyPr/>
@@ -25473,7 +27908,15 @@
             </a:pPr>
             <a:r>
               <a:rPr lang="en-AU" sz="3600" dirty="0" smtClean="0"/>
-              <a:t>Create a unified reserve selection problem to identify </a:t>
+              <a:t>Create a unified reserve selection </a:t>
+            </a:r>
+            <a:r>
+              <a:rPr lang="en-AU" sz="3600" dirty="0" smtClean="0"/>
+              <a:t>tool in   to </a:t>
+            </a:r>
+            <a:r>
+              <a:rPr lang="en-AU" sz="3600" dirty="0" smtClean="0"/>
+              <a:t>identify </a:t>
             </a:r>
             <a:r>
               <a:rPr lang="en-AU" sz="3600" b="1" dirty="0" smtClean="0">
@@ -25614,94 +28057,31 @@
           </a:p>
         </p:txBody>
       </p:sp>
-    </p:spTree>
-    <p:extLst>
-      <p:ext uri="{BB962C8B-B14F-4D97-AF65-F5344CB8AC3E}">
-        <p14:creationId xmlns:p14="http://schemas.microsoft.com/office/powerpoint/2010/main" val="4170804356"/>
-      </p:ext>
-    </p:extLst>
-  </p:cSld>
-  <p:clrMapOvr>
-    <a:masterClrMapping/>
-  </p:clrMapOvr>
-  <p:timing>
-    <p:tnLst>
-      <p:par>
-        <p:cTn id="1" dur="indefinite" restart="never" nodeType="tmRoot"/>
-      </p:par>
-    </p:tnLst>
-  </p:timing>
-</p:sld>
-</file>
-
-<file path=ppt/slides/slide9.xml><?xml version="1.0" encoding="utf-8"?>
-<p:sld xmlns:a="http://schemas.openxmlformats.org/drawingml/2006/main" xmlns:r="http://schemas.openxmlformats.org/officeDocument/2006/relationships" xmlns:p="http://schemas.openxmlformats.org/presentationml/2006/main">
-  <p:cSld>
-    <p:spTree>
-      <p:nvGrpSpPr>
-        <p:cNvPr id="1" name=""/>
-        <p:cNvGrpSpPr/>
-        <p:nvPr/>
-      </p:nvGrpSpPr>
-      <p:grpSpPr>
-        <a:xfrm>
-          <a:off x="0" y="0"/>
-          <a:ext cx="0" cy="0"/>
-          <a:chOff x="0" y="0"/>
-          <a:chExt cx="0" cy="0"/>
-        </a:xfrm>
-      </p:grpSpPr>
-      <p:sp>
-        <p:nvSpPr>
-          <p:cNvPr id="2" name="Title 1"/>
-          <p:cNvSpPr>
-            <a:spLocks noGrp="1"/>
-          </p:cNvSpPr>
-          <p:nvPr>
-            <p:ph type="title"/>
-          </p:nvPr>
-        </p:nvSpPr>
-        <p:spPr>
-          <a:xfrm>
-            <a:off x="457200" y="882"/>
-            <a:ext cx="8229600" cy="857250"/>
-          </a:xfrm>
-        </p:spPr>
-        <p:txBody>
-          <a:bodyPr/>
-          <a:lstStyle/>
-          <a:p>
-            <a:r>
-              <a:rPr lang="en-AU" dirty="0" smtClean="0"/>
-              <a:t>Case study</a:t>
-            </a:r>
-            <a:endParaRPr lang="en-AU" dirty="0"/>
-          </a:p>
-        </p:txBody>
-      </p:sp>
       <p:pic>
         <p:nvPicPr>
-          <p:cNvPr id="4098" name="Picture 2" descr="C:\Users\jhanson\Downloads\unnamed-chunk-4-1.png"/>
+          <p:cNvPr id="5" name="Picture 2" descr="https://www.r-project.org/logo/Rlogo.png"/>
           <p:cNvPicPr>
             <a:picLocks noChangeAspect="1" noChangeArrowheads="1"/>
           </p:cNvPicPr>
           <p:nvPr/>
         </p:nvPicPr>
-        <p:blipFill rotWithShape="1">
-          <a:blip r:embed="rId2">
+        <p:blipFill>
+          <a:blip r:embed="rId2" cstate="print">
             <a:extLst>
               <a:ext uri="{28A0092B-C50C-407E-A947-70E740481C1C}">
                 <a14:useLocalDpi xmlns:a14="http://schemas.microsoft.com/office/drawing/2010/main" val="0"/>
               </a:ext>
             </a:extLst>
           </a:blip>
-          <a:srcRect b="50000"/>
-          <a:stretch/>
+          <a:srcRect/>
+          <a:stretch>
+            <a:fillRect/>
+          </a:stretch>
         </p:blipFill>
         <p:spPr bwMode="auto">
           <a:xfrm>
-            <a:off x="735170" y="711617"/>
-            <a:ext cx="7673660" cy="2877623"/>
+            <a:off x="8220138" y="1294608"/>
+            <a:ext cx="561652" cy="368584"/>
           </a:xfrm>
           <a:prstGeom prst="rect">
             <a:avLst/>
@@ -25718,243 +28098,10 @@
           </a:extLst>
         </p:spPr>
       </p:pic>
-      <p:grpSp>
-        <p:nvGrpSpPr>
-          <p:cNvPr id="4" name="Group 3"/>
-          <p:cNvGrpSpPr/>
-          <p:nvPr/>
-        </p:nvGrpSpPr>
-        <p:grpSpPr>
-          <a:xfrm>
-            <a:off x="871776" y="3729505"/>
-            <a:ext cx="5885980" cy="1346851"/>
-            <a:chOff x="1586151" y="3758080"/>
-            <a:chExt cx="5885980" cy="1346851"/>
-          </a:xfrm>
-        </p:grpSpPr>
-        <p:grpSp>
-          <p:nvGrpSpPr>
-            <p:cNvPr id="5" name="Group 4"/>
-            <p:cNvGrpSpPr/>
-            <p:nvPr/>
-          </p:nvGrpSpPr>
-          <p:grpSpPr>
-            <a:xfrm>
-              <a:off x="1671876" y="3758080"/>
-              <a:ext cx="5800255" cy="1272854"/>
-              <a:chOff x="1082233" y="5010772"/>
-              <a:chExt cx="5800255" cy="1697138"/>
-            </a:xfrm>
-          </p:grpSpPr>
-          <p:pic>
-            <p:nvPicPr>
-              <p:cNvPr id="4102" name="Picture 6" descr="http://www.actaplantarum.org/floraitaliae/download/file.php?id=99965"/>
-              <p:cNvPicPr>
-                <a:picLocks noChangeAspect="1" noChangeArrowheads="1"/>
-              </p:cNvPicPr>
-              <p:nvPr/>
-            </p:nvPicPr>
-            <p:blipFill>
-              <a:blip r:embed="rId3" cstate="print">
-                <a:extLst>
-                  <a:ext uri="{28A0092B-C50C-407E-A947-70E740481C1C}">
-                    <a14:useLocalDpi xmlns:a14="http://schemas.microsoft.com/office/drawing/2010/main" val="0"/>
-                  </a:ext>
-                </a:extLst>
-              </a:blip>
-              <a:srcRect/>
-              <a:stretch>
-                <a:fillRect/>
-              </a:stretch>
-            </p:blipFill>
-            <p:spPr bwMode="auto">
-              <a:xfrm>
-                <a:off x="1082233" y="5010772"/>
-                <a:ext cx="2262851" cy="1697138"/>
-              </a:xfrm>
-              <a:prstGeom prst="rect">
-                <a:avLst/>
-              </a:prstGeom>
-              <a:noFill/>
-              <a:extLst>
-                <a:ext uri="{909E8E84-426E-40DD-AFC4-6F175D3DCCD1}">
-                  <a14:hiddenFill xmlns:a14="http://schemas.microsoft.com/office/drawing/2010/main">
-                    <a:solidFill>
-                      <a:srgbClr val="FFFFFF"/>
-                    </a:solidFill>
-                  </a14:hiddenFill>
-                </a:ext>
-              </a:extLst>
-            </p:spPr>
-          </p:pic>
-          <p:pic>
-            <p:nvPicPr>
-              <p:cNvPr id="4104" name="Picture 8" descr="http://www.destigianni.com/images/Varie/fiori/phyteumabetonicifolium10.jpg"/>
-              <p:cNvPicPr>
-                <a:picLocks noChangeAspect="1" noChangeArrowheads="1"/>
-              </p:cNvPicPr>
-              <p:nvPr/>
-            </p:nvPicPr>
-            <p:blipFill>
-              <a:blip r:embed="rId4" cstate="print">
-                <a:extLst>
-                  <a:ext uri="{28A0092B-C50C-407E-A947-70E740481C1C}">
-                    <a14:useLocalDpi xmlns:a14="http://schemas.microsoft.com/office/drawing/2010/main" val="0"/>
-                  </a:ext>
-                </a:extLst>
-              </a:blip>
-              <a:srcRect/>
-              <a:stretch>
-                <a:fillRect/>
-              </a:stretch>
-            </p:blipFill>
-            <p:spPr bwMode="auto">
-              <a:xfrm>
-                <a:off x="3289286" y="5010772"/>
-                <a:ext cx="2543588" cy="1697138"/>
-              </a:xfrm>
-              <a:prstGeom prst="rect">
-                <a:avLst/>
-              </a:prstGeom>
-              <a:noFill/>
-              <a:extLst>
-                <a:ext uri="{909E8E84-426E-40DD-AFC4-6F175D3DCCD1}">
-                  <a14:hiddenFill xmlns:a14="http://schemas.microsoft.com/office/drawing/2010/main">
-                    <a:solidFill>
-                      <a:srgbClr val="FFFFFF"/>
-                    </a:solidFill>
-                  </a14:hiddenFill>
-                </a:ext>
-              </a:extLst>
-            </p:spPr>
-          </p:pic>
-          <p:pic>
-            <p:nvPicPr>
-              <p:cNvPr id="15" name="Picture 14" descr="https://upload.wikimedia.org/wikipedia/commons/0/01/Teufelskralle_blau_bl%C3%BChend_2.jpg"/>
-              <p:cNvPicPr>
-                <a:picLocks noChangeAspect="1" noChangeArrowheads="1"/>
-              </p:cNvPicPr>
-              <p:nvPr/>
-            </p:nvPicPr>
-            <p:blipFill>
-              <a:blip r:embed="rId5" cstate="print">
-                <a:extLst>
-                  <a:ext uri="{28A0092B-C50C-407E-A947-70E740481C1C}">
-                    <a14:useLocalDpi xmlns:a14="http://schemas.microsoft.com/office/drawing/2010/main" val="0"/>
-                  </a:ext>
-                </a:extLst>
-              </a:blip>
-              <a:srcRect/>
-              <a:stretch>
-                <a:fillRect/>
-              </a:stretch>
-            </p:blipFill>
-            <p:spPr bwMode="auto">
-              <a:xfrm>
-                <a:off x="5832873" y="5010772"/>
-                <a:ext cx="1049615" cy="1697137"/>
-              </a:xfrm>
-              <a:prstGeom prst="rect">
-                <a:avLst/>
-              </a:prstGeom>
-              <a:noFill/>
-              <a:extLst>
-                <a:ext uri="{909E8E84-426E-40DD-AFC4-6F175D3DCCD1}">
-                  <a14:hiddenFill xmlns:a14="http://schemas.microsoft.com/office/drawing/2010/main">
-                    <a:solidFill>
-                      <a:srgbClr val="FFFFFF"/>
-                    </a:solidFill>
-                  </a14:hiddenFill>
-                </a:ext>
-              </a:extLst>
-            </p:spPr>
-          </p:pic>
-        </p:grpSp>
-        <p:sp>
-          <p:nvSpPr>
-            <p:cNvPr id="3" name="TextBox 2"/>
-            <p:cNvSpPr txBox="1"/>
-            <p:nvPr/>
-          </p:nvSpPr>
-          <p:spPr>
-            <a:xfrm>
-              <a:off x="1586151" y="4735599"/>
-              <a:ext cx="2389565" cy="369332"/>
-            </a:xfrm>
-            <a:prstGeom prst="rect">
-              <a:avLst/>
-            </a:prstGeom>
-            <a:noFill/>
-          </p:spPr>
-          <p:txBody>
-            <a:bodyPr wrap="none" rtlCol="0">
-              <a:spAutoFit/>
-            </a:bodyPr>
-            <a:lstStyle/>
-            <a:p>
-              <a:r>
-                <a:rPr lang="en-AU" b="1" dirty="0" smtClean="0">
-                  <a:solidFill>
-                    <a:schemeClr val="bg1"/>
-                  </a:solidFill>
-                </a:rPr>
-                <a:t>betony leaved rampion</a:t>
-              </a:r>
-              <a:endParaRPr lang="en-AU" b="1" dirty="0">
-                <a:solidFill>
-                  <a:schemeClr val="bg1"/>
-                </a:solidFill>
-              </a:endParaRPr>
-            </a:p>
-          </p:txBody>
-        </p:sp>
-      </p:grpSp>
-      <p:sp>
-        <p:nvSpPr>
-          <p:cNvPr id="9" name="TextBox 8"/>
-          <p:cNvSpPr txBox="1"/>
-          <p:nvPr/>
-        </p:nvSpPr>
-        <p:spPr>
-          <a:xfrm>
-            <a:off x="6916283" y="4749609"/>
-            <a:ext cx="2207014" cy="400110"/>
-          </a:xfrm>
-          <a:prstGeom prst="rect">
-            <a:avLst/>
-          </a:prstGeom>
-          <a:noFill/>
-        </p:spPr>
-        <p:txBody>
-          <a:bodyPr wrap="none" rtlCol="0">
-            <a:spAutoFit/>
-          </a:bodyPr>
-          <a:lstStyle/>
-          <a:p>
-            <a:r>
-              <a:rPr lang="en-AU" sz="2000" dirty="0" smtClean="0">
-                <a:solidFill>
-                  <a:schemeClr val="bg1">
-                    <a:lumMod val="50000"/>
-                  </a:schemeClr>
-                </a:solidFill>
-              </a:rPr>
-              <a:t>jeffrey-hanson.com</a:t>
-            </a:r>
-            <a:endParaRPr lang="en-AU" sz="1600" dirty="0">
-              <a:solidFill>
-                <a:schemeClr val="bg1">
-                  <a:lumMod val="50000"/>
-                </a:schemeClr>
-              </a:solidFill>
-            </a:endParaRPr>
-          </a:p>
-        </p:txBody>
-      </p:sp>
     </p:spTree>
     <p:extLst>
       <p:ext uri="{BB962C8B-B14F-4D97-AF65-F5344CB8AC3E}">
-        <p14:creationId xmlns:p14="http://schemas.microsoft.com/office/powerpoint/2010/main" val="2634711689"/>
+        <p14:creationId xmlns:p14="http://schemas.microsoft.com/office/powerpoint/2010/main" val="4170804356"/>
       </p:ext>
     </p:extLst>
   </p:cSld>

--- a/seminars/SCBO-presentation-06-06-2016/jhanson_scbo.pptx
+++ b/seminars/SCBO-presentation-06-06-2016/jhanson_scbo.pptx
@@ -5873,7 +5873,6 @@
               <a:rPr lang="en-AU" dirty="0" smtClean="0"/>
               <a:t>        package</a:t>
             </a:r>
-            <a:endParaRPr lang="en-AU" dirty="0" smtClean="0"/>
           </a:p>
           <a:p>
             <a:endParaRPr lang="en-AU" dirty="0"/>
@@ -6202,11 +6201,7 @@
             </a:pPr>
             <a:r>
               <a:rPr lang="en-AU" dirty="0" smtClean="0"/>
-              <a:t>Landscape Ecology and Conservation </a:t>
-            </a:r>
-            <a:r>
-              <a:rPr lang="en-AU" dirty="0" smtClean="0"/>
-              <a:t>Group</a:t>
+              <a:t>Landscape Ecology and Conservation Group</a:t>
             </a:r>
           </a:p>
           <a:p>
@@ -15448,11 +15443,11 @@
   <p:clrMapOvr>
     <a:masterClrMapping/>
   </p:clrMapOvr>
-  <mc:AlternateContent xmlns:mc="http://schemas.openxmlformats.org/markup-compatibility/2006">
-    <mc:Choice xmlns:p14="http://schemas.microsoft.com/office/powerpoint/2010/main" Requires="p14">
+  <mc:AlternateContent xmlns:mc="http://schemas.openxmlformats.org/markup-compatibility/2006" xmlns:p14="http://schemas.microsoft.com/office/powerpoint/2010/main">
+    <mc:Choice Requires="p14">
       <p:transition spd="slow" p14:dur="2000"/>
     </mc:Choice>
-    <mc:Fallback>
+    <mc:Fallback xmlns="">
       <p:transition spd="slow"/>
     </mc:Fallback>
   </mc:AlternateContent>
@@ -15871,11 +15866,11 @@
   <p:clrMapOvr>
     <a:masterClrMapping/>
   </p:clrMapOvr>
-  <mc:AlternateContent xmlns:mc="http://schemas.openxmlformats.org/markup-compatibility/2006">
-    <mc:Choice xmlns:p14="http://schemas.microsoft.com/office/powerpoint/2010/main" Requires="p14">
+  <mc:AlternateContent xmlns:mc="http://schemas.openxmlformats.org/markup-compatibility/2006" xmlns:p14="http://schemas.microsoft.com/office/powerpoint/2010/main">
+    <mc:Choice Requires="p14">
       <p:transition spd="slow" p14:dur="2000"/>
     </mc:Choice>
-    <mc:Fallback>
+    <mc:Fallback xmlns="">
       <p:transition spd="slow"/>
     </mc:Fallback>
   </mc:AlternateContent>
@@ -16424,11 +16419,11 @@
   <p:clrMapOvr>
     <a:masterClrMapping/>
   </p:clrMapOvr>
-  <mc:AlternateContent xmlns:mc="http://schemas.openxmlformats.org/markup-compatibility/2006">
-    <mc:Choice xmlns:p14="http://schemas.microsoft.com/office/powerpoint/2010/main" Requires="p14">
+  <mc:AlternateContent xmlns:mc="http://schemas.openxmlformats.org/markup-compatibility/2006" xmlns:p14="http://schemas.microsoft.com/office/powerpoint/2010/main">
+    <mc:Choice Requires="p14">
       <p:transition spd="slow" p14:dur="2000"/>
     </mc:Choice>
-    <mc:Fallback>
+    <mc:Fallback xmlns="">
       <p:transition spd="slow"/>
     </mc:Fallback>
   </mc:AlternateContent>
@@ -27908,15 +27903,7 @@
             </a:pPr>
             <a:r>
               <a:rPr lang="en-AU" sz="3600" dirty="0" smtClean="0"/>
-              <a:t>Create a unified reserve selection </a:t>
-            </a:r>
-            <a:r>
-              <a:rPr lang="en-AU" sz="3600" dirty="0" smtClean="0"/>
-              <a:t>tool in   to </a:t>
-            </a:r>
-            <a:r>
-              <a:rPr lang="en-AU" sz="3600" dirty="0" smtClean="0"/>
-              <a:t>identify </a:t>
+              <a:t>Create a unified reserve selection tool in   to identify </a:t>
             </a:r>
             <a:r>
               <a:rPr lang="en-AU" sz="3600" b="1" dirty="0" smtClean="0">
